--- a/Zwischenpräsentation.pptx
+++ b/Zwischenpräsentation.pptx
@@ -5,10 +5,10 @@
     <p:sldMasterId id="2147483891" r:id="rId1"/>
   </p:sldMasterIdLst>
   <p:notesMasterIdLst>
-    <p:notesMasterId r:id="rId13"/>
+    <p:notesMasterId r:id="rId14"/>
   </p:notesMasterIdLst>
   <p:handoutMasterIdLst>
-    <p:handoutMasterId r:id="rId14"/>
+    <p:handoutMasterId r:id="rId15"/>
   </p:handoutMasterIdLst>
   <p:sldIdLst>
     <p:sldId id="290" r:id="rId2"/>
@@ -16,12 +16,13 @@
     <p:sldId id="291" r:id="rId4"/>
     <p:sldId id="292" r:id="rId5"/>
     <p:sldId id="293" r:id="rId6"/>
-    <p:sldId id="298" r:id="rId7"/>
-    <p:sldId id="299" r:id="rId8"/>
-    <p:sldId id="294" r:id="rId9"/>
-    <p:sldId id="295" r:id="rId10"/>
-    <p:sldId id="296" r:id="rId11"/>
-    <p:sldId id="297" r:id="rId12"/>
+    <p:sldId id="301" r:id="rId7"/>
+    <p:sldId id="298" r:id="rId8"/>
+    <p:sldId id="299" r:id="rId9"/>
+    <p:sldId id="294" r:id="rId10"/>
+    <p:sldId id="295" r:id="rId11"/>
+    <p:sldId id="296" r:id="rId12"/>
+    <p:sldId id="297" r:id="rId13"/>
   </p:sldIdLst>
   <p:sldSz cx="12192000" cy="6858000"/>
   <p:notesSz cx="6858000" cy="9144000"/>
@@ -2375,7 +2376,1349 @@
 </dgm:colorsDef>
 </file>
 
+<file path=ppt/diagrams/colors4.xml><?xml version="1.0" encoding="utf-8"?>
+<dgm:colorsDef xmlns:dgm="http://schemas.openxmlformats.org/drawingml/2006/diagram" xmlns:a="http://schemas.openxmlformats.org/drawingml/2006/main" uniqueId="urn:microsoft.com/office/officeart/2005/8/colors/accent1_2">
+  <dgm:title val=""/>
+  <dgm:desc val=""/>
+  <dgm:catLst>
+    <dgm:cat type="accent1" pri="11200"/>
+  </dgm:catLst>
+  <dgm:styleLbl name="node0">
+    <dgm:fillClrLst meth="repeat">
+      <a:schemeClr val="accent1"/>
+    </dgm:fillClrLst>
+    <dgm:linClrLst meth="repeat">
+      <a:schemeClr val="lt1"/>
+    </dgm:linClrLst>
+    <dgm:effectClrLst/>
+    <dgm:txLinClrLst/>
+    <dgm:txFillClrLst/>
+    <dgm:txEffectClrLst/>
+  </dgm:styleLbl>
+  <dgm:styleLbl name="alignNode1">
+    <dgm:fillClrLst meth="repeat">
+      <a:schemeClr val="accent1"/>
+    </dgm:fillClrLst>
+    <dgm:linClrLst meth="repeat">
+      <a:schemeClr val="accent1"/>
+    </dgm:linClrLst>
+    <dgm:effectClrLst/>
+    <dgm:txLinClrLst/>
+    <dgm:txFillClrLst/>
+    <dgm:txEffectClrLst/>
+  </dgm:styleLbl>
+  <dgm:styleLbl name="node1">
+    <dgm:fillClrLst meth="repeat">
+      <a:schemeClr val="accent1"/>
+    </dgm:fillClrLst>
+    <dgm:linClrLst meth="repeat">
+      <a:schemeClr val="lt1"/>
+    </dgm:linClrLst>
+    <dgm:effectClrLst/>
+    <dgm:txLinClrLst/>
+    <dgm:txFillClrLst/>
+    <dgm:txEffectClrLst/>
+  </dgm:styleLbl>
+  <dgm:styleLbl name="lnNode1">
+    <dgm:fillClrLst meth="repeat">
+      <a:schemeClr val="accent1"/>
+    </dgm:fillClrLst>
+    <dgm:linClrLst meth="repeat">
+      <a:schemeClr val="lt1"/>
+    </dgm:linClrLst>
+    <dgm:effectClrLst/>
+    <dgm:txLinClrLst/>
+    <dgm:txFillClrLst/>
+    <dgm:txEffectClrLst/>
+  </dgm:styleLbl>
+  <dgm:styleLbl name="vennNode1">
+    <dgm:fillClrLst meth="repeat">
+      <a:schemeClr val="accent1">
+        <a:alpha val="50000"/>
+      </a:schemeClr>
+    </dgm:fillClrLst>
+    <dgm:linClrLst meth="repeat">
+      <a:schemeClr val="lt1"/>
+    </dgm:linClrLst>
+    <dgm:effectClrLst/>
+    <dgm:txLinClrLst/>
+    <dgm:txFillClrLst/>
+    <dgm:txEffectClrLst/>
+  </dgm:styleLbl>
+  <dgm:styleLbl name="node2">
+    <dgm:fillClrLst meth="repeat">
+      <a:schemeClr val="accent1"/>
+    </dgm:fillClrLst>
+    <dgm:linClrLst meth="repeat">
+      <a:schemeClr val="lt1"/>
+    </dgm:linClrLst>
+    <dgm:effectClrLst/>
+    <dgm:txLinClrLst/>
+    <dgm:txFillClrLst/>
+    <dgm:txEffectClrLst/>
+  </dgm:styleLbl>
+  <dgm:styleLbl name="node3">
+    <dgm:fillClrLst meth="repeat">
+      <a:schemeClr val="accent1"/>
+    </dgm:fillClrLst>
+    <dgm:linClrLst meth="repeat">
+      <a:schemeClr val="lt1"/>
+    </dgm:linClrLst>
+    <dgm:effectClrLst/>
+    <dgm:txLinClrLst/>
+    <dgm:txFillClrLst/>
+    <dgm:txEffectClrLst/>
+  </dgm:styleLbl>
+  <dgm:styleLbl name="node4">
+    <dgm:fillClrLst meth="repeat">
+      <a:schemeClr val="accent1"/>
+    </dgm:fillClrLst>
+    <dgm:linClrLst meth="repeat">
+      <a:schemeClr val="lt1"/>
+    </dgm:linClrLst>
+    <dgm:effectClrLst/>
+    <dgm:txLinClrLst/>
+    <dgm:txFillClrLst/>
+    <dgm:txEffectClrLst/>
+  </dgm:styleLbl>
+  <dgm:styleLbl name="fgImgPlace1">
+    <dgm:fillClrLst meth="repeat">
+      <a:schemeClr val="accent1">
+        <a:tint val="50000"/>
+      </a:schemeClr>
+    </dgm:fillClrLst>
+    <dgm:linClrLst meth="repeat">
+      <a:schemeClr val="lt1"/>
+    </dgm:linClrLst>
+    <dgm:effectClrLst/>
+    <dgm:txLinClrLst/>
+    <dgm:txFillClrLst meth="repeat">
+      <a:schemeClr val="lt1"/>
+    </dgm:txFillClrLst>
+    <dgm:txEffectClrLst/>
+  </dgm:styleLbl>
+  <dgm:styleLbl name="alignImgPlace1">
+    <dgm:fillClrLst meth="repeat">
+      <a:schemeClr val="accent1">
+        <a:tint val="50000"/>
+      </a:schemeClr>
+    </dgm:fillClrLst>
+    <dgm:linClrLst meth="repeat">
+      <a:schemeClr val="lt1"/>
+    </dgm:linClrLst>
+    <dgm:effectClrLst/>
+    <dgm:txLinClrLst/>
+    <dgm:txFillClrLst meth="repeat">
+      <a:schemeClr val="lt1"/>
+    </dgm:txFillClrLst>
+    <dgm:txEffectClrLst/>
+  </dgm:styleLbl>
+  <dgm:styleLbl name="bgImgPlace1">
+    <dgm:fillClrLst meth="repeat">
+      <a:schemeClr val="accent1">
+        <a:tint val="50000"/>
+      </a:schemeClr>
+    </dgm:fillClrLst>
+    <dgm:linClrLst meth="repeat">
+      <a:schemeClr val="lt1"/>
+    </dgm:linClrLst>
+    <dgm:effectClrLst/>
+    <dgm:txLinClrLst/>
+    <dgm:txFillClrLst meth="repeat">
+      <a:schemeClr val="lt1"/>
+    </dgm:txFillClrLst>
+    <dgm:txEffectClrLst/>
+  </dgm:styleLbl>
+  <dgm:styleLbl name="sibTrans2D1">
+    <dgm:fillClrLst meth="repeat">
+      <a:schemeClr val="accent1">
+        <a:tint val="60000"/>
+      </a:schemeClr>
+    </dgm:fillClrLst>
+    <dgm:linClrLst meth="repeat">
+      <a:schemeClr val="accent1">
+        <a:tint val="60000"/>
+      </a:schemeClr>
+    </dgm:linClrLst>
+    <dgm:effectClrLst/>
+    <dgm:txLinClrLst/>
+    <dgm:txFillClrLst/>
+    <dgm:txEffectClrLst/>
+  </dgm:styleLbl>
+  <dgm:styleLbl name="fgSibTrans2D1">
+    <dgm:fillClrLst meth="repeat">
+      <a:schemeClr val="accent1">
+        <a:tint val="60000"/>
+      </a:schemeClr>
+    </dgm:fillClrLst>
+    <dgm:linClrLst meth="repeat">
+      <a:schemeClr val="accent1">
+        <a:tint val="60000"/>
+      </a:schemeClr>
+    </dgm:linClrLst>
+    <dgm:effectClrLst/>
+    <dgm:txLinClrLst/>
+    <dgm:txFillClrLst/>
+    <dgm:txEffectClrLst/>
+  </dgm:styleLbl>
+  <dgm:styleLbl name="bgSibTrans2D1">
+    <dgm:fillClrLst meth="repeat">
+      <a:schemeClr val="accent1">
+        <a:tint val="60000"/>
+      </a:schemeClr>
+    </dgm:fillClrLst>
+    <dgm:linClrLst meth="repeat">
+      <a:schemeClr val="accent1">
+        <a:tint val="60000"/>
+      </a:schemeClr>
+    </dgm:linClrLst>
+    <dgm:effectClrLst/>
+    <dgm:txLinClrLst/>
+    <dgm:txFillClrLst/>
+    <dgm:txEffectClrLst/>
+  </dgm:styleLbl>
+  <dgm:styleLbl name="sibTrans1D1">
+    <dgm:fillClrLst meth="repeat">
+      <a:schemeClr val="accent1"/>
+    </dgm:fillClrLst>
+    <dgm:linClrLst meth="repeat">
+      <a:schemeClr val="accent1"/>
+    </dgm:linClrLst>
+    <dgm:effectClrLst/>
+    <dgm:txLinClrLst/>
+    <dgm:txFillClrLst meth="repeat">
+      <a:schemeClr val="tx1"/>
+    </dgm:txFillClrLst>
+    <dgm:txEffectClrLst/>
+  </dgm:styleLbl>
+  <dgm:styleLbl name="callout">
+    <dgm:fillClrLst meth="repeat">
+      <a:schemeClr val="accent1"/>
+    </dgm:fillClrLst>
+    <dgm:linClrLst meth="repeat">
+      <a:schemeClr val="accent1">
+        <a:tint val="50000"/>
+      </a:schemeClr>
+    </dgm:linClrLst>
+    <dgm:effectClrLst/>
+    <dgm:txLinClrLst/>
+    <dgm:txFillClrLst meth="repeat">
+      <a:schemeClr val="tx1"/>
+    </dgm:txFillClrLst>
+    <dgm:txEffectClrLst/>
+  </dgm:styleLbl>
+  <dgm:styleLbl name="asst0">
+    <dgm:fillClrLst meth="repeat">
+      <a:schemeClr val="accent1"/>
+    </dgm:fillClrLst>
+    <dgm:linClrLst meth="repeat">
+      <a:schemeClr val="lt1"/>
+    </dgm:linClrLst>
+    <dgm:effectClrLst/>
+    <dgm:txLinClrLst/>
+    <dgm:txFillClrLst/>
+    <dgm:txEffectClrLst/>
+  </dgm:styleLbl>
+  <dgm:styleLbl name="asst1">
+    <dgm:fillClrLst meth="repeat">
+      <a:schemeClr val="accent1"/>
+    </dgm:fillClrLst>
+    <dgm:linClrLst meth="repeat">
+      <a:schemeClr val="lt1"/>
+    </dgm:linClrLst>
+    <dgm:effectClrLst/>
+    <dgm:txLinClrLst/>
+    <dgm:txFillClrLst/>
+    <dgm:txEffectClrLst/>
+  </dgm:styleLbl>
+  <dgm:styleLbl name="asst2">
+    <dgm:fillClrLst meth="repeat">
+      <a:schemeClr val="accent1"/>
+    </dgm:fillClrLst>
+    <dgm:linClrLst meth="repeat">
+      <a:schemeClr val="lt1"/>
+    </dgm:linClrLst>
+    <dgm:effectClrLst/>
+    <dgm:txLinClrLst/>
+    <dgm:txFillClrLst/>
+    <dgm:txEffectClrLst/>
+  </dgm:styleLbl>
+  <dgm:styleLbl name="asst3">
+    <dgm:fillClrLst meth="repeat">
+      <a:schemeClr val="accent1"/>
+    </dgm:fillClrLst>
+    <dgm:linClrLst meth="repeat">
+      <a:schemeClr val="lt1"/>
+    </dgm:linClrLst>
+    <dgm:effectClrLst/>
+    <dgm:txLinClrLst/>
+    <dgm:txFillClrLst/>
+    <dgm:txEffectClrLst/>
+  </dgm:styleLbl>
+  <dgm:styleLbl name="asst4">
+    <dgm:fillClrLst meth="repeat">
+      <a:schemeClr val="accent1"/>
+    </dgm:fillClrLst>
+    <dgm:linClrLst meth="repeat">
+      <a:schemeClr val="lt1"/>
+    </dgm:linClrLst>
+    <dgm:effectClrLst/>
+    <dgm:txLinClrLst/>
+    <dgm:txFillClrLst/>
+    <dgm:txEffectClrLst/>
+  </dgm:styleLbl>
+  <dgm:styleLbl name="parChTrans2D1">
+    <dgm:fillClrLst meth="repeat">
+      <a:schemeClr val="accent1">
+        <a:tint val="60000"/>
+      </a:schemeClr>
+    </dgm:fillClrLst>
+    <dgm:linClrLst meth="repeat">
+      <a:schemeClr val="accent1">
+        <a:tint val="60000"/>
+      </a:schemeClr>
+    </dgm:linClrLst>
+    <dgm:effectClrLst/>
+    <dgm:txLinClrLst/>
+    <dgm:txFillClrLst meth="repeat">
+      <a:schemeClr val="lt1"/>
+    </dgm:txFillClrLst>
+    <dgm:txEffectClrLst/>
+  </dgm:styleLbl>
+  <dgm:styleLbl name="parChTrans2D2">
+    <dgm:fillClrLst meth="repeat">
+      <a:schemeClr val="accent1"/>
+    </dgm:fillClrLst>
+    <dgm:linClrLst meth="repeat">
+      <a:schemeClr val="accent1"/>
+    </dgm:linClrLst>
+    <dgm:effectClrLst/>
+    <dgm:txLinClrLst/>
+    <dgm:txFillClrLst meth="repeat">
+      <a:schemeClr val="lt1"/>
+    </dgm:txFillClrLst>
+    <dgm:txEffectClrLst/>
+  </dgm:styleLbl>
+  <dgm:styleLbl name="parChTrans2D3">
+    <dgm:fillClrLst meth="repeat">
+      <a:schemeClr val="accent1"/>
+    </dgm:fillClrLst>
+    <dgm:linClrLst meth="repeat">
+      <a:schemeClr val="accent1"/>
+    </dgm:linClrLst>
+    <dgm:effectClrLst/>
+    <dgm:txLinClrLst/>
+    <dgm:txFillClrLst meth="repeat">
+      <a:schemeClr val="lt1"/>
+    </dgm:txFillClrLst>
+    <dgm:txEffectClrLst/>
+  </dgm:styleLbl>
+  <dgm:styleLbl name="parChTrans2D4">
+    <dgm:fillClrLst meth="repeat">
+      <a:schemeClr val="accent1"/>
+    </dgm:fillClrLst>
+    <dgm:linClrLst meth="repeat">
+      <a:schemeClr val="accent1"/>
+    </dgm:linClrLst>
+    <dgm:effectClrLst/>
+    <dgm:txLinClrLst/>
+    <dgm:txFillClrLst meth="repeat">
+      <a:schemeClr val="lt1"/>
+    </dgm:txFillClrLst>
+    <dgm:txEffectClrLst/>
+  </dgm:styleLbl>
+  <dgm:styleLbl name="parChTrans1D1">
+    <dgm:fillClrLst meth="repeat">
+      <a:schemeClr val="accent1"/>
+    </dgm:fillClrLst>
+    <dgm:linClrLst meth="repeat">
+      <a:schemeClr val="accent1">
+        <a:shade val="60000"/>
+      </a:schemeClr>
+    </dgm:linClrLst>
+    <dgm:effectClrLst/>
+    <dgm:txLinClrLst/>
+    <dgm:txFillClrLst meth="repeat">
+      <a:schemeClr val="tx1"/>
+    </dgm:txFillClrLst>
+    <dgm:txEffectClrLst/>
+  </dgm:styleLbl>
+  <dgm:styleLbl name="parChTrans1D2">
+    <dgm:fillClrLst meth="repeat">
+      <a:schemeClr val="accent1"/>
+    </dgm:fillClrLst>
+    <dgm:linClrLst meth="repeat">
+      <a:schemeClr val="accent1">
+        <a:shade val="60000"/>
+      </a:schemeClr>
+    </dgm:linClrLst>
+    <dgm:effectClrLst/>
+    <dgm:txLinClrLst/>
+    <dgm:txFillClrLst meth="repeat">
+      <a:schemeClr val="tx1"/>
+    </dgm:txFillClrLst>
+    <dgm:txEffectClrLst/>
+  </dgm:styleLbl>
+  <dgm:styleLbl name="parChTrans1D3">
+    <dgm:fillClrLst meth="repeat">
+      <a:schemeClr val="accent1"/>
+    </dgm:fillClrLst>
+    <dgm:linClrLst meth="repeat">
+      <a:schemeClr val="accent1">
+        <a:shade val="80000"/>
+      </a:schemeClr>
+    </dgm:linClrLst>
+    <dgm:effectClrLst/>
+    <dgm:txLinClrLst/>
+    <dgm:txFillClrLst meth="repeat">
+      <a:schemeClr val="tx1"/>
+    </dgm:txFillClrLst>
+    <dgm:txEffectClrLst/>
+  </dgm:styleLbl>
+  <dgm:styleLbl name="parChTrans1D4">
+    <dgm:fillClrLst meth="repeat">
+      <a:schemeClr val="accent1"/>
+    </dgm:fillClrLst>
+    <dgm:linClrLst meth="repeat">
+      <a:schemeClr val="accent1">
+        <a:shade val="80000"/>
+      </a:schemeClr>
+    </dgm:linClrLst>
+    <dgm:effectClrLst/>
+    <dgm:txLinClrLst/>
+    <dgm:txFillClrLst meth="repeat">
+      <a:schemeClr val="tx1"/>
+    </dgm:txFillClrLst>
+    <dgm:txEffectClrLst/>
+  </dgm:styleLbl>
+  <dgm:styleLbl name="fgAcc1">
+    <dgm:fillClrLst meth="repeat">
+      <a:schemeClr val="lt1">
+        <a:alpha val="90000"/>
+      </a:schemeClr>
+    </dgm:fillClrLst>
+    <dgm:linClrLst meth="repeat">
+      <a:schemeClr val="accent1"/>
+    </dgm:linClrLst>
+    <dgm:effectClrLst/>
+    <dgm:txLinClrLst/>
+    <dgm:txFillClrLst meth="repeat">
+      <a:schemeClr val="dk1"/>
+    </dgm:txFillClrLst>
+    <dgm:txEffectClrLst/>
+  </dgm:styleLbl>
+  <dgm:styleLbl name="conFgAcc1">
+    <dgm:fillClrLst meth="repeat">
+      <a:schemeClr val="lt1">
+        <a:alpha val="90000"/>
+      </a:schemeClr>
+    </dgm:fillClrLst>
+    <dgm:linClrLst meth="repeat">
+      <a:schemeClr val="accent1"/>
+    </dgm:linClrLst>
+    <dgm:effectClrLst/>
+    <dgm:txLinClrLst/>
+    <dgm:txFillClrLst meth="repeat">
+      <a:schemeClr val="dk1"/>
+    </dgm:txFillClrLst>
+    <dgm:txEffectClrLst/>
+  </dgm:styleLbl>
+  <dgm:styleLbl name="alignAcc1">
+    <dgm:fillClrLst meth="repeat">
+      <a:schemeClr val="lt1">
+        <a:alpha val="90000"/>
+      </a:schemeClr>
+    </dgm:fillClrLst>
+    <dgm:linClrLst meth="repeat">
+      <a:schemeClr val="accent1"/>
+    </dgm:linClrLst>
+    <dgm:effectClrLst/>
+    <dgm:txLinClrLst/>
+    <dgm:txFillClrLst meth="repeat">
+      <a:schemeClr val="dk1"/>
+    </dgm:txFillClrLst>
+    <dgm:txEffectClrLst/>
+  </dgm:styleLbl>
+  <dgm:styleLbl name="trAlignAcc1">
+    <dgm:fillClrLst meth="repeat">
+      <a:schemeClr val="lt1">
+        <a:alpha val="40000"/>
+      </a:schemeClr>
+    </dgm:fillClrLst>
+    <dgm:linClrLst meth="repeat">
+      <a:schemeClr val="accent1"/>
+    </dgm:linClrLst>
+    <dgm:effectClrLst/>
+    <dgm:txLinClrLst/>
+    <dgm:txFillClrLst meth="repeat">
+      <a:schemeClr val="dk1"/>
+    </dgm:txFillClrLst>
+    <dgm:txEffectClrLst/>
+  </dgm:styleLbl>
+  <dgm:styleLbl name="bgAcc1">
+    <dgm:fillClrLst meth="repeat">
+      <a:schemeClr val="lt1">
+        <a:alpha val="90000"/>
+      </a:schemeClr>
+    </dgm:fillClrLst>
+    <dgm:linClrLst meth="repeat">
+      <a:schemeClr val="accent1"/>
+    </dgm:linClrLst>
+    <dgm:effectClrLst/>
+    <dgm:txLinClrLst/>
+    <dgm:txFillClrLst meth="repeat">
+      <a:schemeClr val="dk1"/>
+    </dgm:txFillClrLst>
+    <dgm:txEffectClrLst/>
+  </dgm:styleLbl>
+  <dgm:styleLbl name="solidFgAcc1">
+    <dgm:fillClrLst meth="repeat">
+      <a:schemeClr val="lt1"/>
+    </dgm:fillClrLst>
+    <dgm:linClrLst meth="repeat">
+      <a:schemeClr val="accent1"/>
+    </dgm:linClrLst>
+    <dgm:effectClrLst/>
+    <dgm:txLinClrLst/>
+    <dgm:txFillClrLst meth="repeat">
+      <a:schemeClr val="dk1"/>
+    </dgm:txFillClrLst>
+    <dgm:txEffectClrLst/>
+  </dgm:styleLbl>
+  <dgm:styleLbl name="solidAlignAcc1">
+    <dgm:fillClrLst meth="repeat">
+      <a:schemeClr val="lt1"/>
+    </dgm:fillClrLst>
+    <dgm:linClrLst meth="repeat">
+      <a:schemeClr val="accent1"/>
+    </dgm:linClrLst>
+    <dgm:effectClrLst/>
+    <dgm:txLinClrLst/>
+    <dgm:txFillClrLst meth="repeat">
+      <a:schemeClr val="dk1"/>
+    </dgm:txFillClrLst>
+    <dgm:txEffectClrLst/>
+  </dgm:styleLbl>
+  <dgm:styleLbl name="solidBgAcc1">
+    <dgm:fillClrLst meth="repeat">
+      <a:schemeClr val="lt1"/>
+    </dgm:fillClrLst>
+    <dgm:linClrLst meth="repeat">
+      <a:schemeClr val="accent1"/>
+    </dgm:linClrLst>
+    <dgm:effectClrLst/>
+    <dgm:txLinClrLst/>
+    <dgm:txFillClrLst meth="repeat">
+      <a:schemeClr val="dk1"/>
+    </dgm:txFillClrLst>
+    <dgm:txEffectClrLst/>
+  </dgm:styleLbl>
+  <dgm:styleLbl name="fgAccFollowNode1">
+    <dgm:fillClrLst meth="repeat">
+      <a:schemeClr val="accent1">
+        <a:alpha val="90000"/>
+        <a:tint val="40000"/>
+      </a:schemeClr>
+    </dgm:fillClrLst>
+    <dgm:linClrLst meth="repeat">
+      <a:schemeClr val="accent1">
+        <a:alpha val="90000"/>
+        <a:tint val="40000"/>
+      </a:schemeClr>
+    </dgm:linClrLst>
+    <dgm:effectClrLst/>
+    <dgm:txLinClrLst/>
+    <dgm:txFillClrLst meth="repeat">
+      <a:schemeClr val="dk1"/>
+    </dgm:txFillClrLst>
+    <dgm:txEffectClrLst/>
+  </dgm:styleLbl>
+  <dgm:styleLbl name="alignAccFollowNode1">
+    <dgm:fillClrLst meth="repeat">
+      <a:schemeClr val="accent1">
+        <a:alpha val="90000"/>
+        <a:tint val="40000"/>
+      </a:schemeClr>
+    </dgm:fillClrLst>
+    <dgm:linClrLst meth="repeat">
+      <a:schemeClr val="accent1">
+        <a:alpha val="90000"/>
+        <a:tint val="40000"/>
+      </a:schemeClr>
+    </dgm:linClrLst>
+    <dgm:effectClrLst/>
+    <dgm:txLinClrLst/>
+    <dgm:txFillClrLst meth="repeat">
+      <a:schemeClr val="dk1"/>
+    </dgm:txFillClrLst>
+    <dgm:txEffectClrLst/>
+  </dgm:styleLbl>
+  <dgm:styleLbl name="bgAccFollowNode1">
+    <dgm:fillClrLst meth="repeat">
+      <a:schemeClr val="accent1">
+        <a:alpha val="90000"/>
+        <a:tint val="40000"/>
+      </a:schemeClr>
+    </dgm:fillClrLst>
+    <dgm:linClrLst meth="repeat">
+      <a:schemeClr val="accent1">
+        <a:alpha val="90000"/>
+        <a:tint val="40000"/>
+      </a:schemeClr>
+    </dgm:linClrLst>
+    <dgm:effectClrLst/>
+    <dgm:txLinClrLst/>
+    <dgm:txFillClrLst meth="repeat">
+      <a:schemeClr val="dk1"/>
+    </dgm:txFillClrLst>
+    <dgm:txEffectClrLst/>
+  </dgm:styleLbl>
+  <dgm:styleLbl name="fgAcc0">
+    <dgm:fillClrLst meth="repeat">
+      <a:schemeClr val="lt1">
+        <a:alpha val="90000"/>
+      </a:schemeClr>
+    </dgm:fillClrLst>
+    <dgm:linClrLst meth="repeat">
+      <a:schemeClr val="accent1"/>
+    </dgm:linClrLst>
+    <dgm:effectClrLst/>
+    <dgm:txLinClrLst/>
+    <dgm:txFillClrLst meth="repeat">
+      <a:schemeClr val="dk1"/>
+    </dgm:txFillClrLst>
+    <dgm:txEffectClrLst/>
+  </dgm:styleLbl>
+  <dgm:styleLbl name="fgAcc2">
+    <dgm:fillClrLst meth="repeat">
+      <a:schemeClr val="lt1">
+        <a:alpha val="90000"/>
+      </a:schemeClr>
+    </dgm:fillClrLst>
+    <dgm:linClrLst meth="repeat">
+      <a:schemeClr val="accent1"/>
+    </dgm:linClrLst>
+    <dgm:effectClrLst/>
+    <dgm:txLinClrLst/>
+    <dgm:txFillClrLst meth="repeat">
+      <a:schemeClr val="dk1"/>
+    </dgm:txFillClrLst>
+    <dgm:txEffectClrLst/>
+  </dgm:styleLbl>
+  <dgm:styleLbl name="fgAcc3">
+    <dgm:fillClrLst meth="repeat">
+      <a:schemeClr val="lt1">
+        <a:alpha val="90000"/>
+      </a:schemeClr>
+    </dgm:fillClrLst>
+    <dgm:linClrLst meth="repeat">
+      <a:schemeClr val="accent1"/>
+    </dgm:linClrLst>
+    <dgm:effectClrLst/>
+    <dgm:txLinClrLst/>
+    <dgm:txFillClrLst meth="repeat">
+      <a:schemeClr val="dk1"/>
+    </dgm:txFillClrLst>
+    <dgm:txEffectClrLst/>
+  </dgm:styleLbl>
+  <dgm:styleLbl name="fgAcc4">
+    <dgm:fillClrLst meth="repeat">
+      <a:schemeClr val="lt1">
+        <a:alpha val="90000"/>
+      </a:schemeClr>
+    </dgm:fillClrLst>
+    <dgm:linClrLst meth="repeat">
+      <a:schemeClr val="accent1"/>
+    </dgm:linClrLst>
+    <dgm:effectClrLst/>
+    <dgm:txLinClrLst/>
+    <dgm:txFillClrLst meth="repeat">
+      <a:schemeClr val="dk1"/>
+    </dgm:txFillClrLst>
+    <dgm:txEffectClrLst/>
+  </dgm:styleLbl>
+  <dgm:styleLbl name="bgShp">
+    <dgm:fillClrLst meth="repeat">
+      <a:schemeClr val="accent1">
+        <a:tint val="40000"/>
+      </a:schemeClr>
+    </dgm:fillClrLst>
+    <dgm:linClrLst meth="repeat">
+      <a:schemeClr val="accent1"/>
+    </dgm:linClrLst>
+    <dgm:effectClrLst/>
+    <dgm:txLinClrLst/>
+    <dgm:txFillClrLst meth="repeat">
+      <a:schemeClr val="dk1"/>
+    </dgm:txFillClrLst>
+    <dgm:txEffectClrLst/>
+  </dgm:styleLbl>
+  <dgm:styleLbl name="dkBgShp">
+    <dgm:fillClrLst meth="repeat">
+      <a:schemeClr val="accent1">
+        <a:shade val="80000"/>
+      </a:schemeClr>
+    </dgm:fillClrLst>
+    <dgm:linClrLst meth="repeat">
+      <a:schemeClr val="accent1"/>
+    </dgm:linClrLst>
+    <dgm:effectClrLst/>
+    <dgm:txLinClrLst/>
+    <dgm:txFillClrLst meth="repeat">
+      <a:schemeClr val="lt1"/>
+    </dgm:txFillClrLst>
+    <dgm:txEffectClrLst/>
+  </dgm:styleLbl>
+  <dgm:styleLbl name="trBgShp">
+    <dgm:fillClrLst meth="repeat">
+      <a:schemeClr val="accent1">
+        <a:tint val="50000"/>
+        <a:alpha val="40000"/>
+      </a:schemeClr>
+    </dgm:fillClrLst>
+    <dgm:linClrLst meth="repeat">
+      <a:schemeClr val="accent1"/>
+    </dgm:linClrLst>
+    <dgm:effectClrLst/>
+    <dgm:txLinClrLst/>
+    <dgm:txFillClrLst meth="repeat">
+      <a:schemeClr val="lt1"/>
+    </dgm:txFillClrLst>
+    <dgm:txEffectClrLst/>
+  </dgm:styleLbl>
+  <dgm:styleLbl name="fgShp">
+    <dgm:fillClrLst meth="repeat">
+      <a:schemeClr val="accent1">
+        <a:tint val="60000"/>
+      </a:schemeClr>
+    </dgm:fillClrLst>
+    <dgm:linClrLst meth="repeat">
+      <a:schemeClr val="lt1"/>
+    </dgm:linClrLst>
+    <dgm:effectClrLst/>
+    <dgm:txLinClrLst/>
+    <dgm:txFillClrLst meth="repeat">
+      <a:schemeClr val="dk1"/>
+    </dgm:txFillClrLst>
+    <dgm:txEffectClrLst/>
+  </dgm:styleLbl>
+  <dgm:styleLbl name="revTx">
+    <dgm:fillClrLst meth="repeat">
+      <a:schemeClr val="lt1">
+        <a:alpha val="0"/>
+      </a:schemeClr>
+    </dgm:fillClrLst>
+    <dgm:linClrLst meth="repeat">
+      <a:schemeClr val="dk1">
+        <a:alpha val="0"/>
+      </a:schemeClr>
+    </dgm:linClrLst>
+    <dgm:effectClrLst/>
+    <dgm:txLinClrLst/>
+    <dgm:txFillClrLst meth="repeat">
+      <a:schemeClr val="tx1"/>
+    </dgm:txFillClrLst>
+    <dgm:txEffectClrLst/>
+  </dgm:styleLbl>
+</dgm:colorsDef>
+</file>
+
 <file path=ppt/diagrams/data1.xml><?xml version="1.0" encoding="utf-8"?>
+<dgm:dataModel xmlns:dgm="http://schemas.openxmlformats.org/drawingml/2006/diagram" xmlns:a="http://schemas.openxmlformats.org/drawingml/2006/main">
+  <dgm:ptLst>
+    <dgm:pt modelId="{D5E359A2-1396-4193-A50B-D47392945B52}" type="doc">
+      <dgm:prSet loTypeId="urn:microsoft.com/office/officeart/2005/8/layout/cycle6" loCatId="cycle" qsTypeId="urn:microsoft.com/office/officeart/2005/8/quickstyle/simple1" qsCatId="simple" csTypeId="urn:microsoft.com/office/officeart/2005/8/colors/accent1_2" csCatId="accent1" phldr="1"/>
+      <dgm:spPr/>
+      <dgm:t>
+        <a:bodyPr/>
+        <a:lstStyle/>
+        <a:p>
+          <a:endParaRPr lang="de-DE"/>
+        </a:p>
+      </dgm:t>
+    </dgm:pt>
+    <dgm:pt modelId="{A3AD1877-1051-4DDE-822B-72B183B1696F}">
+      <dgm:prSet phldrT="[Text]" custT="1"/>
+      <dgm:spPr>
+        <a:solidFill>
+          <a:srgbClr val="28618C"/>
+        </a:solidFill>
+      </dgm:spPr>
+      <dgm:t>
+        <a:bodyPr/>
+        <a:lstStyle/>
+        <a:p>
+          <a:r>
+            <a:rPr lang="de-DE" sz="1100" dirty="0"/>
+            <a:t>Geschlecht</a:t>
+          </a:r>
+        </a:p>
+      </dgm:t>
+    </dgm:pt>
+    <dgm:pt modelId="{AFFCC1D7-4384-4E74-8B6E-A460479903F9}" type="parTrans" cxnId="{EFE165A2-6A31-425C-952D-C4676BD5E047}">
+      <dgm:prSet/>
+      <dgm:spPr/>
+      <dgm:t>
+        <a:bodyPr/>
+        <a:lstStyle/>
+        <a:p>
+          <a:endParaRPr lang="de-DE"/>
+        </a:p>
+      </dgm:t>
+    </dgm:pt>
+    <dgm:pt modelId="{0FDBC30E-FB81-4A3A-BE57-A69F578A6044}" type="sibTrans" cxnId="{EFE165A2-6A31-425C-952D-C4676BD5E047}">
+      <dgm:prSet/>
+      <dgm:spPr/>
+      <dgm:t>
+        <a:bodyPr/>
+        <a:lstStyle/>
+        <a:p>
+          <a:endParaRPr lang="de-DE"/>
+        </a:p>
+      </dgm:t>
+    </dgm:pt>
+    <dgm:pt modelId="{BDB876B7-7D2D-47DF-8C0A-665DBE609319}">
+      <dgm:prSet phldrT="[Text]" custT="1"/>
+      <dgm:spPr>
+        <a:solidFill>
+          <a:srgbClr val="28618C"/>
+        </a:solidFill>
+      </dgm:spPr>
+      <dgm:t>
+        <a:bodyPr/>
+        <a:lstStyle/>
+        <a:p>
+          <a:r>
+            <a:rPr lang="de-DE" sz="1100" dirty="0"/>
+            <a:t>Bildungsstand</a:t>
+          </a:r>
+        </a:p>
+      </dgm:t>
+    </dgm:pt>
+    <dgm:pt modelId="{161374A4-BFAE-4887-BA7D-8ED5BE0F79B5}" type="parTrans" cxnId="{F0C4D6EE-8CAC-4834-8B18-7DD052AE8AE0}">
+      <dgm:prSet/>
+      <dgm:spPr/>
+      <dgm:t>
+        <a:bodyPr/>
+        <a:lstStyle/>
+        <a:p>
+          <a:endParaRPr lang="de-DE"/>
+        </a:p>
+      </dgm:t>
+    </dgm:pt>
+    <dgm:pt modelId="{C448C3AD-E214-4579-BA1A-E569E46ACA6C}" type="sibTrans" cxnId="{F0C4D6EE-8CAC-4834-8B18-7DD052AE8AE0}">
+      <dgm:prSet/>
+      <dgm:spPr/>
+      <dgm:t>
+        <a:bodyPr/>
+        <a:lstStyle/>
+        <a:p>
+          <a:endParaRPr lang="de-DE"/>
+        </a:p>
+      </dgm:t>
+    </dgm:pt>
+    <dgm:pt modelId="{51692F9C-B654-402D-8751-419BAD8EAD72}">
+      <dgm:prSet phldrT="[Text]" custT="1"/>
+      <dgm:spPr>
+        <a:solidFill>
+          <a:srgbClr val="28618C"/>
+        </a:solidFill>
+      </dgm:spPr>
+      <dgm:t>
+        <a:bodyPr/>
+        <a:lstStyle/>
+        <a:p>
+          <a:r>
+            <a:rPr lang="de-DE" sz="1100" dirty="0"/>
+            <a:t>Wohnsituation</a:t>
+          </a:r>
+        </a:p>
+      </dgm:t>
+    </dgm:pt>
+    <dgm:pt modelId="{7DB27CB4-DF18-4F6C-8EB7-78905E85FE96}" type="parTrans" cxnId="{392B8D6D-5F42-46C1-81FC-171981456490}">
+      <dgm:prSet/>
+      <dgm:spPr/>
+      <dgm:t>
+        <a:bodyPr/>
+        <a:lstStyle/>
+        <a:p>
+          <a:endParaRPr lang="de-DE"/>
+        </a:p>
+      </dgm:t>
+    </dgm:pt>
+    <dgm:pt modelId="{E94839C1-F083-486B-BC4B-5547510546E7}" type="sibTrans" cxnId="{392B8D6D-5F42-46C1-81FC-171981456490}">
+      <dgm:prSet/>
+      <dgm:spPr/>
+      <dgm:t>
+        <a:bodyPr/>
+        <a:lstStyle/>
+        <a:p>
+          <a:endParaRPr lang="de-DE"/>
+        </a:p>
+      </dgm:t>
+    </dgm:pt>
+    <dgm:pt modelId="{6E5A2363-4BAB-431F-8FD4-534AACE23E24}">
+      <dgm:prSet phldrT="[Text]" custT="1"/>
+      <dgm:spPr>
+        <a:solidFill>
+          <a:srgbClr val="28618C"/>
+        </a:solidFill>
+      </dgm:spPr>
+      <dgm:t>
+        <a:bodyPr/>
+        <a:lstStyle/>
+        <a:p>
+          <a:r>
+            <a:rPr lang="de-DE" sz="1100" dirty="0"/>
+            <a:t>Familienstand</a:t>
+          </a:r>
+        </a:p>
+      </dgm:t>
+    </dgm:pt>
+    <dgm:pt modelId="{3646EA4B-FB74-46A2-B4F2-F50757B385D5}" type="parTrans" cxnId="{6FDB3FEC-B2AA-4FF1-9CEA-D0C6398B104E}">
+      <dgm:prSet/>
+      <dgm:spPr/>
+      <dgm:t>
+        <a:bodyPr/>
+        <a:lstStyle/>
+        <a:p>
+          <a:endParaRPr lang="de-DE"/>
+        </a:p>
+      </dgm:t>
+    </dgm:pt>
+    <dgm:pt modelId="{DB888123-C215-4D7D-B83F-D49F50842793}" type="sibTrans" cxnId="{6FDB3FEC-B2AA-4FF1-9CEA-D0C6398B104E}">
+      <dgm:prSet/>
+      <dgm:spPr/>
+      <dgm:t>
+        <a:bodyPr/>
+        <a:lstStyle/>
+        <a:p>
+          <a:endParaRPr lang="de-DE"/>
+        </a:p>
+      </dgm:t>
+    </dgm:pt>
+    <dgm:pt modelId="{8DCEDE47-338B-4F02-BE5A-62D6E1220EB1}">
+      <dgm:prSet phldrT="[Text]" custT="1"/>
+      <dgm:spPr>
+        <a:solidFill>
+          <a:srgbClr val="28618C"/>
+        </a:solidFill>
+      </dgm:spPr>
+      <dgm:t>
+        <a:bodyPr/>
+        <a:lstStyle/>
+        <a:p>
+          <a:r>
+            <a:rPr lang="de-DE" sz="1100" dirty="0"/>
+            <a:t>Physische Funktionen</a:t>
+          </a:r>
+        </a:p>
+      </dgm:t>
+    </dgm:pt>
+    <dgm:pt modelId="{D340D388-7BF2-495B-83D1-98759C2E33BE}" type="parTrans" cxnId="{5217D73F-478C-407F-B8A9-44B519FCFAD5}">
+      <dgm:prSet/>
+      <dgm:spPr/>
+      <dgm:t>
+        <a:bodyPr/>
+        <a:lstStyle/>
+        <a:p>
+          <a:endParaRPr lang="de-DE"/>
+        </a:p>
+      </dgm:t>
+    </dgm:pt>
+    <dgm:pt modelId="{F8DF79BA-2F1F-4F50-9589-74FB99238F52}" type="sibTrans" cxnId="{5217D73F-478C-407F-B8A9-44B519FCFAD5}">
+      <dgm:prSet/>
+      <dgm:spPr/>
+      <dgm:t>
+        <a:bodyPr/>
+        <a:lstStyle/>
+        <a:p>
+          <a:endParaRPr lang="de-DE"/>
+        </a:p>
+      </dgm:t>
+    </dgm:pt>
+    <dgm:pt modelId="{BCC41B83-8D67-427D-9A6F-0A94BF81066D}">
+      <dgm:prSet phldrT="[Text]" custT="1"/>
+      <dgm:spPr>
+        <a:solidFill>
+          <a:srgbClr val="28618C"/>
+        </a:solidFill>
+      </dgm:spPr>
+      <dgm:t>
+        <a:bodyPr/>
+        <a:lstStyle/>
+        <a:p>
+          <a:r>
+            <a:rPr lang="de-DE" sz="1100" dirty="0"/>
+            <a:t>Alter</a:t>
+          </a:r>
+        </a:p>
+      </dgm:t>
+    </dgm:pt>
+    <dgm:pt modelId="{D3D5005F-86E7-4714-B58D-781D4D753EFE}" type="parTrans" cxnId="{F99924C9-1811-453C-83B5-C89FE900BBA1}">
+      <dgm:prSet/>
+      <dgm:spPr/>
+      <dgm:t>
+        <a:bodyPr/>
+        <a:lstStyle/>
+        <a:p>
+          <a:endParaRPr lang="de-DE"/>
+        </a:p>
+      </dgm:t>
+    </dgm:pt>
+    <dgm:pt modelId="{40876D25-BEBD-4E76-A84C-548B57CB7FAA}" type="sibTrans" cxnId="{F99924C9-1811-453C-83B5-C89FE900BBA1}">
+      <dgm:prSet/>
+      <dgm:spPr/>
+      <dgm:t>
+        <a:bodyPr/>
+        <a:lstStyle/>
+        <a:p>
+          <a:endParaRPr lang="de-DE"/>
+        </a:p>
+      </dgm:t>
+    </dgm:pt>
+    <dgm:pt modelId="{904C897C-5580-4E02-98B0-C3D936A1F419}">
+      <dgm:prSet phldrT="[Text]" custT="1"/>
+      <dgm:spPr>
+        <a:solidFill>
+          <a:srgbClr val="28618C"/>
+        </a:solidFill>
+      </dgm:spPr>
+      <dgm:t>
+        <a:bodyPr/>
+        <a:lstStyle/>
+        <a:p>
+          <a:r>
+            <a:rPr lang="de-DE" sz="1100" dirty="0"/>
+            <a:t>Einkommen</a:t>
+          </a:r>
+        </a:p>
+      </dgm:t>
+    </dgm:pt>
+    <dgm:pt modelId="{B5B931EA-1CE5-4DE0-9BDC-055191E27D5E}" type="parTrans" cxnId="{92C6D848-6BF2-4FAE-BF78-84549D605296}">
+      <dgm:prSet/>
+      <dgm:spPr/>
+      <dgm:t>
+        <a:bodyPr/>
+        <a:lstStyle/>
+        <a:p>
+          <a:endParaRPr lang="de-DE"/>
+        </a:p>
+      </dgm:t>
+    </dgm:pt>
+    <dgm:pt modelId="{70AD1E90-4882-4B40-B260-55E497B10F8E}" type="sibTrans" cxnId="{92C6D848-6BF2-4FAE-BF78-84549D605296}">
+      <dgm:prSet/>
+      <dgm:spPr/>
+      <dgm:t>
+        <a:bodyPr/>
+        <a:lstStyle/>
+        <a:p>
+          <a:endParaRPr lang="de-DE"/>
+        </a:p>
+      </dgm:t>
+    </dgm:pt>
+    <dgm:pt modelId="{A26908BA-55D8-40BC-B473-B106FF50F5C9}">
+      <dgm:prSet phldrT="[Text]" custT="1"/>
+      <dgm:spPr>
+        <a:solidFill>
+          <a:srgbClr val="28618C"/>
+        </a:solidFill>
+      </dgm:spPr>
+      <dgm:t>
+        <a:bodyPr/>
+        <a:lstStyle/>
+        <a:p>
+          <a:r>
+            <a:rPr lang="de-DE" sz="1100" dirty="0"/>
+            <a:t>Kognitive Funktionen</a:t>
+          </a:r>
+        </a:p>
+      </dgm:t>
+    </dgm:pt>
+    <dgm:pt modelId="{9708E6B4-60B4-43B7-B70C-24FBDF14CAF8}" type="parTrans" cxnId="{1FB58C81-24D9-4B7E-8673-F3857394C7B1}">
+      <dgm:prSet/>
+      <dgm:spPr/>
+      <dgm:t>
+        <a:bodyPr/>
+        <a:lstStyle/>
+        <a:p>
+          <a:endParaRPr lang="de-DE"/>
+        </a:p>
+      </dgm:t>
+    </dgm:pt>
+    <dgm:pt modelId="{F824C034-F431-4AD0-B882-554E3069E76C}" type="sibTrans" cxnId="{1FB58C81-24D9-4B7E-8673-F3857394C7B1}">
+      <dgm:prSet/>
+      <dgm:spPr/>
+      <dgm:t>
+        <a:bodyPr/>
+        <a:lstStyle/>
+        <a:p>
+          <a:endParaRPr lang="de-DE"/>
+        </a:p>
+      </dgm:t>
+    </dgm:pt>
+    <dgm:pt modelId="{27B10F2F-3E66-459B-BBDE-BFC5BB8A1EF4}">
+      <dgm:prSet phldrT="[Text]" custT="1"/>
+      <dgm:spPr>
+        <a:solidFill>
+          <a:srgbClr val="28618C"/>
+        </a:solidFill>
+      </dgm:spPr>
+      <dgm:t>
+        <a:bodyPr/>
+        <a:lstStyle/>
+        <a:p>
+          <a:r>
+            <a:rPr lang="de-DE" sz="1100" dirty="0"/>
+            <a:t>Sensorische Funktionen</a:t>
+          </a:r>
+        </a:p>
+      </dgm:t>
+    </dgm:pt>
+    <dgm:pt modelId="{9A34EC0A-6BA6-4E02-A4A6-8F569DC96F3B}" type="parTrans" cxnId="{721CB475-A9ED-4AAA-8C8A-48A0B672EBFF}">
+      <dgm:prSet/>
+      <dgm:spPr/>
+      <dgm:t>
+        <a:bodyPr/>
+        <a:lstStyle/>
+        <a:p>
+          <a:endParaRPr lang="de-DE"/>
+        </a:p>
+      </dgm:t>
+    </dgm:pt>
+    <dgm:pt modelId="{B6F6AA94-408E-4190-9ECE-966C0A2B2F12}" type="sibTrans" cxnId="{721CB475-A9ED-4AAA-8C8A-48A0B672EBFF}">
+      <dgm:prSet/>
+      <dgm:spPr/>
+      <dgm:t>
+        <a:bodyPr/>
+        <a:lstStyle/>
+        <a:p>
+          <a:endParaRPr lang="de-DE"/>
+        </a:p>
+      </dgm:t>
+    </dgm:pt>
+    <dgm:pt modelId="{08F6F9E3-F316-4D5F-B5EC-DECEBA8C47E4}" type="pres">
+      <dgm:prSet presAssocID="{D5E359A2-1396-4193-A50B-D47392945B52}" presName="cycle" presStyleCnt="0">
+        <dgm:presLayoutVars>
+          <dgm:dir/>
+          <dgm:resizeHandles val="exact"/>
+        </dgm:presLayoutVars>
+      </dgm:prSet>
+      <dgm:spPr/>
+    </dgm:pt>
+    <dgm:pt modelId="{F907C25A-FED1-4426-B155-AC0A801257AD}" type="pres">
+      <dgm:prSet presAssocID="{A3AD1877-1051-4DDE-822B-72B183B1696F}" presName="node" presStyleLbl="node1" presStyleIdx="0" presStyleCnt="9" custScaleX="137474" custScaleY="144384">
+        <dgm:presLayoutVars>
+          <dgm:bulletEnabled val="1"/>
+        </dgm:presLayoutVars>
+      </dgm:prSet>
+      <dgm:spPr/>
+    </dgm:pt>
+    <dgm:pt modelId="{D0DB9679-12C0-4088-BE60-7BECD9132F8B}" type="pres">
+      <dgm:prSet presAssocID="{A3AD1877-1051-4DDE-822B-72B183B1696F}" presName="spNode" presStyleCnt="0"/>
+      <dgm:spPr/>
+    </dgm:pt>
+    <dgm:pt modelId="{89FFB4D7-648D-4155-9079-07380C81157B}" type="pres">
+      <dgm:prSet presAssocID="{0FDBC30E-FB81-4A3A-BE57-A69F578A6044}" presName="sibTrans" presStyleLbl="sibTrans1D1" presStyleIdx="0" presStyleCnt="9"/>
+      <dgm:spPr/>
+    </dgm:pt>
+    <dgm:pt modelId="{DDD62901-8380-40E9-888A-4765C9CC90E4}" type="pres">
+      <dgm:prSet presAssocID="{BCC41B83-8D67-427D-9A6F-0A94BF81066D}" presName="node" presStyleLbl="node1" presStyleIdx="1" presStyleCnt="9" custScaleX="137474" custScaleY="144384">
+        <dgm:presLayoutVars>
+          <dgm:bulletEnabled val="1"/>
+        </dgm:presLayoutVars>
+      </dgm:prSet>
+      <dgm:spPr/>
+    </dgm:pt>
+    <dgm:pt modelId="{716F3A57-7126-4DBD-8113-7552C81ECA78}" type="pres">
+      <dgm:prSet presAssocID="{BCC41B83-8D67-427D-9A6F-0A94BF81066D}" presName="spNode" presStyleCnt="0"/>
+      <dgm:spPr/>
+    </dgm:pt>
+    <dgm:pt modelId="{6858B998-0E49-4222-937F-6F36227B5557}" type="pres">
+      <dgm:prSet presAssocID="{40876D25-BEBD-4E76-A84C-548B57CB7FAA}" presName="sibTrans" presStyleLbl="sibTrans1D1" presStyleIdx="1" presStyleCnt="9"/>
+      <dgm:spPr/>
+    </dgm:pt>
+    <dgm:pt modelId="{E9E06CF9-CCA4-46FC-89A3-C1A2B194EC4E}" type="pres">
+      <dgm:prSet presAssocID="{904C897C-5580-4E02-98B0-C3D936A1F419}" presName="node" presStyleLbl="node1" presStyleIdx="2" presStyleCnt="9" custScaleX="137474" custScaleY="144384">
+        <dgm:presLayoutVars>
+          <dgm:bulletEnabled val="1"/>
+        </dgm:presLayoutVars>
+      </dgm:prSet>
+      <dgm:spPr/>
+    </dgm:pt>
+    <dgm:pt modelId="{F3B75C9B-25F4-4083-ADAA-9F9ED05B6524}" type="pres">
+      <dgm:prSet presAssocID="{904C897C-5580-4E02-98B0-C3D936A1F419}" presName="spNode" presStyleCnt="0"/>
+      <dgm:spPr/>
+    </dgm:pt>
+    <dgm:pt modelId="{48B23980-547E-4220-A30A-D54F0305B1FD}" type="pres">
+      <dgm:prSet presAssocID="{70AD1E90-4882-4B40-B260-55E497B10F8E}" presName="sibTrans" presStyleLbl="sibTrans1D1" presStyleIdx="2" presStyleCnt="9"/>
+      <dgm:spPr/>
+    </dgm:pt>
+    <dgm:pt modelId="{65113CC3-E155-4985-A491-2D7814961F62}" type="pres">
+      <dgm:prSet presAssocID="{BDB876B7-7D2D-47DF-8C0A-665DBE609319}" presName="node" presStyleLbl="node1" presStyleIdx="3" presStyleCnt="9" custScaleX="137474" custScaleY="144384">
+        <dgm:presLayoutVars>
+          <dgm:bulletEnabled val="1"/>
+        </dgm:presLayoutVars>
+      </dgm:prSet>
+      <dgm:spPr/>
+    </dgm:pt>
+    <dgm:pt modelId="{7379EA44-F437-4BAE-A4FC-9DA8A8DF9A8A}" type="pres">
+      <dgm:prSet presAssocID="{BDB876B7-7D2D-47DF-8C0A-665DBE609319}" presName="spNode" presStyleCnt="0"/>
+      <dgm:spPr/>
+    </dgm:pt>
+    <dgm:pt modelId="{E8615112-DA0E-41DB-91FB-818CE9BA2FA8}" type="pres">
+      <dgm:prSet presAssocID="{C448C3AD-E214-4579-BA1A-E569E46ACA6C}" presName="sibTrans" presStyleLbl="sibTrans1D1" presStyleIdx="3" presStyleCnt="9"/>
+      <dgm:spPr/>
+    </dgm:pt>
+    <dgm:pt modelId="{23018106-5BED-4121-A88C-586D3EDE89FC}" type="pres">
+      <dgm:prSet presAssocID="{51692F9C-B654-402D-8751-419BAD8EAD72}" presName="node" presStyleLbl="node1" presStyleIdx="4" presStyleCnt="9" custScaleX="137474" custScaleY="144384">
+        <dgm:presLayoutVars>
+          <dgm:bulletEnabled val="1"/>
+        </dgm:presLayoutVars>
+      </dgm:prSet>
+      <dgm:spPr/>
+    </dgm:pt>
+    <dgm:pt modelId="{D2E0AF1F-214F-42E0-8857-BED88FA8CFBD}" type="pres">
+      <dgm:prSet presAssocID="{51692F9C-B654-402D-8751-419BAD8EAD72}" presName="spNode" presStyleCnt="0"/>
+      <dgm:spPr/>
+    </dgm:pt>
+    <dgm:pt modelId="{130115E0-C4FC-49D8-86E7-F365333DE1CB}" type="pres">
+      <dgm:prSet presAssocID="{E94839C1-F083-486B-BC4B-5547510546E7}" presName="sibTrans" presStyleLbl="sibTrans1D1" presStyleIdx="4" presStyleCnt="9"/>
+      <dgm:spPr/>
+    </dgm:pt>
+    <dgm:pt modelId="{DBFE9B41-546F-4C33-BECF-A147C9908129}" type="pres">
+      <dgm:prSet presAssocID="{6E5A2363-4BAB-431F-8FD4-534AACE23E24}" presName="node" presStyleLbl="node1" presStyleIdx="5" presStyleCnt="9" custScaleX="137474" custScaleY="144384">
+        <dgm:presLayoutVars>
+          <dgm:bulletEnabled val="1"/>
+        </dgm:presLayoutVars>
+      </dgm:prSet>
+      <dgm:spPr/>
+    </dgm:pt>
+    <dgm:pt modelId="{14076932-3DC3-4A29-B2DA-88B4E2D3E5A4}" type="pres">
+      <dgm:prSet presAssocID="{6E5A2363-4BAB-431F-8FD4-534AACE23E24}" presName="spNode" presStyleCnt="0"/>
+      <dgm:spPr/>
+    </dgm:pt>
+    <dgm:pt modelId="{8B4E716E-66F4-46FA-BACC-77CC2430CCBC}" type="pres">
+      <dgm:prSet presAssocID="{DB888123-C215-4D7D-B83F-D49F50842793}" presName="sibTrans" presStyleLbl="sibTrans1D1" presStyleIdx="5" presStyleCnt="9"/>
+      <dgm:spPr/>
+    </dgm:pt>
+    <dgm:pt modelId="{43E630E3-750C-48F5-9E65-687BC7084B68}" type="pres">
+      <dgm:prSet presAssocID="{8DCEDE47-338B-4F02-BE5A-62D6E1220EB1}" presName="node" presStyleLbl="node1" presStyleIdx="6" presStyleCnt="9" custScaleX="137474" custScaleY="144384">
+        <dgm:presLayoutVars>
+          <dgm:bulletEnabled val="1"/>
+        </dgm:presLayoutVars>
+      </dgm:prSet>
+      <dgm:spPr/>
+    </dgm:pt>
+    <dgm:pt modelId="{5A616D30-455B-46F3-BB9B-DADB2EFC7DF6}" type="pres">
+      <dgm:prSet presAssocID="{8DCEDE47-338B-4F02-BE5A-62D6E1220EB1}" presName="spNode" presStyleCnt="0"/>
+      <dgm:spPr/>
+    </dgm:pt>
+    <dgm:pt modelId="{F8DB9E2D-5FF3-4581-9ED3-79EF5EFE897F}" type="pres">
+      <dgm:prSet presAssocID="{F8DF79BA-2F1F-4F50-9589-74FB99238F52}" presName="sibTrans" presStyleLbl="sibTrans1D1" presStyleIdx="6" presStyleCnt="9"/>
+      <dgm:spPr/>
+    </dgm:pt>
+    <dgm:pt modelId="{BD24DBAE-1E37-4349-9985-5A3EB51B2CEC}" type="pres">
+      <dgm:prSet presAssocID="{A26908BA-55D8-40BC-B473-B106FF50F5C9}" presName="node" presStyleLbl="node1" presStyleIdx="7" presStyleCnt="9" custScaleX="137474" custScaleY="144384">
+        <dgm:presLayoutVars>
+          <dgm:bulletEnabled val="1"/>
+        </dgm:presLayoutVars>
+      </dgm:prSet>
+      <dgm:spPr/>
+    </dgm:pt>
+    <dgm:pt modelId="{D88C2167-8EBC-44E3-891C-800189D26A06}" type="pres">
+      <dgm:prSet presAssocID="{A26908BA-55D8-40BC-B473-B106FF50F5C9}" presName="spNode" presStyleCnt="0"/>
+      <dgm:spPr/>
+    </dgm:pt>
+    <dgm:pt modelId="{7F508FBD-2AF1-4187-83C0-2FD582F7D023}" type="pres">
+      <dgm:prSet presAssocID="{F824C034-F431-4AD0-B882-554E3069E76C}" presName="sibTrans" presStyleLbl="sibTrans1D1" presStyleIdx="7" presStyleCnt="9"/>
+      <dgm:spPr/>
+    </dgm:pt>
+    <dgm:pt modelId="{FD906290-4131-454A-BF80-21D009674D47}" type="pres">
+      <dgm:prSet presAssocID="{27B10F2F-3E66-459B-BBDE-BFC5BB8A1EF4}" presName="node" presStyleLbl="node1" presStyleIdx="8" presStyleCnt="9" custScaleX="137474" custScaleY="144384">
+        <dgm:presLayoutVars>
+          <dgm:bulletEnabled val="1"/>
+        </dgm:presLayoutVars>
+      </dgm:prSet>
+      <dgm:spPr/>
+    </dgm:pt>
+    <dgm:pt modelId="{EAEFCA77-85A3-454B-93CF-283AFE801E30}" type="pres">
+      <dgm:prSet presAssocID="{27B10F2F-3E66-459B-BBDE-BFC5BB8A1EF4}" presName="spNode" presStyleCnt="0"/>
+      <dgm:spPr/>
+    </dgm:pt>
+    <dgm:pt modelId="{1E341341-AD72-4F84-9A60-499FC89783E4}" type="pres">
+      <dgm:prSet presAssocID="{B6F6AA94-408E-4190-9ECE-966C0A2B2F12}" presName="sibTrans" presStyleLbl="sibTrans1D1" presStyleIdx="8" presStyleCnt="9"/>
+      <dgm:spPr/>
+    </dgm:pt>
+  </dgm:ptLst>
+  <dgm:cxnLst>
+    <dgm:cxn modelId="{CFC9B109-BF00-42C8-BFDE-B2295D0C8600}" type="presOf" srcId="{B6F6AA94-408E-4190-9ECE-966C0A2B2F12}" destId="{1E341341-AD72-4F84-9A60-499FC89783E4}" srcOrd="0" destOrd="0" presId="urn:microsoft.com/office/officeart/2005/8/layout/cycle6"/>
+    <dgm:cxn modelId="{2A66DB09-1253-482A-B05F-CE3DF51C1878}" type="presOf" srcId="{51692F9C-B654-402D-8751-419BAD8EAD72}" destId="{23018106-5BED-4121-A88C-586D3EDE89FC}" srcOrd="0" destOrd="0" presId="urn:microsoft.com/office/officeart/2005/8/layout/cycle6"/>
+    <dgm:cxn modelId="{E4A4661B-AB3F-4ABC-9354-54A5DFC4A6A6}" type="presOf" srcId="{A26908BA-55D8-40BC-B473-B106FF50F5C9}" destId="{BD24DBAE-1E37-4349-9985-5A3EB51B2CEC}" srcOrd="0" destOrd="0" presId="urn:microsoft.com/office/officeart/2005/8/layout/cycle6"/>
+    <dgm:cxn modelId="{9E667A1D-5A98-485A-8D3A-4D188132DDC0}" type="presOf" srcId="{6E5A2363-4BAB-431F-8FD4-534AACE23E24}" destId="{DBFE9B41-546F-4C33-BECF-A147C9908129}" srcOrd="0" destOrd="0" presId="urn:microsoft.com/office/officeart/2005/8/layout/cycle6"/>
+    <dgm:cxn modelId="{1D99CB38-0BF8-4D49-A8A8-004C38F585FB}" type="presOf" srcId="{C448C3AD-E214-4579-BA1A-E569E46ACA6C}" destId="{E8615112-DA0E-41DB-91FB-818CE9BA2FA8}" srcOrd="0" destOrd="0" presId="urn:microsoft.com/office/officeart/2005/8/layout/cycle6"/>
+    <dgm:cxn modelId="{5217D73F-478C-407F-B8A9-44B519FCFAD5}" srcId="{D5E359A2-1396-4193-A50B-D47392945B52}" destId="{8DCEDE47-338B-4F02-BE5A-62D6E1220EB1}" srcOrd="6" destOrd="0" parTransId="{D340D388-7BF2-495B-83D1-98759C2E33BE}" sibTransId="{F8DF79BA-2F1F-4F50-9589-74FB99238F52}"/>
+    <dgm:cxn modelId="{A7F1575E-9CC9-423C-8774-3694AF8D899E}" type="presOf" srcId="{40876D25-BEBD-4E76-A84C-548B57CB7FAA}" destId="{6858B998-0E49-4222-937F-6F36227B5557}" srcOrd="0" destOrd="0" presId="urn:microsoft.com/office/officeart/2005/8/layout/cycle6"/>
+    <dgm:cxn modelId="{8EBF3863-6942-4F65-AE66-24B5110FAE90}" type="presOf" srcId="{DB888123-C215-4D7D-B83F-D49F50842793}" destId="{8B4E716E-66F4-46FA-BACC-77CC2430CCBC}" srcOrd="0" destOrd="0" presId="urn:microsoft.com/office/officeart/2005/8/layout/cycle6"/>
+    <dgm:cxn modelId="{92C6D848-6BF2-4FAE-BF78-84549D605296}" srcId="{D5E359A2-1396-4193-A50B-D47392945B52}" destId="{904C897C-5580-4E02-98B0-C3D936A1F419}" srcOrd="2" destOrd="0" parTransId="{B5B931EA-1CE5-4DE0-9BDC-055191E27D5E}" sibTransId="{70AD1E90-4882-4B40-B260-55E497B10F8E}"/>
+    <dgm:cxn modelId="{392B8D6D-5F42-46C1-81FC-171981456490}" srcId="{D5E359A2-1396-4193-A50B-D47392945B52}" destId="{51692F9C-B654-402D-8751-419BAD8EAD72}" srcOrd="4" destOrd="0" parTransId="{7DB27CB4-DF18-4F6C-8EB7-78905E85FE96}" sibTransId="{E94839C1-F083-486B-BC4B-5547510546E7}"/>
+    <dgm:cxn modelId="{75CE1074-08DA-4373-AA9D-AF44CA6F06E5}" type="presOf" srcId="{27B10F2F-3E66-459B-BBDE-BFC5BB8A1EF4}" destId="{FD906290-4131-454A-BF80-21D009674D47}" srcOrd="0" destOrd="0" presId="urn:microsoft.com/office/officeart/2005/8/layout/cycle6"/>
+    <dgm:cxn modelId="{721CB475-A9ED-4AAA-8C8A-48A0B672EBFF}" srcId="{D5E359A2-1396-4193-A50B-D47392945B52}" destId="{27B10F2F-3E66-459B-BBDE-BFC5BB8A1EF4}" srcOrd="8" destOrd="0" parTransId="{9A34EC0A-6BA6-4E02-A4A6-8F569DC96F3B}" sibTransId="{B6F6AA94-408E-4190-9ECE-966C0A2B2F12}"/>
+    <dgm:cxn modelId="{1FB58C81-24D9-4B7E-8673-F3857394C7B1}" srcId="{D5E359A2-1396-4193-A50B-D47392945B52}" destId="{A26908BA-55D8-40BC-B473-B106FF50F5C9}" srcOrd="7" destOrd="0" parTransId="{9708E6B4-60B4-43B7-B70C-24FBDF14CAF8}" sibTransId="{F824C034-F431-4AD0-B882-554E3069E76C}"/>
+    <dgm:cxn modelId="{A2ABD98B-614E-4B5F-924D-595E26F4556B}" type="presOf" srcId="{904C897C-5580-4E02-98B0-C3D936A1F419}" destId="{E9E06CF9-CCA4-46FC-89A3-C1A2B194EC4E}" srcOrd="0" destOrd="0" presId="urn:microsoft.com/office/officeart/2005/8/layout/cycle6"/>
+    <dgm:cxn modelId="{CBCBD19A-432A-491B-A8E0-344B903059AC}" type="presOf" srcId="{BDB876B7-7D2D-47DF-8C0A-665DBE609319}" destId="{65113CC3-E155-4985-A491-2D7814961F62}" srcOrd="0" destOrd="0" presId="urn:microsoft.com/office/officeart/2005/8/layout/cycle6"/>
+    <dgm:cxn modelId="{EFE165A2-6A31-425C-952D-C4676BD5E047}" srcId="{D5E359A2-1396-4193-A50B-D47392945B52}" destId="{A3AD1877-1051-4DDE-822B-72B183B1696F}" srcOrd="0" destOrd="0" parTransId="{AFFCC1D7-4384-4E74-8B6E-A460479903F9}" sibTransId="{0FDBC30E-FB81-4A3A-BE57-A69F578A6044}"/>
+    <dgm:cxn modelId="{93DCAFC0-DFEF-482B-AD28-2DF3FF4ADF34}" type="presOf" srcId="{D5E359A2-1396-4193-A50B-D47392945B52}" destId="{08F6F9E3-F316-4D5F-B5EC-DECEBA8C47E4}" srcOrd="0" destOrd="0" presId="urn:microsoft.com/office/officeart/2005/8/layout/cycle6"/>
+    <dgm:cxn modelId="{500D26C2-AEA6-45DE-B500-8A6778F94BC0}" type="presOf" srcId="{70AD1E90-4882-4B40-B260-55E497B10F8E}" destId="{48B23980-547E-4220-A30A-D54F0305B1FD}" srcOrd="0" destOrd="0" presId="urn:microsoft.com/office/officeart/2005/8/layout/cycle6"/>
+    <dgm:cxn modelId="{0FD374C2-9E3A-4AB7-B14E-D133562BA4A3}" type="presOf" srcId="{0FDBC30E-FB81-4A3A-BE57-A69F578A6044}" destId="{89FFB4D7-648D-4155-9079-07380C81157B}" srcOrd="0" destOrd="0" presId="urn:microsoft.com/office/officeart/2005/8/layout/cycle6"/>
+    <dgm:cxn modelId="{E58B53C7-04EA-45F9-BA66-A336A12CDA65}" type="presOf" srcId="{BCC41B83-8D67-427D-9A6F-0A94BF81066D}" destId="{DDD62901-8380-40E9-888A-4765C9CC90E4}" srcOrd="0" destOrd="0" presId="urn:microsoft.com/office/officeart/2005/8/layout/cycle6"/>
+    <dgm:cxn modelId="{CD1189C8-2215-45EF-B0F6-04E158E2C1A5}" type="presOf" srcId="{F824C034-F431-4AD0-B882-554E3069E76C}" destId="{7F508FBD-2AF1-4187-83C0-2FD582F7D023}" srcOrd="0" destOrd="0" presId="urn:microsoft.com/office/officeart/2005/8/layout/cycle6"/>
+    <dgm:cxn modelId="{F99924C9-1811-453C-83B5-C89FE900BBA1}" srcId="{D5E359A2-1396-4193-A50B-D47392945B52}" destId="{BCC41B83-8D67-427D-9A6F-0A94BF81066D}" srcOrd="1" destOrd="0" parTransId="{D3D5005F-86E7-4714-B58D-781D4D753EFE}" sibTransId="{40876D25-BEBD-4E76-A84C-548B57CB7FAA}"/>
+    <dgm:cxn modelId="{C0AB21DB-65F2-4FF8-A95D-0C6D7AB97F3D}" type="presOf" srcId="{A3AD1877-1051-4DDE-822B-72B183B1696F}" destId="{F907C25A-FED1-4426-B155-AC0A801257AD}" srcOrd="0" destOrd="0" presId="urn:microsoft.com/office/officeart/2005/8/layout/cycle6"/>
+    <dgm:cxn modelId="{6FDB3FEC-B2AA-4FF1-9CEA-D0C6398B104E}" srcId="{D5E359A2-1396-4193-A50B-D47392945B52}" destId="{6E5A2363-4BAB-431F-8FD4-534AACE23E24}" srcOrd="5" destOrd="0" parTransId="{3646EA4B-FB74-46A2-B4F2-F50757B385D5}" sibTransId="{DB888123-C215-4D7D-B83F-D49F50842793}"/>
+    <dgm:cxn modelId="{8F1792EC-D95C-4B56-A34E-DE36A5B17128}" type="presOf" srcId="{8DCEDE47-338B-4F02-BE5A-62D6E1220EB1}" destId="{43E630E3-750C-48F5-9E65-687BC7084B68}" srcOrd="0" destOrd="0" presId="urn:microsoft.com/office/officeart/2005/8/layout/cycle6"/>
+    <dgm:cxn modelId="{F0C4D6EE-8CAC-4834-8B18-7DD052AE8AE0}" srcId="{D5E359A2-1396-4193-A50B-D47392945B52}" destId="{BDB876B7-7D2D-47DF-8C0A-665DBE609319}" srcOrd="3" destOrd="0" parTransId="{161374A4-BFAE-4887-BA7D-8ED5BE0F79B5}" sibTransId="{C448C3AD-E214-4579-BA1A-E569E46ACA6C}"/>
+    <dgm:cxn modelId="{D96200F0-6CFF-42C9-9D6D-AFC51C25251A}" type="presOf" srcId="{F8DF79BA-2F1F-4F50-9589-74FB99238F52}" destId="{F8DB9E2D-5FF3-4581-9ED3-79EF5EFE897F}" srcOrd="0" destOrd="0" presId="urn:microsoft.com/office/officeart/2005/8/layout/cycle6"/>
+    <dgm:cxn modelId="{79DDE9F1-57B2-48BB-A42A-AD4A634F2A84}" type="presOf" srcId="{E94839C1-F083-486B-BC4B-5547510546E7}" destId="{130115E0-C4FC-49D8-86E7-F365333DE1CB}" srcOrd="0" destOrd="0" presId="urn:microsoft.com/office/officeart/2005/8/layout/cycle6"/>
+    <dgm:cxn modelId="{A2D2077F-A8B1-43E1-8C84-CD178102A710}" type="presParOf" srcId="{08F6F9E3-F316-4D5F-B5EC-DECEBA8C47E4}" destId="{F907C25A-FED1-4426-B155-AC0A801257AD}" srcOrd="0" destOrd="0" presId="urn:microsoft.com/office/officeart/2005/8/layout/cycle6"/>
+    <dgm:cxn modelId="{65C3A46D-5CC4-4CAC-95F9-C5C34E46AF0D}" type="presParOf" srcId="{08F6F9E3-F316-4D5F-B5EC-DECEBA8C47E4}" destId="{D0DB9679-12C0-4088-BE60-7BECD9132F8B}" srcOrd="1" destOrd="0" presId="urn:microsoft.com/office/officeart/2005/8/layout/cycle6"/>
+    <dgm:cxn modelId="{0D6C46B3-D68C-4E95-AE6C-DCE7AB41F571}" type="presParOf" srcId="{08F6F9E3-F316-4D5F-B5EC-DECEBA8C47E4}" destId="{89FFB4D7-648D-4155-9079-07380C81157B}" srcOrd="2" destOrd="0" presId="urn:microsoft.com/office/officeart/2005/8/layout/cycle6"/>
+    <dgm:cxn modelId="{9D3D3ED4-B3F4-46F3-B672-21B1A129618E}" type="presParOf" srcId="{08F6F9E3-F316-4D5F-B5EC-DECEBA8C47E4}" destId="{DDD62901-8380-40E9-888A-4765C9CC90E4}" srcOrd="3" destOrd="0" presId="urn:microsoft.com/office/officeart/2005/8/layout/cycle6"/>
+    <dgm:cxn modelId="{0B67F28C-D68D-4861-82CF-FD7C110348E5}" type="presParOf" srcId="{08F6F9E3-F316-4D5F-B5EC-DECEBA8C47E4}" destId="{716F3A57-7126-4DBD-8113-7552C81ECA78}" srcOrd="4" destOrd="0" presId="urn:microsoft.com/office/officeart/2005/8/layout/cycle6"/>
+    <dgm:cxn modelId="{B2827616-4581-4C43-81E7-0D76EAF1D2D2}" type="presParOf" srcId="{08F6F9E3-F316-4D5F-B5EC-DECEBA8C47E4}" destId="{6858B998-0E49-4222-937F-6F36227B5557}" srcOrd="5" destOrd="0" presId="urn:microsoft.com/office/officeart/2005/8/layout/cycle6"/>
+    <dgm:cxn modelId="{426F7D35-C03E-4FA8-AA56-0C3635E8548D}" type="presParOf" srcId="{08F6F9E3-F316-4D5F-B5EC-DECEBA8C47E4}" destId="{E9E06CF9-CCA4-46FC-89A3-C1A2B194EC4E}" srcOrd="6" destOrd="0" presId="urn:microsoft.com/office/officeart/2005/8/layout/cycle6"/>
+    <dgm:cxn modelId="{80033FCA-BBC6-4F3B-ADDD-E248E8F8E60F}" type="presParOf" srcId="{08F6F9E3-F316-4D5F-B5EC-DECEBA8C47E4}" destId="{F3B75C9B-25F4-4083-ADAA-9F9ED05B6524}" srcOrd="7" destOrd="0" presId="urn:microsoft.com/office/officeart/2005/8/layout/cycle6"/>
+    <dgm:cxn modelId="{BA0681C0-5129-4DAC-A42B-0DF88B7F0CC1}" type="presParOf" srcId="{08F6F9E3-F316-4D5F-B5EC-DECEBA8C47E4}" destId="{48B23980-547E-4220-A30A-D54F0305B1FD}" srcOrd="8" destOrd="0" presId="urn:microsoft.com/office/officeart/2005/8/layout/cycle6"/>
+    <dgm:cxn modelId="{BD3CD01E-2168-4924-B440-BE9887D803BE}" type="presParOf" srcId="{08F6F9E3-F316-4D5F-B5EC-DECEBA8C47E4}" destId="{65113CC3-E155-4985-A491-2D7814961F62}" srcOrd="9" destOrd="0" presId="urn:microsoft.com/office/officeart/2005/8/layout/cycle6"/>
+    <dgm:cxn modelId="{8D27F954-1C6C-41D0-A883-518A88FEEADD}" type="presParOf" srcId="{08F6F9E3-F316-4D5F-B5EC-DECEBA8C47E4}" destId="{7379EA44-F437-4BAE-A4FC-9DA8A8DF9A8A}" srcOrd="10" destOrd="0" presId="urn:microsoft.com/office/officeart/2005/8/layout/cycle6"/>
+    <dgm:cxn modelId="{7A5A70D6-DE27-4677-A679-61BCDF8555EB}" type="presParOf" srcId="{08F6F9E3-F316-4D5F-B5EC-DECEBA8C47E4}" destId="{E8615112-DA0E-41DB-91FB-818CE9BA2FA8}" srcOrd="11" destOrd="0" presId="urn:microsoft.com/office/officeart/2005/8/layout/cycle6"/>
+    <dgm:cxn modelId="{170DF8AD-42BA-4DB4-AE0A-42B07F37C140}" type="presParOf" srcId="{08F6F9E3-F316-4D5F-B5EC-DECEBA8C47E4}" destId="{23018106-5BED-4121-A88C-586D3EDE89FC}" srcOrd="12" destOrd="0" presId="urn:microsoft.com/office/officeart/2005/8/layout/cycle6"/>
+    <dgm:cxn modelId="{6CB63072-A993-4F78-A172-F8D333AA6860}" type="presParOf" srcId="{08F6F9E3-F316-4D5F-B5EC-DECEBA8C47E4}" destId="{D2E0AF1F-214F-42E0-8857-BED88FA8CFBD}" srcOrd="13" destOrd="0" presId="urn:microsoft.com/office/officeart/2005/8/layout/cycle6"/>
+    <dgm:cxn modelId="{81EF865C-B666-4E43-B020-13B913FDCDCA}" type="presParOf" srcId="{08F6F9E3-F316-4D5F-B5EC-DECEBA8C47E4}" destId="{130115E0-C4FC-49D8-86E7-F365333DE1CB}" srcOrd="14" destOrd="0" presId="urn:microsoft.com/office/officeart/2005/8/layout/cycle6"/>
+    <dgm:cxn modelId="{BE7FA43D-4A8E-4096-9056-86893C8C0968}" type="presParOf" srcId="{08F6F9E3-F316-4D5F-B5EC-DECEBA8C47E4}" destId="{DBFE9B41-546F-4C33-BECF-A147C9908129}" srcOrd="15" destOrd="0" presId="urn:microsoft.com/office/officeart/2005/8/layout/cycle6"/>
+    <dgm:cxn modelId="{9CCDEE6A-5BE9-4DB7-A975-1B5886E72594}" type="presParOf" srcId="{08F6F9E3-F316-4D5F-B5EC-DECEBA8C47E4}" destId="{14076932-3DC3-4A29-B2DA-88B4E2D3E5A4}" srcOrd="16" destOrd="0" presId="urn:microsoft.com/office/officeart/2005/8/layout/cycle6"/>
+    <dgm:cxn modelId="{16D3751F-B448-4ABC-A12E-2BAB64B64B58}" type="presParOf" srcId="{08F6F9E3-F316-4D5F-B5EC-DECEBA8C47E4}" destId="{8B4E716E-66F4-46FA-BACC-77CC2430CCBC}" srcOrd="17" destOrd="0" presId="urn:microsoft.com/office/officeart/2005/8/layout/cycle6"/>
+    <dgm:cxn modelId="{A5919DF0-721A-4F2F-97C0-E2AA69E053DF}" type="presParOf" srcId="{08F6F9E3-F316-4D5F-B5EC-DECEBA8C47E4}" destId="{43E630E3-750C-48F5-9E65-687BC7084B68}" srcOrd="18" destOrd="0" presId="urn:microsoft.com/office/officeart/2005/8/layout/cycle6"/>
+    <dgm:cxn modelId="{765C3ABC-485C-402F-A5C1-61F8C7C63BAC}" type="presParOf" srcId="{08F6F9E3-F316-4D5F-B5EC-DECEBA8C47E4}" destId="{5A616D30-455B-46F3-BB9B-DADB2EFC7DF6}" srcOrd="19" destOrd="0" presId="urn:microsoft.com/office/officeart/2005/8/layout/cycle6"/>
+    <dgm:cxn modelId="{64EA8328-ADF3-42E6-B144-7F4A2515D5DC}" type="presParOf" srcId="{08F6F9E3-F316-4D5F-B5EC-DECEBA8C47E4}" destId="{F8DB9E2D-5FF3-4581-9ED3-79EF5EFE897F}" srcOrd="20" destOrd="0" presId="urn:microsoft.com/office/officeart/2005/8/layout/cycle6"/>
+    <dgm:cxn modelId="{9A8621C8-7063-4BB4-BDF0-D6E1389213AE}" type="presParOf" srcId="{08F6F9E3-F316-4D5F-B5EC-DECEBA8C47E4}" destId="{BD24DBAE-1E37-4349-9985-5A3EB51B2CEC}" srcOrd="21" destOrd="0" presId="urn:microsoft.com/office/officeart/2005/8/layout/cycle6"/>
+    <dgm:cxn modelId="{43AD39A9-A77E-4AB6-929A-C2C265F735CF}" type="presParOf" srcId="{08F6F9E3-F316-4D5F-B5EC-DECEBA8C47E4}" destId="{D88C2167-8EBC-44E3-891C-800189D26A06}" srcOrd="22" destOrd="0" presId="urn:microsoft.com/office/officeart/2005/8/layout/cycle6"/>
+    <dgm:cxn modelId="{E3A2C875-C93A-4C5B-99BD-D0525ABDD51A}" type="presParOf" srcId="{08F6F9E3-F316-4D5F-B5EC-DECEBA8C47E4}" destId="{7F508FBD-2AF1-4187-83C0-2FD582F7D023}" srcOrd="23" destOrd="0" presId="urn:microsoft.com/office/officeart/2005/8/layout/cycle6"/>
+    <dgm:cxn modelId="{0C029DE9-7A53-4B87-97ED-3A62CE3BA69D}" type="presParOf" srcId="{08F6F9E3-F316-4D5F-B5EC-DECEBA8C47E4}" destId="{FD906290-4131-454A-BF80-21D009674D47}" srcOrd="24" destOrd="0" presId="urn:microsoft.com/office/officeart/2005/8/layout/cycle6"/>
+    <dgm:cxn modelId="{1BD43992-714A-404D-8D6E-0B2F7A4D212E}" type="presParOf" srcId="{08F6F9E3-F316-4D5F-B5EC-DECEBA8C47E4}" destId="{EAEFCA77-85A3-454B-93CF-283AFE801E30}" srcOrd="25" destOrd="0" presId="urn:microsoft.com/office/officeart/2005/8/layout/cycle6"/>
+    <dgm:cxn modelId="{DCEC42BA-4F3E-4D2E-AEDA-60FC3135E82E}" type="presParOf" srcId="{08F6F9E3-F316-4D5F-B5EC-DECEBA8C47E4}" destId="{1E341341-AD72-4F84-9A60-499FC89783E4}" srcOrd="26" destOrd="0" presId="urn:microsoft.com/office/officeart/2005/8/layout/cycle6"/>
+  </dgm:cxnLst>
+  <dgm:bg/>
+  <dgm:whole/>
+  <dgm:extLst>
+    <a:ext uri="http://schemas.microsoft.com/office/drawing/2008/diagram">
+      <dsp:dataModelExt xmlns:dsp="http://schemas.microsoft.com/office/drawing/2008/diagram" relId="rId6" minVer="http://schemas.openxmlformats.org/drawingml/2006/diagram"/>
+    </a:ext>
+  </dgm:extLst>
+</dgm:dataModel>
+</file>
+
+<file path=ppt/diagrams/data2.xml><?xml version="1.0" encoding="utf-8"?>
 <dgm:dataModel xmlns:dgm="http://schemas.openxmlformats.org/drawingml/2006/diagram" xmlns:a="http://schemas.openxmlformats.org/drawingml/2006/main">
   <dgm:ptLst>
     <dgm:pt modelId="{C82CDD6E-C0A5-4DEA-BB1B-FA856F0F6C4F}" type="doc">
@@ -3209,7 +4552,7 @@
 </dgm:dataModel>
 </file>
 
-<file path=ppt/diagrams/data2.xml><?xml version="1.0" encoding="utf-8"?>
+<file path=ppt/diagrams/data3.xml><?xml version="1.0" encoding="utf-8"?>
 <dgm:dataModel xmlns:dgm="http://schemas.openxmlformats.org/drawingml/2006/diagram" xmlns:a="http://schemas.openxmlformats.org/drawingml/2006/main">
   <dgm:ptLst>
     <dgm:pt modelId="{6D6D3C98-A088-4E5D-A98D-299DF5F37894}" type="doc">
@@ -3836,7 +5179,7 @@
 </dgm:dataModel>
 </file>
 
-<file path=ppt/diagrams/data3.xml><?xml version="1.0" encoding="utf-8"?>
+<file path=ppt/diagrams/data4.xml><?xml version="1.0" encoding="utf-8"?>
 <dgm:dataModel xmlns:dgm="http://schemas.openxmlformats.org/drawingml/2006/diagram" xmlns:a="http://schemas.openxmlformats.org/drawingml/2006/main">
   <dgm:ptLst>
     <dgm:pt modelId="{1ECBA015-B9C1-4DED-9299-4C72871B7283}" type="doc">
@@ -4036,6 +5379,1152 @@
 </file>
 
 <file path=ppt/diagrams/drawing1.xml><?xml version="1.0" encoding="utf-8"?>
+<dsp:drawing xmlns:dgm="http://schemas.openxmlformats.org/drawingml/2006/diagram" xmlns:dsp="http://schemas.microsoft.com/office/drawing/2008/diagram" xmlns:a="http://schemas.openxmlformats.org/drawingml/2006/main">
+  <dsp:spTree>
+    <dsp:nvGrpSpPr>
+      <dsp:cNvPr id="0" name=""/>
+      <dsp:cNvGrpSpPr/>
+    </dsp:nvGrpSpPr>
+    <dsp:grpSpPr/>
+    <dsp:sp modelId="{F907C25A-FED1-4426-B155-AC0A801257AD}">
+      <dsp:nvSpPr>
+        <dsp:cNvPr id="0" name=""/>
+        <dsp:cNvSpPr/>
+      </dsp:nvSpPr>
+      <dsp:spPr>
+        <a:xfrm>
+          <a:off x="2829586" y="-121027"/>
+          <a:ext cx="1168742" cy="797867"/>
+        </a:xfrm>
+        <a:prstGeom prst="roundRect">
+          <a:avLst/>
+        </a:prstGeom>
+        <a:solidFill>
+          <a:srgbClr val="28618C"/>
+        </a:solidFill>
+        <a:ln w="12700" cap="flat" cmpd="sng" algn="ctr">
+          <a:solidFill>
+            <a:schemeClr val="lt1">
+              <a:hueOff val="0"/>
+              <a:satOff val="0"/>
+              <a:lumOff val="0"/>
+              <a:alphaOff val="0"/>
+            </a:schemeClr>
+          </a:solidFill>
+          <a:prstDash val="solid"/>
+          <a:miter lim="800000"/>
+        </a:ln>
+        <a:effectLst/>
+      </dsp:spPr>
+      <dsp:style>
+        <a:lnRef idx="2">
+          <a:scrgbClr r="0" g="0" b="0"/>
+        </a:lnRef>
+        <a:fillRef idx="1">
+          <a:scrgbClr r="0" g="0" b="0"/>
+        </a:fillRef>
+        <a:effectRef idx="0">
+          <a:scrgbClr r="0" g="0" b="0"/>
+        </a:effectRef>
+        <a:fontRef idx="minor">
+          <a:schemeClr val="lt1"/>
+        </a:fontRef>
+      </dsp:style>
+      <dsp:txBody>
+        <a:bodyPr spcFirstLastPara="0" vert="horz" wrap="square" lIns="41910" tIns="41910" rIns="41910" bIns="41910" numCol="1" spcCol="1270" anchor="ctr" anchorCtr="0">
+          <a:noAutofit/>
+        </a:bodyPr>
+        <a:lstStyle/>
+        <a:p>
+          <a:pPr marL="0" lvl="0" indent="0" algn="ctr" defTabSz="488950">
+            <a:lnSpc>
+              <a:spcPct val="90000"/>
+            </a:lnSpc>
+            <a:spcBef>
+              <a:spcPct val="0"/>
+            </a:spcBef>
+            <a:spcAft>
+              <a:spcPct val="35000"/>
+            </a:spcAft>
+            <a:buNone/>
+          </a:pPr>
+          <a:r>
+            <a:rPr lang="de-DE" sz="1100" kern="1200" dirty="0"/>
+            <a:t>Geschlecht</a:t>
+          </a:r>
+        </a:p>
+      </dsp:txBody>
+      <dsp:txXfrm>
+        <a:off x="2868535" y="-82078"/>
+        <a:ext cx="1090844" cy="719969"/>
+      </dsp:txXfrm>
+    </dsp:sp>
+    <dsp:sp modelId="{89FFB4D7-648D-4155-9079-07380C81157B}">
+      <dsp:nvSpPr>
+        <dsp:cNvPr id="0" name=""/>
+        <dsp:cNvSpPr/>
+      </dsp:nvSpPr>
+      <dsp:spPr>
+        <a:xfrm>
+          <a:off x="1291092" y="277906"/>
+          <a:ext cx="4245729" cy="4245729"/>
+        </a:xfrm>
+        <a:custGeom>
+          <a:avLst/>
+          <a:gdLst/>
+          <a:ahLst/>
+          <a:cxnLst/>
+          <a:rect l="0" t="0" r="0" b="0"/>
+          <a:pathLst>
+            <a:path>
+              <a:moveTo>
+                <a:pt x="2709223" y="82585"/>
+              </a:moveTo>
+              <a:arcTo wR="2122864" hR="2122864" stAng="17162053" swAng="328336"/>
+            </a:path>
+          </a:pathLst>
+        </a:custGeom>
+        <a:noFill/>
+        <a:ln w="6350" cap="flat" cmpd="sng" algn="ctr">
+          <a:solidFill>
+            <a:schemeClr val="accent1">
+              <a:hueOff val="0"/>
+              <a:satOff val="0"/>
+              <a:lumOff val="0"/>
+              <a:alphaOff val="0"/>
+            </a:schemeClr>
+          </a:solidFill>
+          <a:prstDash val="solid"/>
+          <a:miter lim="800000"/>
+        </a:ln>
+        <a:effectLst/>
+      </dsp:spPr>
+      <dsp:style>
+        <a:lnRef idx="1">
+          <a:scrgbClr r="0" g="0" b="0"/>
+        </a:lnRef>
+        <a:fillRef idx="0">
+          <a:scrgbClr r="0" g="0" b="0"/>
+        </a:fillRef>
+        <a:effectRef idx="0">
+          <a:scrgbClr r="0" g="0" b="0"/>
+        </a:effectRef>
+        <a:fontRef idx="minor"/>
+      </dsp:style>
+    </dsp:sp>
+    <dsp:sp modelId="{DDD62901-8380-40E9-888A-4765C9CC90E4}">
+      <dsp:nvSpPr>
+        <dsp:cNvPr id="0" name=""/>
+        <dsp:cNvSpPr/>
+      </dsp:nvSpPr>
+      <dsp:spPr>
+        <a:xfrm>
+          <a:off x="4194137" y="375628"/>
+          <a:ext cx="1168742" cy="797867"/>
+        </a:xfrm>
+        <a:prstGeom prst="roundRect">
+          <a:avLst/>
+        </a:prstGeom>
+        <a:solidFill>
+          <a:srgbClr val="28618C"/>
+        </a:solidFill>
+        <a:ln w="12700" cap="flat" cmpd="sng" algn="ctr">
+          <a:solidFill>
+            <a:schemeClr val="lt1">
+              <a:hueOff val="0"/>
+              <a:satOff val="0"/>
+              <a:lumOff val="0"/>
+              <a:alphaOff val="0"/>
+            </a:schemeClr>
+          </a:solidFill>
+          <a:prstDash val="solid"/>
+          <a:miter lim="800000"/>
+        </a:ln>
+        <a:effectLst/>
+      </dsp:spPr>
+      <dsp:style>
+        <a:lnRef idx="2">
+          <a:scrgbClr r="0" g="0" b="0"/>
+        </a:lnRef>
+        <a:fillRef idx="1">
+          <a:scrgbClr r="0" g="0" b="0"/>
+        </a:fillRef>
+        <a:effectRef idx="0">
+          <a:scrgbClr r="0" g="0" b="0"/>
+        </a:effectRef>
+        <a:fontRef idx="minor">
+          <a:schemeClr val="lt1"/>
+        </a:fontRef>
+      </dsp:style>
+      <dsp:txBody>
+        <a:bodyPr spcFirstLastPara="0" vert="horz" wrap="square" lIns="41910" tIns="41910" rIns="41910" bIns="41910" numCol="1" spcCol="1270" anchor="ctr" anchorCtr="0">
+          <a:noAutofit/>
+        </a:bodyPr>
+        <a:lstStyle/>
+        <a:p>
+          <a:pPr marL="0" lvl="0" indent="0" algn="ctr" defTabSz="488950">
+            <a:lnSpc>
+              <a:spcPct val="90000"/>
+            </a:lnSpc>
+            <a:spcBef>
+              <a:spcPct val="0"/>
+            </a:spcBef>
+            <a:spcAft>
+              <a:spcPct val="35000"/>
+            </a:spcAft>
+            <a:buNone/>
+          </a:pPr>
+          <a:r>
+            <a:rPr lang="de-DE" sz="1100" kern="1200" dirty="0"/>
+            <a:t>Alter</a:t>
+          </a:r>
+        </a:p>
+      </dsp:txBody>
+      <dsp:txXfrm>
+        <a:off x="4233086" y="414577"/>
+        <a:ext cx="1090844" cy="719969"/>
+      </dsp:txXfrm>
+    </dsp:sp>
+    <dsp:sp modelId="{6858B998-0E49-4222-937F-6F36227B5557}">
+      <dsp:nvSpPr>
+        <dsp:cNvPr id="0" name=""/>
+        <dsp:cNvSpPr/>
+      </dsp:nvSpPr>
+      <dsp:spPr>
+        <a:xfrm>
+          <a:off x="1291092" y="277906"/>
+          <a:ext cx="4245729" cy="4245729"/>
+        </a:xfrm>
+        <a:custGeom>
+          <a:avLst/>
+          <a:gdLst/>
+          <a:ahLst/>
+          <a:cxnLst/>
+          <a:rect l="0" t="0" r="0" b="0"/>
+          <a:pathLst>
+            <a:path>
+              <a:moveTo>
+                <a:pt x="3858028" y="899851"/>
+              </a:moveTo>
+              <a:arcTo wR="2122864" hR="2122864" stAng="19489338" swAng="830410"/>
+            </a:path>
+          </a:pathLst>
+        </a:custGeom>
+        <a:noFill/>
+        <a:ln w="6350" cap="flat" cmpd="sng" algn="ctr">
+          <a:solidFill>
+            <a:schemeClr val="accent1">
+              <a:hueOff val="0"/>
+              <a:satOff val="0"/>
+              <a:lumOff val="0"/>
+              <a:alphaOff val="0"/>
+            </a:schemeClr>
+          </a:solidFill>
+          <a:prstDash val="solid"/>
+          <a:miter lim="800000"/>
+        </a:ln>
+        <a:effectLst/>
+      </dsp:spPr>
+      <dsp:style>
+        <a:lnRef idx="1">
+          <a:scrgbClr r="0" g="0" b="0"/>
+        </a:lnRef>
+        <a:fillRef idx="0">
+          <a:scrgbClr r="0" g="0" b="0"/>
+        </a:fillRef>
+        <a:effectRef idx="0">
+          <a:scrgbClr r="0" g="0" b="0"/>
+        </a:effectRef>
+        <a:fontRef idx="minor"/>
+      </dsp:style>
+    </dsp:sp>
+    <dsp:sp modelId="{E9E06CF9-CCA4-46FC-89A3-C1A2B194EC4E}">
+      <dsp:nvSpPr>
+        <dsp:cNvPr id="0" name=""/>
+        <dsp:cNvSpPr/>
+      </dsp:nvSpPr>
+      <dsp:spPr>
+        <a:xfrm>
+          <a:off x="4920199" y="1633205"/>
+          <a:ext cx="1168742" cy="797867"/>
+        </a:xfrm>
+        <a:prstGeom prst="roundRect">
+          <a:avLst/>
+        </a:prstGeom>
+        <a:solidFill>
+          <a:srgbClr val="28618C"/>
+        </a:solidFill>
+        <a:ln w="12700" cap="flat" cmpd="sng" algn="ctr">
+          <a:solidFill>
+            <a:schemeClr val="lt1">
+              <a:hueOff val="0"/>
+              <a:satOff val="0"/>
+              <a:lumOff val="0"/>
+              <a:alphaOff val="0"/>
+            </a:schemeClr>
+          </a:solidFill>
+          <a:prstDash val="solid"/>
+          <a:miter lim="800000"/>
+        </a:ln>
+        <a:effectLst/>
+      </dsp:spPr>
+      <dsp:style>
+        <a:lnRef idx="2">
+          <a:scrgbClr r="0" g="0" b="0"/>
+        </a:lnRef>
+        <a:fillRef idx="1">
+          <a:scrgbClr r="0" g="0" b="0"/>
+        </a:fillRef>
+        <a:effectRef idx="0">
+          <a:scrgbClr r="0" g="0" b="0"/>
+        </a:effectRef>
+        <a:fontRef idx="minor">
+          <a:schemeClr val="lt1"/>
+        </a:fontRef>
+      </dsp:style>
+      <dsp:txBody>
+        <a:bodyPr spcFirstLastPara="0" vert="horz" wrap="square" lIns="41910" tIns="41910" rIns="41910" bIns="41910" numCol="1" spcCol="1270" anchor="ctr" anchorCtr="0">
+          <a:noAutofit/>
+        </a:bodyPr>
+        <a:lstStyle/>
+        <a:p>
+          <a:pPr marL="0" lvl="0" indent="0" algn="ctr" defTabSz="488950">
+            <a:lnSpc>
+              <a:spcPct val="90000"/>
+            </a:lnSpc>
+            <a:spcBef>
+              <a:spcPct val="0"/>
+            </a:spcBef>
+            <a:spcAft>
+              <a:spcPct val="35000"/>
+            </a:spcAft>
+            <a:buNone/>
+          </a:pPr>
+          <a:r>
+            <a:rPr lang="de-DE" sz="1100" kern="1200" dirty="0"/>
+            <a:t>Einkommen</a:t>
+          </a:r>
+        </a:p>
+      </dsp:txBody>
+      <dsp:txXfrm>
+        <a:off x="4959148" y="1672154"/>
+        <a:ext cx="1090844" cy="719969"/>
+      </dsp:txXfrm>
+    </dsp:sp>
+    <dsp:sp modelId="{48B23980-547E-4220-A30A-D54F0305B1FD}">
+      <dsp:nvSpPr>
+        <dsp:cNvPr id="0" name=""/>
+        <dsp:cNvSpPr/>
+      </dsp:nvSpPr>
+      <dsp:spPr>
+        <a:xfrm>
+          <a:off x="1291092" y="277906"/>
+          <a:ext cx="4245729" cy="4245729"/>
+        </a:xfrm>
+        <a:custGeom>
+          <a:avLst/>
+          <a:gdLst/>
+          <a:ahLst/>
+          <a:cxnLst/>
+          <a:rect l="0" t="0" r="0" b="0"/>
+          <a:pathLst>
+            <a:path>
+              <a:moveTo>
+                <a:pt x="4245411" y="2159575"/>
+              </a:moveTo>
+              <a:arcTo wR="2122864" hR="2122864" stAng="59453" swAng="1021236"/>
+            </a:path>
+          </a:pathLst>
+        </a:custGeom>
+        <a:noFill/>
+        <a:ln w="6350" cap="flat" cmpd="sng" algn="ctr">
+          <a:solidFill>
+            <a:schemeClr val="accent1">
+              <a:hueOff val="0"/>
+              <a:satOff val="0"/>
+              <a:lumOff val="0"/>
+              <a:alphaOff val="0"/>
+            </a:schemeClr>
+          </a:solidFill>
+          <a:prstDash val="solid"/>
+          <a:miter lim="800000"/>
+        </a:ln>
+        <a:effectLst/>
+      </dsp:spPr>
+      <dsp:style>
+        <a:lnRef idx="1">
+          <a:scrgbClr r="0" g="0" b="0"/>
+        </a:lnRef>
+        <a:fillRef idx="0">
+          <a:scrgbClr r="0" g="0" b="0"/>
+        </a:fillRef>
+        <a:effectRef idx="0">
+          <a:scrgbClr r="0" g="0" b="0"/>
+        </a:effectRef>
+        <a:fontRef idx="minor"/>
+      </dsp:style>
+    </dsp:sp>
+    <dsp:sp modelId="{65113CC3-E155-4985-A491-2D7814961F62}">
+      <dsp:nvSpPr>
+        <dsp:cNvPr id="0" name=""/>
+        <dsp:cNvSpPr/>
+      </dsp:nvSpPr>
+      <dsp:spPr>
+        <a:xfrm>
+          <a:off x="4668040" y="3063269"/>
+          <a:ext cx="1168742" cy="797867"/>
+        </a:xfrm>
+        <a:prstGeom prst="roundRect">
+          <a:avLst/>
+        </a:prstGeom>
+        <a:solidFill>
+          <a:srgbClr val="28618C"/>
+        </a:solidFill>
+        <a:ln w="12700" cap="flat" cmpd="sng" algn="ctr">
+          <a:solidFill>
+            <a:schemeClr val="lt1">
+              <a:hueOff val="0"/>
+              <a:satOff val="0"/>
+              <a:lumOff val="0"/>
+              <a:alphaOff val="0"/>
+            </a:schemeClr>
+          </a:solidFill>
+          <a:prstDash val="solid"/>
+          <a:miter lim="800000"/>
+        </a:ln>
+        <a:effectLst/>
+      </dsp:spPr>
+      <dsp:style>
+        <a:lnRef idx="2">
+          <a:scrgbClr r="0" g="0" b="0"/>
+        </a:lnRef>
+        <a:fillRef idx="1">
+          <a:scrgbClr r="0" g="0" b="0"/>
+        </a:fillRef>
+        <a:effectRef idx="0">
+          <a:scrgbClr r="0" g="0" b="0"/>
+        </a:effectRef>
+        <a:fontRef idx="minor">
+          <a:schemeClr val="lt1"/>
+        </a:fontRef>
+      </dsp:style>
+      <dsp:txBody>
+        <a:bodyPr spcFirstLastPara="0" vert="horz" wrap="square" lIns="41910" tIns="41910" rIns="41910" bIns="41910" numCol="1" spcCol="1270" anchor="ctr" anchorCtr="0">
+          <a:noAutofit/>
+        </a:bodyPr>
+        <a:lstStyle/>
+        <a:p>
+          <a:pPr marL="0" lvl="0" indent="0" algn="ctr" defTabSz="488950">
+            <a:lnSpc>
+              <a:spcPct val="90000"/>
+            </a:lnSpc>
+            <a:spcBef>
+              <a:spcPct val="0"/>
+            </a:spcBef>
+            <a:spcAft>
+              <a:spcPct val="35000"/>
+            </a:spcAft>
+            <a:buNone/>
+          </a:pPr>
+          <a:r>
+            <a:rPr lang="de-DE" sz="1100" kern="1200" dirty="0"/>
+            <a:t>Bildungsstand</a:t>
+          </a:r>
+        </a:p>
+      </dsp:txBody>
+      <dsp:txXfrm>
+        <a:off x="4706989" y="3102218"/>
+        <a:ext cx="1090844" cy="719969"/>
+      </dsp:txXfrm>
+    </dsp:sp>
+    <dsp:sp modelId="{E8615112-DA0E-41DB-91FB-818CE9BA2FA8}">
+      <dsp:nvSpPr>
+        <dsp:cNvPr id="0" name=""/>
+        <dsp:cNvSpPr/>
+      </dsp:nvSpPr>
+      <dsp:spPr>
+        <a:xfrm>
+          <a:off x="1291092" y="277906"/>
+          <a:ext cx="4245729" cy="4245729"/>
+        </a:xfrm>
+        <a:custGeom>
+          <a:avLst/>
+          <a:gdLst/>
+          <a:ahLst/>
+          <a:cxnLst/>
+          <a:rect l="0" t="0" r="0" b="0"/>
+          <a:pathLst>
+            <a:path>
+              <a:moveTo>
+                <a:pt x="3661461" y="3585489"/>
+              </a:moveTo>
+              <a:arcTo wR="2122864" hR="2122864" stAng="2612997" swAng="494826"/>
+            </a:path>
+          </a:pathLst>
+        </a:custGeom>
+        <a:noFill/>
+        <a:ln w="6350" cap="flat" cmpd="sng" algn="ctr">
+          <a:solidFill>
+            <a:schemeClr val="accent1">
+              <a:hueOff val="0"/>
+              <a:satOff val="0"/>
+              <a:lumOff val="0"/>
+              <a:alphaOff val="0"/>
+            </a:schemeClr>
+          </a:solidFill>
+          <a:prstDash val="solid"/>
+          <a:miter lim="800000"/>
+        </a:ln>
+        <a:effectLst/>
+      </dsp:spPr>
+      <dsp:style>
+        <a:lnRef idx="1">
+          <a:scrgbClr r="0" g="0" b="0"/>
+        </a:lnRef>
+        <a:fillRef idx="0">
+          <a:scrgbClr r="0" g="0" b="0"/>
+        </a:fillRef>
+        <a:effectRef idx="0">
+          <a:scrgbClr r="0" g="0" b="0"/>
+        </a:effectRef>
+        <a:fontRef idx="minor"/>
+      </dsp:style>
+    </dsp:sp>
+    <dsp:sp modelId="{23018106-5BED-4121-A88C-586D3EDE89FC}">
+      <dsp:nvSpPr>
+        <dsp:cNvPr id="0" name=""/>
+        <dsp:cNvSpPr/>
+      </dsp:nvSpPr>
+      <dsp:spPr>
+        <a:xfrm>
+          <a:off x="3555648" y="3996677"/>
+          <a:ext cx="1168742" cy="797867"/>
+        </a:xfrm>
+        <a:prstGeom prst="roundRect">
+          <a:avLst/>
+        </a:prstGeom>
+        <a:solidFill>
+          <a:srgbClr val="28618C"/>
+        </a:solidFill>
+        <a:ln w="12700" cap="flat" cmpd="sng" algn="ctr">
+          <a:solidFill>
+            <a:schemeClr val="lt1">
+              <a:hueOff val="0"/>
+              <a:satOff val="0"/>
+              <a:lumOff val="0"/>
+              <a:alphaOff val="0"/>
+            </a:schemeClr>
+          </a:solidFill>
+          <a:prstDash val="solid"/>
+          <a:miter lim="800000"/>
+        </a:ln>
+        <a:effectLst/>
+      </dsp:spPr>
+      <dsp:style>
+        <a:lnRef idx="2">
+          <a:scrgbClr r="0" g="0" b="0"/>
+        </a:lnRef>
+        <a:fillRef idx="1">
+          <a:scrgbClr r="0" g="0" b="0"/>
+        </a:fillRef>
+        <a:effectRef idx="0">
+          <a:scrgbClr r="0" g="0" b="0"/>
+        </a:effectRef>
+        <a:fontRef idx="minor">
+          <a:schemeClr val="lt1"/>
+        </a:fontRef>
+      </dsp:style>
+      <dsp:txBody>
+        <a:bodyPr spcFirstLastPara="0" vert="horz" wrap="square" lIns="41910" tIns="41910" rIns="41910" bIns="41910" numCol="1" spcCol="1270" anchor="ctr" anchorCtr="0">
+          <a:noAutofit/>
+        </a:bodyPr>
+        <a:lstStyle/>
+        <a:p>
+          <a:pPr marL="0" lvl="0" indent="0" algn="ctr" defTabSz="488950">
+            <a:lnSpc>
+              <a:spcPct val="90000"/>
+            </a:lnSpc>
+            <a:spcBef>
+              <a:spcPct val="0"/>
+            </a:spcBef>
+            <a:spcAft>
+              <a:spcPct val="35000"/>
+            </a:spcAft>
+            <a:buNone/>
+          </a:pPr>
+          <a:r>
+            <a:rPr lang="de-DE" sz="1100" kern="1200" dirty="0"/>
+            <a:t>Wohnsituation</a:t>
+          </a:r>
+        </a:p>
+      </dsp:txBody>
+      <dsp:txXfrm>
+        <a:off x="3594597" y="4035626"/>
+        <a:ext cx="1090844" cy="719969"/>
+      </dsp:txXfrm>
+    </dsp:sp>
+    <dsp:sp modelId="{130115E0-C4FC-49D8-86E7-F365333DE1CB}">
+      <dsp:nvSpPr>
+        <dsp:cNvPr id="0" name=""/>
+        <dsp:cNvSpPr/>
+      </dsp:nvSpPr>
+      <dsp:spPr>
+        <a:xfrm>
+          <a:off x="1291092" y="277906"/>
+          <a:ext cx="4245729" cy="4245729"/>
+        </a:xfrm>
+        <a:custGeom>
+          <a:avLst/>
+          <a:gdLst/>
+          <a:ahLst/>
+          <a:cxnLst/>
+          <a:rect l="0" t="0" r="0" b="0"/>
+          <a:pathLst>
+            <a:path>
+              <a:moveTo>
+                <a:pt x="2261728" y="4241182"/>
+              </a:moveTo>
+              <a:arcTo wR="2122864" hR="2122864" stAng="5174965" swAng="450070"/>
+            </a:path>
+          </a:pathLst>
+        </a:custGeom>
+        <a:noFill/>
+        <a:ln w="6350" cap="flat" cmpd="sng" algn="ctr">
+          <a:solidFill>
+            <a:schemeClr val="accent1">
+              <a:hueOff val="0"/>
+              <a:satOff val="0"/>
+              <a:lumOff val="0"/>
+              <a:alphaOff val="0"/>
+            </a:schemeClr>
+          </a:solidFill>
+          <a:prstDash val="solid"/>
+          <a:miter lim="800000"/>
+        </a:ln>
+        <a:effectLst/>
+      </dsp:spPr>
+      <dsp:style>
+        <a:lnRef idx="1">
+          <a:scrgbClr r="0" g="0" b="0"/>
+        </a:lnRef>
+        <a:fillRef idx="0">
+          <a:scrgbClr r="0" g="0" b="0"/>
+        </a:fillRef>
+        <a:effectRef idx="0">
+          <a:scrgbClr r="0" g="0" b="0"/>
+        </a:effectRef>
+        <a:fontRef idx="minor"/>
+      </dsp:style>
+    </dsp:sp>
+    <dsp:sp modelId="{DBFE9B41-546F-4C33-BECF-A147C9908129}">
+      <dsp:nvSpPr>
+        <dsp:cNvPr id="0" name=""/>
+        <dsp:cNvSpPr/>
+      </dsp:nvSpPr>
+      <dsp:spPr>
+        <a:xfrm>
+          <a:off x="2103523" y="3996677"/>
+          <a:ext cx="1168742" cy="797867"/>
+        </a:xfrm>
+        <a:prstGeom prst="roundRect">
+          <a:avLst/>
+        </a:prstGeom>
+        <a:solidFill>
+          <a:srgbClr val="28618C"/>
+        </a:solidFill>
+        <a:ln w="12700" cap="flat" cmpd="sng" algn="ctr">
+          <a:solidFill>
+            <a:schemeClr val="lt1">
+              <a:hueOff val="0"/>
+              <a:satOff val="0"/>
+              <a:lumOff val="0"/>
+              <a:alphaOff val="0"/>
+            </a:schemeClr>
+          </a:solidFill>
+          <a:prstDash val="solid"/>
+          <a:miter lim="800000"/>
+        </a:ln>
+        <a:effectLst/>
+      </dsp:spPr>
+      <dsp:style>
+        <a:lnRef idx="2">
+          <a:scrgbClr r="0" g="0" b="0"/>
+        </a:lnRef>
+        <a:fillRef idx="1">
+          <a:scrgbClr r="0" g="0" b="0"/>
+        </a:fillRef>
+        <a:effectRef idx="0">
+          <a:scrgbClr r="0" g="0" b="0"/>
+        </a:effectRef>
+        <a:fontRef idx="minor">
+          <a:schemeClr val="lt1"/>
+        </a:fontRef>
+      </dsp:style>
+      <dsp:txBody>
+        <a:bodyPr spcFirstLastPara="0" vert="horz" wrap="square" lIns="41910" tIns="41910" rIns="41910" bIns="41910" numCol="1" spcCol="1270" anchor="ctr" anchorCtr="0">
+          <a:noAutofit/>
+        </a:bodyPr>
+        <a:lstStyle/>
+        <a:p>
+          <a:pPr marL="0" lvl="0" indent="0" algn="ctr" defTabSz="488950">
+            <a:lnSpc>
+              <a:spcPct val="90000"/>
+            </a:lnSpc>
+            <a:spcBef>
+              <a:spcPct val="0"/>
+            </a:spcBef>
+            <a:spcAft>
+              <a:spcPct val="35000"/>
+            </a:spcAft>
+            <a:buNone/>
+          </a:pPr>
+          <a:r>
+            <a:rPr lang="de-DE" sz="1100" kern="1200" dirty="0"/>
+            <a:t>Familienstand</a:t>
+          </a:r>
+        </a:p>
+      </dsp:txBody>
+      <dsp:txXfrm>
+        <a:off x="2142472" y="4035626"/>
+        <a:ext cx="1090844" cy="719969"/>
+      </dsp:txXfrm>
+    </dsp:sp>
+    <dsp:sp modelId="{8B4E716E-66F4-46FA-BACC-77CC2430CCBC}">
+      <dsp:nvSpPr>
+        <dsp:cNvPr id="0" name=""/>
+        <dsp:cNvSpPr/>
+      </dsp:nvSpPr>
+      <dsp:spPr>
+        <a:xfrm>
+          <a:off x="1291092" y="277906"/>
+          <a:ext cx="4245729" cy="4245729"/>
+        </a:xfrm>
+        <a:custGeom>
+          <a:avLst/>
+          <a:gdLst/>
+          <a:ahLst/>
+          <a:cxnLst/>
+          <a:rect l="0" t="0" r="0" b="0"/>
+          <a:pathLst>
+            <a:path>
+              <a:moveTo>
+                <a:pt x="809981" y="3791064"/>
+              </a:moveTo>
+              <a:arcTo wR="2122864" hR="2122864" stAng="7692177" swAng="494826"/>
+            </a:path>
+          </a:pathLst>
+        </a:custGeom>
+        <a:noFill/>
+        <a:ln w="6350" cap="flat" cmpd="sng" algn="ctr">
+          <a:solidFill>
+            <a:schemeClr val="accent1">
+              <a:hueOff val="0"/>
+              <a:satOff val="0"/>
+              <a:lumOff val="0"/>
+              <a:alphaOff val="0"/>
+            </a:schemeClr>
+          </a:solidFill>
+          <a:prstDash val="solid"/>
+          <a:miter lim="800000"/>
+        </a:ln>
+        <a:effectLst/>
+      </dsp:spPr>
+      <dsp:style>
+        <a:lnRef idx="1">
+          <a:scrgbClr r="0" g="0" b="0"/>
+        </a:lnRef>
+        <a:fillRef idx="0">
+          <a:scrgbClr r="0" g="0" b="0"/>
+        </a:fillRef>
+        <a:effectRef idx="0">
+          <a:scrgbClr r="0" g="0" b="0"/>
+        </a:effectRef>
+        <a:fontRef idx="minor"/>
+      </dsp:style>
+    </dsp:sp>
+    <dsp:sp modelId="{43E630E3-750C-48F5-9E65-687BC7084B68}">
+      <dsp:nvSpPr>
+        <dsp:cNvPr id="0" name=""/>
+        <dsp:cNvSpPr/>
+      </dsp:nvSpPr>
+      <dsp:spPr>
+        <a:xfrm>
+          <a:off x="991131" y="3063269"/>
+          <a:ext cx="1168742" cy="797867"/>
+        </a:xfrm>
+        <a:prstGeom prst="roundRect">
+          <a:avLst/>
+        </a:prstGeom>
+        <a:solidFill>
+          <a:srgbClr val="28618C"/>
+        </a:solidFill>
+        <a:ln w="12700" cap="flat" cmpd="sng" algn="ctr">
+          <a:solidFill>
+            <a:schemeClr val="lt1">
+              <a:hueOff val="0"/>
+              <a:satOff val="0"/>
+              <a:lumOff val="0"/>
+              <a:alphaOff val="0"/>
+            </a:schemeClr>
+          </a:solidFill>
+          <a:prstDash val="solid"/>
+          <a:miter lim="800000"/>
+        </a:ln>
+        <a:effectLst/>
+      </dsp:spPr>
+      <dsp:style>
+        <a:lnRef idx="2">
+          <a:scrgbClr r="0" g="0" b="0"/>
+        </a:lnRef>
+        <a:fillRef idx="1">
+          <a:scrgbClr r="0" g="0" b="0"/>
+        </a:fillRef>
+        <a:effectRef idx="0">
+          <a:scrgbClr r="0" g="0" b="0"/>
+        </a:effectRef>
+        <a:fontRef idx="minor">
+          <a:schemeClr val="lt1"/>
+        </a:fontRef>
+      </dsp:style>
+      <dsp:txBody>
+        <a:bodyPr spcFirstLastPara="0" vert="horz" wrap="square" lIns="41910" tIns="41910" rIns="41910" bIns="41910" numCol="1" spcCol="1270" anchor="ctr" anchorCtr="0">
+          <a:noAutofit/>
+        </a:bodyPr>
+        <a:lstStyle/>
+        <a:p>
+          <a:pPr marL="0" lvl="0" indent="0" algn="ctr" defTabSz="488950">
+            <a:lnSpc>
+              <a:spcPct val="90000"/>
+            </a:lnSpc>
+            <a:spcBef>
+              <a:spcPct val="0"/>
+            </a:spcBef>
+            <a:spcAft>
+              <a:spcPct val="35000"/>
+            </a:spcAft>
+            <a:buNone/>
+          </a:pPr>
+          <a:r>
+            <a:rPr lang="de-DE" sz="1100" kern="1200" dirty="0"/>
+            <a:t>Physische Funktionen</a:t>
+          </a:r>
+        </a:p>
+      </dsp:txBody>
+      <dsp:txXfrm>
+        <a:off x="1030080" y="3102218"/>
+        <a:ext cx="1090844" cy="719969"/>
+      </dsp:txXfrm>
+    </dsp:sp>
+    <dsp:sp modelId="{F8DB9E2D-5FF3-4581-9ED3-79EF5EFE897F}">
+      <dsp:nvSpPr>
+        <dsp:cNvPr id="0" name=""/>
+        <dsp:cNvSpPr/>
+      </dsp:nvSpPr>
+      <dsp:spPr>
+        <a:xfrm>
+          <a:off x="1291092" y="277906"/>
+          <a:ext cx="4245729" cy="4245729"/>
+        </a:xfrm>
+        <a:custGeom>
+          <a:avLst/>
+          <a:gdLst/>
+          <a:ahLst/>
+          <a:cxnLst/>
+          <a:rect l="0" t="0" r="0" b="0"/>
+          <a:pathLst>
+            <a:path>
+              <a:moveTo>
+                <a:pt x="104031" y="2779270"/>
+              </a:moveTo>
+              <a:arcTo wR="2122864" hR="2122864" stAng="9719311" swAng="1021236"/>
+            </a:path>
+          </a:pathLst>
+        </a:custGeom>
+        <a:noFill/>
+        <a:ln w="6350" cap="flat" cmpd="sng" algn="ctr">
+          <a:solidFill>
+            <a:schemeClr val="accent1">
+              <a:hueOff val="0"/>
+              <a:satOff val="0"/>
+              <a:lumOff val="0"/>
+              <a:alphaOff val="0"/>
+            </a:schemeClr>
+          </a:solidFill>
+          <a:prstDash val="solid"/>
+          <a:miter lim="800000"/>
+        </a:ln>
+        <a:effectLst/>
+      </dsp:spPr>
+      <dsp:style>
+        <a:lnRef idx="1">
+          <a:scrgbClr r="0" g="0" b="0"/>
+        </a:lnRef>
+        <a:fillRef idx="0">
+          <a:scrgbClr r="0" g="0" b="0"/>
+        </a:fillRef>
+        <a:effectRef idx="0">
+          <a:scrgbClr r="0" g="0" b="0"/>
+        </a:effectRef>
+        <a:fontRef idx="minor"/>
+      </dsp:style>
+    </dsp:sp>
+    <dsp:sp modelId="{BD24DBAE-1E37-4349-9985-5A3EB51B2CEC}">
+      <dsp:nvSpPr>
+        <dsp:cNvPr id="0" name=""/>
+        <dsp:cNvSpPr/>
+      </dsp:nvSpPr>
+      <dsp:spPr>
+        <a:xfrm>
+          <a:off x="738972" y="1633205"/>
+          <a:ext cx="1168742" cy="797867"/>
+        </a:xfrm>
+        <a:prstGeom prst="roundRect">
+          <a:avLst/>
+        </a:prstGeom>
+        <a:solidFill>
+          <a:srgbClr val="28618C"/>
+        </a:solidFill>
+        <a:ln w="12700" cap="flat" cmpd="sng" algn="ctr">
+          <a:solidFill>
+            <a:schemeClr val="lt1">
+              <a:hueOff val="0"/>
+              <a:satOff val="0"/>
+              <a:lumOff val="0"/>
+              <a:alphaOff val="0"/>
+            </a:schemeClr>
+          </a:solidFill>
+          <a:prstDash val="solid"/>
+          <a:miter lim="800000"/>
+        </a:ln>
+        <a:effectLst/>
+      </dsp:spPr>
+      <dsp:style>
+        <a:lnRef idx="2">
+          <a:scrgbClr r="0" g="0" b="0"/>
+        </a:lnRef>
+        <a:fillRef idx="1">
+          <a:scrgbClr r="0" g="0" b="0"/>
+        </a:fillRef>
+        <a:effectRef idx="0">
+          <a:scrgbClr r="0" g="0" b="0"/>
+        </a:effectRef>
+        <a:fontRef idx="minor">
+          <a:schemeClr val="lt1"/>
+        </a:fontRef>
+      </dsp:style>
+      <dsp:txBody>
+        <a:bodyPr spcFirstLastPara="0" vert="horz" wrap="square" lIns="41910" tIns="41910" rIns="41910" bIns="41910" numCol="1" spcCol="1270" anchor="ctr" anchorCtr="0">
+          <a:noAutofit/>
+        </a:bodyPr>
+        <a:lstStyle/>
+        <a:p>
+          <a:pPr marL="0" lvl="0" indent="0" algn="ctr" defTabSz="488950">
+            <a:lnSpc>
+              <a:spcPct val="90000"/>
+            </a:lnSpc>
+            <a:spcBef>
+              <a:spcPct val="0"/>
+            </a:spcBef>
+            <a:spcAft>
+              <a:spcPct val="35000"/>
+            </a:spcAft>
+            <a:buNone/>
+          </a:pPr>
+          <a:r>
+            <a:rPr lang="de-DE" sz="1100" kern="1200" dirty="0"/>
+            <a:t>Kognitive Funktionen</a:t>
+          </a:r>
+        </a:p>
+      </dsp:txBody>
+      <dsp:txXfrm>
+        <a:off x="777921" y="1672154"/>
+        <a:ext cx="1090844" cy="719969"/>
+      </dsp:txXfrm>
+    </dsp:sp>
+    <dsp:sp modelId="{7F508FBD-2AF1-4187-83C0-2FD582F7D023}">
+      <dsp:nvSpPr>
+        <dsp:cNvPr id="0" name=""/>
+        <dsp:cNvSpPr/>
+      </dsp:nvSpPr>
+      <dsp:spPr>
+        <a:xfrm>
+          <a:off x="1291092" y="277906"/>
+          <a:ext cx="4245729" cy="4245729"/>
+        </a:xfrm>
+        <a:custGeom>
+          <a:avLst/>
+          <a:gdLst/>
+          <a:ahLst/>
+          <a:cxnLst/>
+          <a:rect l="0" t="0" r="0" b="0"/>
+          <a:pathLst>
+            <a:path>
+              <a:moveTo>
+                <a:pt x="145515" y="1350435"/>
+              </a:moveTo>
+              <a:arcTo wR="2122864" hR="2122864" stAng="12080252" swAng="830410"/>
+            </a:path>
+          </a:pathLst>
+        </a:custGeom>
+        <a:noFill/>
+        <a:ln w="6350" cap="flat" cmpd="sng" algn="ctr">
+          <a:solidFill>
+            <a:schemeClr val="accent1">
+              <a:hueOff val="0"/>
+              <a:satOff val="0"/>
+              <a:lumOff val="0"/>
+              <a:alphaOff val="0"/>
+            </a:schemeClr>
+          </a:solidFill>
+          <a:prstDash val="solid"/>
+          <a:miter lim="800000"/>
+        </a:ln>
+        <a:effectLst/>
+      </dsp:spPr>
+      <dsp:style>
+        <a:lnRef idx="1">
+          <a:scrgbClr r="0" g="0" b="0"/>
+        </a:lnRef>
+        <a:fillRef idx="0">
+          <a:scrgbClr r="0" g="0" b="0"/>
+        </a:fillRef>
+        <a:effectRef idx="0">
+          <a:scrgbClr r="0" g="0" b="0"/>
+        </a:effectRef>
+        <a:fontRef idx="minor"/>
+      </dsp:style>
+    </dsp:sp>
+    <dsp:sp modelId="{FD906290-4131-454A-BF80-21D009674D47}">
+      <dsp:nvSpPr>
+        <dsp:cNvPr id="0" name=""/>
+        <dsp:cNvSpPr/>
+      </dsp:nvSpPr>
+      <dsp:spPr>
+        <a:xfrm>
+          <a:off x="1465035" y="375628"/>
+          <a:ext cx="1168742" cy="797867"/>
+        </a:xfrm>
+        <a:prstGeom prst="roundRect">
+          <a:avLst/>
+        </a:prstGeom>
+        <a:solidFill>
+          <a:srgbClr val="28618C"/>
+        </a:solidFill>
+        <a:ln w="12700" cap="flat" cmpd="sng" algn="ctr">
+          <a:solidFill>
+            <a:schemeClr val="lt1">
+              <a:hueOff val="0"/>
+              <a:satOff val="0"/>
+              <a:lumOff val="0"/>
+              <a:alphaOff val="0"/>
+            </a:schemeClr>
+          </a:solidFill>
+          <a:prstDash val="solid"/>
+          <a:miter lim="800000"/>
+        </a:ln>
+        <a:effectLst/>
+      </dsp:spPr>
+      <dsp:style>
+        <a:lnRef idx="2">
+          <a:scrgbClr r="0" g="0" b="0"/>
+        </a:lnRef>
+        <a:fillRef idx="1">
+          <a:scrgbClr r="0" g="0" b="0"/>
+        </a:fillRef>
+        <a:effectRef idx="0">
+          <a:scrgbClr r="0" g="0" b="0"/>
+        </a:effectRef>
+        <a:fontRef idx="minor">
+          <a:schemeClr val="lt1"/>
+        </a:fontRef>
+      </dsp:style>
+      <dsp:txBody>
+        <a:bodyPr spcFirstLastPara="0" vert="horz" wrap="square" lIns="41910" tIns="41910" rIns="41910" bIns="41910" numCol="1" spcCol="1270" anchor="ctr" anchorCtr="0">
+          <a:noAutofit/>
+        </a:bodyPr>
+        <a:lstStyle/>
+        <a:p>
+          <a:pPr marL="0" lvl="0" indent="0" algn="ctr" defTabSz="488950">
+            <a:lnSpc>
+              <a:spcPct val="90000"/>
+            </a:lnSpc>
+            <a:spcBef>
+              <a:spcPct val="0"/>
+            </a:spcBef>
+            <a:spcAft>
+              <a:spcPct val="35000"/>
+            </a:spcAft>
+            <a:buNone/>
+          </a:pPr>
+          <a:r>
+            <a:rPr lang="de-DE" sz="1100" kern="1200" dirty="0"/>
+            <a:t>Sensorische Funktionen</a:t>
+          </a:r>
+        </a:p>
+      </dsp:txBody>
+      <dsp:txXfrm>
+        <a:off x="1503984" y="414577"/>
+        <a:ext cx="1090844" cy="719969"/>
+      </dsp:txXfrm>
+    </dsp:sp>
+    <dsp:sp modelId="{1E341341-AD72-4F84-9A60-499FC89783E4}">
+      <dsp:nvSpPr>
+        <dsp:cNvPr id="0" name=""/>
+        <dsp:cNvSpPr/>
+      </dsp:nvSpPr>
+      <dsp:spPr>
+        <a:xfrm>
+          <a:off x="1291092" y="277906"/>
+          <a:ext cx="4245729" cy="4245729"/>
+        </a:xfrm>
+        <a:custGeom>
+          <a:avLst/>
+          <a:gdLst/>
+          <a:ahLst/>
+          <a:cxnLst/>
+          <a:rect l="0" t="0" r="0" b="0"/>
+          <a:pathLst>
+            <a:path>
+              <a:moveTo>
+                <a:pt x="1344608" y="147802"/>
+              </a:moveTo>
+              <a:arcTo wR="2122864" hR="2122864" stAng="14909611" swAng="328336"/>
+            </a:path>
+          </a:pathLst>
+        </a:custGeom>
+        <a:noFill/>
+        <a:ln w="6350" cap="flat" cmpd="sng" algn="ctr">
+          <a:solidFill>
+            <a:schemeClr val="accent1">
+              <a:hueOff val="0"/>
+              <a:satOff val="0"/>
+              <a:lumOff val="0"/>
+              <a:alphaOff val="0"/>
+            </a:schemeClr>
+          </a:solidFill>
+          <a:prstDash val="solid"/>
+          <a:miter lim="800000"/>
+        </a:ln>
+        <a:effectLst/>
+      </dsp:spPr>
+      <dsp:style>
+        <a:lnRef idx="1">
+          <a:scrgbClr r="0" g="0" b="0"/>
+        </a:lnRef>
+        <a:fillRef idx="0">
+          <a:scrgbClr r="0" g="0" b="0"/>
+        </a:fillRef>
+        <a:effectRef idx="0">
+          <a:scrgbClr r="0" g="0" b="0"/>
+        </a:effectRef>
+        <a:fontRef idx="minor"/>
+      </dsp:style>
+    </dsp:sp>
+  </dsp:spTree>
+</dsp:drawing>
+</file>
+
+<file path=ppt/diagrams/drawing2.xml><?xml version="1.0" encoding="utf-8"?>
 <dsp:drawing xmlns:dgm="http://schemas.openxmlformats.org/drawingml/2006/diagram" xmlns:dsp="http://schemas.microsoft.com/office/drawing/2008/diagram" xmlns:a="http://schemas.openxmlformats.org/drawingml/2006/main">
   <dsp:spTree>
     <dsp:nvGrpSpPr>
@@ -5020,7 +7509,7 @@
 </dsp:drawing>
 </file>
 
-<file path=ppt/diagrams/drawing2.xml><?xml version="1.0" encoding="utf-8"?>
+<file path=ppt/diagrams/drawing3.xml><?xml version="1.0" encoding="utf-8"?>
 <dsp:drawing xmlns:dgm="http://schemas.openxmlformats.org/drawingml/2006/diagram" xmlns:dsp="http://schemas.microsoft.com/office/drawing/2008/diagram" xmlns:a="http://schemas.openxmlformats.org/drawingml/2006/main">
   <dsp:spTree>
     <dsp:nvGrpSpPr>
@@ -5585,7 +8074,7 @@
 </dsp:drawing>
 </file>
 
-<file path=ppt/diagrams/drawing3.xml><?xml version="1.0" encoding="utf-8"?>
+<file path=ppt/diagrams/drawing4.xml><?xml version="1.0" encoding="utf-8"?>
 <dsp:drawing xmlns:dgm="http://schemas.openxmlformats.org/drawingml/2006/diagram" xmlns:dsp="http://schemas.microsoft.com/office/drawing/2008/diagram" xmlns:a="http://schemas.openxmlformats.org/drawingml/2006/main">
   <dsp:spTree>
     <dsp:nvGrpSpPr>
@@ -5880,6 +8369,215 @@
 </file>
 
 <file path=ppt/diagrams/layout1.xml><?xml version="1.0" encoding="utf-8"?>
+<dgm:layoutDef xmlns:dgm="http://schemas.openxmlformats.org/drawingml/2006/diagram" xmlns:a="http://schemas.openxmlformats.org/drawingml/2006/main" uniqueId="urn:microsoft.com/office/officeart/2005/8/layout/cycle6">
+  <dgm:title val=""/>
+  <dgm:desc val=""/>
+  <dgm:catLst>
+    <dgm:cat type="cycle" pri="4000"/>
+    <dgm:cat type="relationship" pri="24000"/>
+  </dgm:catLst>
+  <dgm:sampData>
+    <dgm:dataModel>
+      <dgm:ptLst>
+        <dgm:pt modelId="0" type="doc"/>
+        <dgm:pt modelId="1">
+          <dgm:prSet phldr="1"/>
+        </dgm:pt>
+        <dgm:pt modelId="2">
+          <dgm:prSet phldr="1"/>
+        </dgm:pt>
+        <dgm:pt modelId="3">
+          <dgm:prSet phldr="1"/>
+        </dgm:pt>
+        <dgm:pt modelId="4">
+          <dgm:prSet phldr="1"/>
+        </dgm:pt>
+        <dgm:pt modelId="5">
+          <dgm:prSet phldr="1"/>
+        </dgm:pt>
+      </dgm:ptLst>
+      <dgm:cxnLst>
+        <dgm:cxn modelId="6" srcId="0" destId="1" srcOrd="0" destOrd="0"/>
+        <dgm:cxn modelId="7" srcId="0" destId="2" srcOrd="1" destOrd="0"/>
+        <dgm:cxn modelId="8" srcId="0" destId="3" srcOrd="2" destOrd="0"/>
+        <dgm:cxn modelId="9" srcId="0" destId="4" srcOrd="3" destOrd="0"/>
+        <dgm:cxn modelId="10" srcId="0" destId="5" srcOrd="4" destOrd="0"/>
+      </dgm:cxnLst>
+      <dgm:bg/>
+      <dgm:whole/>
+    </dgm:dataModel>
+  </dgm:sampData>
+  <dgm:styleData>
+    <dgm:dataModel>
+      <dgm:ptLst>
+        <dgm:pt modelId="0" type="doc"/>
+        <dgm:pt modelId="1"/>
+        <dgm:pt modelId="2"/>
+        <dgm:pt modelId="3"/>
+      </dgm:ptLst>
+      <dgm:cxnLst>
+        <dgm:cxn modelId="4" srcId="0" destId="1" srcOrd="0" destOrd="0"/>
+        <dgm:cxn modelId="5" srcId="0" destId="2" srcOrd="1" destOrd="0"/>
+        <dgm:cxn modelId="6" srcId="0" destId="3" srcOrd="2" destOrd="0"/>
+      </dgm:cxnLst>
+      <dgm:bg/>
+      <dgm:whole/>
+    </dgm:dataModel>
+  </dgm:styleData>
+  <dgm:clrData>
+    <dgm:dataModel>
+      <dgm:ptLst>
+        <dgm:pt modelId="0" type="doc"/>
+        <dgm:pt modelId="1"/>
+        <dgm:pt modelId="2"/>
+        <dgm:pt modelId="3"/>
+        <dgm:pt modelId="4"/>
+        <dgm:pt modelId="5"/>
+        <dgm:pt modelId="6"/>
+      </dgm:ptLst>
+      <dgm:cxnLst>
+        <dgm:cxn modelId="7" srcId="0" destId="1" srcOrd="0" destOrd="0"/>
+        <dgm:cxn modelId="8" srcId="0" destId="2" srcOrd="1" destOrd="0"/>
+        <dgm:cxn modelId="9" srcId="0" destId="3" srcOrd="2" destOrd="0"/>
+        <dgm:cxn modelId="10" srcId="0" destId="4" srcOrd="3" destOrd="0"/>
+        <dgm:cxn modelId="11" srcId="0" destId="5" srcOrd="4" destOrd="0"/>
+        <dgm:cxn modelId="12" srcId="0" destId="6" srcOrd="5" destOrd="0"/>
+      </dgm:cxnLst>
+      <dgm:bg/>
+      <dgm:whole/>
+    </dgm:dataModel>
+  </dgm:clrData>
+  <dgm:layoutNode name="cycle">
+    <dgm:varLst>
+      <dgm:dir/>
+      <dgm:resizeHandles val="exact"/>
+    </dgm:varLst>
+    <dgm:choose name="Name0">
+      <dgm:if name="Name1" func="var" arg="dir" op="equ" val="norm">
+        <dgm:choose name="Name2">
+          <dgm:if name="Name3" axis="ch" ptType="node" func="cnt" op="gt" val="2">
+            <dgm:alg type="cycle">
+              <dgm:param type="stAng" val="0"/>
+              <dgm:param type="spanAng" val="360"/>
+            </dgm:alg>
+          </dgm:if>
+          <dgm:else name="Name4">
+            <dgm:alg type="cycle">
+              <dgm:param type="stAng" val="-90"/>
+              <dgm:param type="spanAng" val="360"/>
+            </dgm:alg>
+          </dgm:else>
+        </dgm:choose>
+      </dgm:if>
+      <dgm:else name="Name5">
+        <dgm:choose name="Name6">
+          <dgm:if name="Name7" axis="ch" ptType="node" func="cnt" op="gt" val="2">
+            <dgm:alg type="cycle">
+              <dgm:param type="stAng" val="0"/>
+              <dgm:param type="spanAng" val="-360"/>
+            </dgm:alg>
+          </dgm:if>
+          <dgm:else name="Name8">
+            <dgm:alg type="cycle">
+              <dgm:param type="stAng" val="90"/>
+              <dgm:param type="spanAng" val="-360"/>
+            </dgm:alg>
+          </dgm:else>
+        </dgm:choose>
+      </dgm:else>
+    </dgm:choose>
+    <dgm:shape xmlns:r="http://schemas.openxmlformats.org/officeDocument/2006/relationships" r:blip="">
+      <dgm:adjLst/>
+    </dgm:shape>
+    <dgm:presOf/>
+    <dgm:choose name="Name9">
+      <dgm:if name="Name10" func="var" arg="dir" op="equ" val="norm">
+        <dgm:constrLst>
+          <dgm:constr type="w" for="ch" forName="node" refType="w"/>
+          <dgm:constr type="w" for="ch" ptType="sibTrans" refType="w" refFor="ch" refForName="node" op="equ" fact="0.3"/>
+          <dgm:constr type="diam" for="ch" ptType="sibTrans" refType="diam" op="equ"/>
+          <dgm:constr type="sibSp" refType="w" refFor="ch" refForName="node" op="equ" fact="0.15"/>
+          <dgm:constr type="w" for="ch" forName="spNode" refType="sibSp" fact="1.6"/>
+          <dgm:constr type="primFontSz" for="ch" forName="node" op="equ" val="65"/>
+        </dgm:constrLst>
+      </dgm:if>
+      <dgm:else name="Name11">
+        <dgm:constrLst>
+          <dgm:constr type="w" for="ch" forName="node" refType="w"/>
+          <dgm:constr type="w" for="ch" ptType="sibTrans" refType="w" refFor="ch" refForName="node" op="equ" fact="0.3"/>
+          <dgm:constr type="diam" for="ch" ptType="sibTrans" refType="diam" op="equ" fact="-1"/>
+          <dgm:constr type="sibSp" refType="w" refFor="ch" refForName="node" op="equ" fact="0.15"/>
+          <dgm:constr type="w" for="ch" forName="spNode" refType="sibSp" fact="1.6"/>
+          <dgm:constr type="primFontSz" for="ch" forName="node" op="equ" val="65"/>
+        </dgm:constrLst>
+      </dgm:else>
+    </dgm:choose>
+    <dgm:ruleLst/>
+    <dgm:forEach name="Name12" axis="ch" ptType="node">
+      <dgm:layoutNode name="node">
+        <dgm:varLst>
+          <dgm:bulletEnabled val="1"/>
+        </dgm:varLst>
+        <dgm:alg type="tx"/>
+        <dgm:shape xmlns:r="http://schemas.openxmlformats.org/officeDocument/2006/relationships" type="roundRect" r:blip="">
+          <dgm:adjLst/>
+        </dgm:shape>
+        <dgm:presOf axis="desOrSelf" ptType="node"/>
+        <dgm:constrLst>
+          <dgm:constr type="h" refType="w" fact="0.65"/>
+          <dgm:constr type="tMarg" refType="primFontSz" fact="0.3"/>
+          <dgm:constr type="bMarg" refType="primFontSz" fact="0.3"/>
+          <dgm:constr type="lMarg" refType="primFontSz" fact="0.3"/>
+          <dgm:constr type="rMarg" refType="primFontSz" fact="0.3"/>
+        </dgm:constrLst>
+        <dgm:ruleLst>
+          <dgm:rule type="primFontSz" val="5" fact="NaN" max="NaN"/>
+        </dgm:ruleLst>
+      </dgm:layoutNode>
+      <dgm:choose name="Name13">
+        <dgm:if name="Name14" axis="par ch" ptType="doc node" func="cnt" op="gt" val="1">
+          <dgm:layoutNode name="spNode">
+            <dgm:alg type="sp"/>
+            <dgm:shape xmlns:r="http://schemas.openxmlformats.org/officeDocument/2006/relationships" r:blip="">
+              <dgm:adjLst/>
+            </dgm:shape>
+            <dgm:presOf/>
+            <dgm:constrLst>
+              <dgm:constr type="h" refType="w"/>
+            </dgm:constrLst>
+            <dgm:ruleLst/>
+          </dgm:layoutNode>
+          <dgm:forEach name="Name15" axis="followSib" ptType="sibTrans" hideLastTrans="0" cnt="1">
+            <dgm:layoutNode name="sibTrans">
+              <dgm:alg type="conn">
+                <dgm:param type="dim" val="1D"/>
+                <dgm:param type="connRout" val="curve"/>
+                <dgm:param type="begPts" val="radial"/>
+                <dgm:param type="endPts" val="radial"/>
+                <dgm:param type="endSty" val="noArr"/>
+              </dgm:alg>
+              <dgm:shape xmlns:r="http://schemas.openxmlformats.org/officeDocument/2006/relationships" type="conn" r:blip="">
+                <dgm:adjLst/>
+              </dgm:shape>
+              <dgm:presOf axis="self"/>
+              <dgm:constrLst>
+                <dgm:constr type="h" refType="w" fact="0.65"/>
+                <dgm:constr type="connDist"/>
+                <dgm:constr type="begPad" refType="connDist" fact="0.01"/>
+                <dgm:constr type="endPad" refType="connDist" fact="0.01"/>
+              </dgm:constrLst>
+              <dgm:ruleLst/>
+            </dgm:layoutNode>
+          </dgm:forEach>
+        </dgm:if>
+        <dgm:else name="Name16"/>
+      </dgm:choose>
+    </dgm:forEach>
+  </dgm:layoutNode>
+</dgm:layoutDef>
+</file>
+
+<file path=ppt/diagrams/layout2.xml><?xml version="1.0" encoding="utf-8"?>
 <dgm:layoutDef xmlns:dgm="http://schemas.openxmlformats.org/drawingml/2006/diagram" xmlns:a="http://schemas.openxmlformats.org/drawingml/2006/main" uniqueId="urn:microsoft.com/office/officeart/2005/8/layout/hList2">
   <dgm:title val=""/>
   <dgm:desc val=""/>
@@ -6164,7 +8862,7 @@
 </dgm:layoutDef>
 </file>
 
-<file path=ppt/diagrams/layout2.xml><?xml version="1.0" encoding="utf-8"?>
+<file path=ppt/diagrams/layout3.xml><?xml version="1.0" encoding="utf-8"?>
 <dgm:layoutDef xmlns:dgm="http://schemas.openxmlformats.org/drawingml/2006/diagram" xmlns:a="http://schemas.openxmlformats.org/drawingml/2006/main" uniqueId="urn:microsoft.com/office/officeart/2005/8/layout/hProcess6">
   <dgm:title val=""/>
   <dgm:desc val=""/>
@@ -6458,7 +9156,7 @@
 </dgm:layoutDef>
 </file>
 
-<file path=ppt/diagrams/layout3.xml><?xml version="1.0" encoding="utf-8"?>
+<file path=ppt/diagrams/layout4.xml><?xml version="1.0" encoding="utf-8"?>
 <dgm:layoutDef xmlns:dgm="http://schemas.openxmlformats.org/drawingml/2006/diagram" xmlns:a="http://schemas.openxmlformats.org/drawingml/2006/main" uniqueId="urn:microsoft.com/office/officeart/2005/8/layout/hProcess9">
   <dgm:title val=""/>
   <dgm:desc val=""/>
@@ -8681,6 +11379,1040 @@
 </file>
 
 <file path=ppt/diagrams/quickStyle3.xml><?xml version="1.0" encoding="utf-8"?>
+<dgm:styleDef xmlns:dgm="http://schemas.openxmlformats.org/drawingml/2006/diagram" xmlns:a="http://schemas.openxmlformats.org/drawingml/2006/main" uniqueId="urn:microsoft.com/office/officeart/2005/8/quickstyle/simple1">
+  <dgm:title val=""/>
+  <dgm:desc val=""/>
+  <dgm:catLst>
+    <dgm:cat type="simple" pri="10100"/>
+  </dgm:catLst>
+  <dgm:scene3d>
+    <a:camera prst="orthographicFront"/>
+    <a:lightRig rig="threePt" dir="t"/>
+  </dgm:scene3d>
+  <dgm:styleLbl name="node0">
+    <dgm:scene3d>
+      <a:camera prst="orthographicFront"/>
+      <a:lightRig rig="threePt" dir="t"/>
+    </dgm:scene3d>
+    <dgm:sp3d/>
+    <dgm:txPr/>
+    <dgm:style>
+      <a:lnRef idx="2">
+        <a:scrgbClr r="0" g="0" b="0"/>
+      </a:lnRef>
+      <a:fillRef idx="1">
+        <a:scrgbClr r="0" g="0" b="0"/>
+      </a:fillRef>
+      <a:effectRef idx="0">
+        <a:scrgbClr r="0" g="0" b="0"/>
+      </a:effectRef>
+      <a:fontRef idx="minor">
+        <a:schemeClr val="lt1"/>
+      </a:fontRef>
+    </dgm:style>
+  </dgm:styleLbl>
+  <dgm:styleLbl name="lnNode1">
+    <dgm:scene3d>
+      <a:camera prst="orthographicFront"/>
+      <a:lightRig rig="threePt" dir="t"/>
+    </dgm:scene3d>
+    <dgm:sp3d/>
+    <dgm:txPr/>
+    <dgm:style>
+      <a:lnRef idx="2">
+        <a:scrgbClr r="0" g="0" b="0"/>
+      </a:lnRef>
+      <a:fillRef idx="1">
+        <a:scrgbClr r="0" g="0" b="0"/>
+      </a:fillRef>
+      <a:effectRef idx="0">
+        <a:scrgbClr r="0" g="0" b="0"/>
+      </a:effectRef>
+      <a:fontRef idx="minor">
+        <a:schemeClr val="lt1"/>
+      </a:fontRef>
+    </dgm:style>
+  </dgm:styleLbl>
+  <dgm:styleLbl name="vennNode1">
+    <dgm:scene3d>
+      <a:camera prst="orthographicFront"/>
+      <a:lightRig rig="threePt" dir="t"/>
+    </dgm:scene3d>
+    <dgm:sp3d/>
+    <dgm:txPr/>
+    <dgm:style>
+      <a:lnRef idx="2">
+        <a:scrgbClr r="0" g="0" b="0"/>
+      </a:lnRef>
+      <a:fillRef idx="1">
+        <a:scrgbClr r="0" g="0" b="0"/>
+      </a:fillRef>
+      <a:effectRef idx="0">
+        <a:scrgbClr r="0" g="0" b="0"/>
+      </a:effectRef>
+      <a:fontRef idx="minor">
+        <a:schemeClr val="tx1"/>
+      </a:fontRef>
+    </dgm:style>
+  </dgm:styleLbl>
+  <dgm:styleLbl name="alignNode1">
+    <dgm:scene3d>
+      <a:camera prst="orthographicFront"/>
+      <a:lightRig rig="threePt" dir="t"/>
+    </dgm:scene3d>
+    <dgm:sp3d/>
+    <dgm:txPr/>
+    <dgm:style>
+      <a:lnRef idx="2">
+        <a:scrgbClr r="0" g="0" b="0"/>
+      </a:lnRef>
+      <a:fillRef idx="1">
+        <a:scrgbClr r="0" g="0" b="0"/>
+      </a:fillRef>
+      <a:effectRef idx="0">
+        <a:scrgbClr r="0" g="0" b="0"/>
+      </a:effectRef>
+      <a:fontRef idx="minor">
+        <a:schemeClr val="lt1"/>
+      </a:fontRef>
+    </dgm:style>
+  </dgm:styleLbl>
+  <dgm:styleLbl name="node1">
+    <dgm:scene3d>
+      <a:camera prst="orthographicFront"/>
+      <a:lightRig rig="threePt" dir="t"/>
+    </dgm:scene3d>
+    <dgm:sp3d/>
+    <dgm:txPr/>
+    <dgm:style>
+      <a:lnRef idx="2">
+        <a:scrgbClr r="0" g="0" b="0"/>
+      </a:lnRef>
+      <a:fillRef idx="1">
+        <a:scrgbClr r="0" g="0" b="0"/>
+      </a:fillRef>
+      <a:effectRef idx="0">
+        <a:scrgbClr r="0" g="0" b="0"/>
+      </a:effectRef>
+      <a:fontRef idx="minor">
+        <a:schemeClr val="lt1"/>
+      </a:fontRef>
+    </dgm:style>
+  </dgm:styleLbl>
+  <dgm:styleLbl name="node2">
+    <dgm:scene3d>
+      <a:camera prst="orthographicFront"/>
+      <a:lightRig rig="threePt" dir="t"/>
+    </dgm:scene3d>
+    <dgm:sp3d/>
+    <dgm:txPr/>
+    <dgm:style>
+      <a:lnRef idx="2">
+        <a:scrgbClr r="0" g="0" b="0"/>
+      </a:lnRef>
+      <a:fillRef idx="1">
+        <a:scrgbClr r="0" g="0" b="0"/>
+      </a:fillRef>
+      <a:effectRef idx="0">
+        <a:scrgbClr r="0" g="0" b="0"/>
+      </a:effectRef>
+      <a:fontRef idx="minor">
+        <a:schemeClr val="lt1"/>
+      </a:fontRef>
+    </dgm:style>
+  </dgm:styleLbl>
+  <dgm:styleLbl name="node3">
+    <dgm:scene3d>
+      <a:camera prst="orthographicFront"/>
+      <a:lightRig rig="threePt" dir="t"/>
+    </dgm:scene3d>
+    <dgm:sp3d/>
+    <dgm:txPr/>
+    <dgm:style>
+      <a:lnRef idx="2">
+        <a:scrgbClr r="0" g="0" b="0"/>
+      </a:lnRef>
+      <a:fillRef idx="1">
+        <a:scrgbClr r="0" g="0" b="0"/>
+      </a:fillRef>
+      <a:effectRef idx="0">
+        <a:scrgbClr r="0" g="0" b="0"/>
+      </a:effectRef>
+      <a:fontRef idx="minor">
+        <a:schemeClr val="lt1"/>
+      </a:fontRef>
+    </dgm:style>
+  </dgm:styleLbl>
+  <dgm:styleLbl name="node4">
+    <dgm:scene3d>
+      <a:camera prst="orthographicFront"/>
+      <a:lightRig rig="threePt" dir="t"/>
+    </dgm:scene3d>
+    <dgm:sp3d/>
+    <dgm:txPr/>
+    <dgm:style>
+      <a:lnRef idx="2">
+        <a:scrgbClr r="0" g="0" b="0"/>
+      </a:lnRef>
+      <a:fillRef idx="1">
+        <a:scrgbClr r="0" g="0" b="0"/>
+      </a:fillRef>
+      <a:effectRef idx="0">
+        <a:scrgbClr r="0" g="0" b="0"/>
+      </a:effectRef>
+      <a:fontRef idx="minor">
+        <a:schemeClr val="lt1"/>
+      </a:fontRef>
+    </dgm:style>
+  </dgm:styleLbl>
+  <dgm:styleLbl name="fgImgPlace1">
+    <dgm:scene3d>
+      <a:camera prst="orthographicFront"/>
+      <a:lightRig rig="threePt" dir="t"/>
+    </dgm:scene3d>
+    <dgm:sp3d/>
+    <dgm:txPr/>
+    <dgm:style>
+      <a:lnRef idx="2">
+        <a:scrgbClr r="0" g="0" b="0"/>
+      </a:lnRef>
+      <a:fillRef idx="1">
+        <a:scrgbClr r="0" g="0" b="0"/>
+      </a:fillRef>
+      <a:effectRef idx="0">
+        <a:scrgbClr r="0" g="0" b="0"/>
+      </a:effectRef>
+      <a:fontRef idx="minor"/>
+    </dgm:style>
+  </dgm:styleLbl>
+  <dgm:styleLbl name="alignImgPlace1">
+    <dgm:scene3d>
+      <a:camera prst="orthographicFront"/>
+      <a:lightRig rig="threePt" dir="t"/>
+    </dgm:scene3d>
+    <dgm:sp3d/>
+    <dgm:txPr/>
+    <dgm:style>
+      <a:lnRef idx="2">
+        <a:scrgbClr r="0" g="0" b="0"/>
+      </a:lnRef>
+      <a:fillRef idx="1">
+        <a:scrgbClr r="0" g="0" b="0"/>
+      </a:fillRef>
+      <a:effectRef idx="0">
+        <a:scrgbClr r="0" g="0" b="0"/>
+      </a:effectRef>
+      <a:fontRef idx="minor"/>
+    </dgm:style>
+  </dgm:styleLbl>
+  <dgm:styleLbl name="bgImgPlace1">
+    <dgm:scene3d>
+      <a:camera prst="orthographicFront"/>
+      <a:lightRig rig="threePt" dir="t"/>
+    </dgm:scene3d>
+    <dgm:sp3d/>
+    <dgm:txPr/>
+    <dgm:style>
+      <a:lnRef idx="2">
+        <a:scrgbClr r="0" g="0" b="0"/>
+      </a:lnRef>
+      <a:fillRef idx="1">
+        <a:scrgbClr r="0" g="0" b="0"/>
+      </a:fillRef>
+      <a:effectRef idx="0">
+        <a:scrgbClr r="0" g="0" b="0"/>
+      </a:effectRef>
+      <a:fontRef idx="minor"/>
+    </dgm:style>
+  </dgm:styleLbl>
+  <dgm:styleLbl name="sibTrans2D1">
+    <dgm:scene3d>
+      <a:camera prst="orthographicFront"/>
+      <a:lightRig rig="threePt" dir="t"/>
+    </dgm:scene3d>
+    <dgm:sp3d/>
+    <dgm:txPr/>
+    <dgm:style>
+      <a:lnRef idx="0">
+        <a:scrgbClr r="0" g="0" b="0"/>
+      </a:lnRef>
+      <a:fillRef idx="1">
+        <a:scrgbClr r="0" g="0" b="0"/>
+      </a:fillRef>
+      <a:effectRef idx="0">
+        <a:scrgbClr r="0" g="0" b="0"/>
+      </a:effectRef>
+      <a:fontRef idx="minor">
+        <a:schemeClr val="lt1"/>
+      </a:fontRef>
+    </dgm:style>
+  </dgm:styleLbl>
+  <dgm:styleLbl name="fgSibTrans2D1">
+    <dgm:scene3d>
+      <a:camera prst="orthographicFront"/>
+      <a:lightRig rig="threePt" dir="t"/>
+    </dgm:scene3d>
+    <dgm:sp3d/>
+    <dgm:txPr/>
+    <dgm:style>
+      <a:lnRef idx="0">
+        <a:scrgbClr r="0" g="0" b="0"/>
+      </a:lnRef>
+      <a:fillRef idx="1">
+        <a:scrgbClr r="0" g="0" b="0"/>
+      </a:fillRef>
+      <a:effectRef idx="0">
+        <a:scrgbClr r="0" g="0" b="0"/>
+      </a:effectRef>
+      <a:fontRef idx="minor">
+        <a:schemeClr val="lt1"/>
+      </a:fontRef>
+    </dgm:style>
+  </dgm:styleLbl>
+  <dgm:styleLbl name="bgSibTrans2D1">
+    <dgm:scene3d>
+      <a:camera prst="orthographicFront"/>
+      <a:lightRig rig="threePt" dir="t"/>
+    </dgm:scene3d>
+    <dgm:sp3d/>
+    <dgm:txPr/>
+    <dgm:style>
+      <a:lnRef idx="0">
+        <a:scrgbClr r="0" g="0" b="0"/>
+      </a:lnRef>
+      <a:fillRef idx="1">
+        <a:scrgbClr r="0" g="0" b="0"/>
+      </a:fillRef>
+      <a:effectRef idx="0">
+        <a:scrgbClr r="0" g="0" b="0"/>
+      </a:effectRef>
+      <a:fontRef idx="minor">
+        <a:schemeClr val="lt1"/>
+      </a:fontRef>
+    </dgm:style>
+  </dgm:styleLbl>
+  <dgm:styleLbl name="sibTrans1D1">
+    <dgm:scene3d>
+      <a:camera prst="orthographicFront"/>
+      <a:lightRig rig="threePt" dir="t"/>
+    </dgm:scene3d>
+    <dgm:sp3d/>
+    <dgm:txPr/>
+    <dgm:style>
+      <a:lnRef idx="1">
+        <a:scrgbClr r="0" g="0" b="0"/>
+      </a:lnRef>
+      <a:fillRef idx="0">
+        <a:scrgbClr r="0" g="0" b="0"/>
+      </a:fillRef>
+      <a:effectRef idx="0">
+        <a:scrgbClr r="0" g="0" b="0"/>
+      </a:effectRef>
+      <a:fontRef idx="minor"/>
+    </dgm:style>
+  </dgm:styleLbl>
+  <dgm:styleLbl name="callout">
+    <dgm:scene3d>
+      <a:camera prst="orthographicFront"/>
+      <a:lightRig rig="threePt" dir="t"/>
+    </dgm:scene3d>
+    <dgm:sp3d/>
+    <dgm:txPr/>
+    <dgm:style>
+      <a:lnRef idx="2">
+        <a:scrgbClr r="0" g="0" b="0"/>
+      </a:lnRef>
+      <a:fillRef idx="1">
+        <a:scrgbClr r="0" g="0" b="0"/>
+      </a:fillRef>
+      <a:effectRef idx="0">
+        <a:scrgbClr r="0" g="0" b="0"/>
+      </a:effectRef>
+      <a:fontRef idx="minor"/>
+    </dgm:style>
+  </dgm:styleLbl>
+  <dgm:styleLbl name="asst0">
+    <dgm:scene3d>
+      <a:camera prst="orthographicFront"/>
+      <a:lightRig rig="threePt" dir="t"/>
+    </dgm:scene3d>
+    <dgm:sp3d/>
+    <dgm:txPr/>
+    <dgm:style>
+      <a:lnRef idx="2">
+        <a:scrgbClr r="0" g="0" b="0"/>
+      </a:lnRef>
+      <a:fillRef idx="1">
+        <a:scrgbClr r="0" g="0" b="0"/>
+      </a:fillRef>
+      <a:effectRef idx="0">
+        <a:scrgbClr r="0" g="0" b="0"/>
+      </a:effectRef>
+      <a:fontRef idx="minor">
+        <a:schemeClr val="lt1"/>
+      </a:fontRef>
+    </dgm:style>
+  </dgm:styleLbl>
+  <dgm:styleLbl name="asst1">
+    <dgm:scene3d>
+      <a:camera prst="orthographicFront"/>
+      <a:lightRig rig="threePt" dir="t"/>
+    </dgm:scene3d>
+    <dgm:sp3d/>
+    <dgm:txPr/>
+    <dgm:style>
+      <a:lnRef idx="2">
+        <a:scrgbClr r="0" g="0" b="0"/>
+      </a:lnRef>
+      <a:fillRef idx="1">
+        <a:scrgbClr r="0" g="0" b="0"/>
+      </a:fillRef>
+      <a:effectRef idx="0">
+        <a:scrgbClr r="0" g="0" b="0"/>
+      </a:effectRef>
+      <a:fontRef idx="minor">
+        <a:schemeClr val="lt1"/>
+      </a:fontRef>
+    </dgm:style>
+  </dgm:styleLbl>
+  <dgm:styleLbl name="asst2">
+    <dgm:scene3d>
+      <a:camera prst="orthographicFront"/>
+      <a:lightRig rig="threePt" dir="t"/>
+    </dgm:scene3d>
+    <dgm:sp3d/>
+    <dgm:txPr/>
+    <dgm:style>
+      <a:lnRef idx="2">
+        <a:scrgbClr r="0" g="0" b="0"/>
+      </a:lnRef>
+      <a:fillRef idx="1">
+        <a:scrgbClr r="0" g="0" b="0"/>
+      </a:fillRef>
+      <a:effectRef idx="0">
+        <a:scrgbClr r="0" g="0" b="0"/>
+      </a:effectRef>
+      <a:fontRef idx="minor">
+        <a:schemeClr val="lt1"/>
+      </a:fontRef>
+    </dgm:style>
+  </dgm:styleLbl>
+  <dgm:styleLbl name="asst3">
+    <dgm:scene3d>
+      <a:camera prst="orthographicFront"/>
+      <a:lightRig rig="threePt" dir="t"/>
+    </dgm:scene3d>
+    <dgm:sp3d/>
+    <dgm:txPr/>
+    <dgm:style>
+      <a:lnRef idx="2">
+        <a:scrgbClr r="0" g="0" b="0"/>
+      </a:lnRef>
+      <a:fillRef idx="1">
+        <a:scrgbClr r="0" g="0" b="0"/>
+      </a:fillRef>
+      <a:effectRef idx="0">
+        <a:scrgbClr r="0" g="0" b="0"/>
+      </a:effectRef>
+      <a:fontRef idx="minor">
+        <a:schemeClr val="lt1"/>
+      </a:fontRef>
+    </dgm:style>
+  </dgm:styleLbl>
+  <dgm:styleLbl name="asst4">
+    <dgm:scene3d>
+      <a:camera prst="orthographicFront"/>
+      <a:lightRig rig="threePt" dir="t"/>
+    </dgm:scene3d>
+    <dgm:sp3d/>
+    <dgm:txPr/>
+    <dgm:style>
+      <a:lnRef idx="2">
+        <a:scrgbClr r="0" g="0" b="0"/>
+      </a:lnRef>
+      <a:fillRef idx="1">
+        <a:scrgbClr r="0" g="0" b="0"/>
+      </a:fillRef>
+      <a:effectRef idx="0">
+        <a:scrgbClr r="0" g="0" b="0"/>
+      </a:effectRef>
+      <a:fontRef idx="minor">
+        <a:schemeClr val="lt1"/>
+      </a:fontRef>
+    </dgm:style>
+  </dgm:styleLbl>
+  <dgm:styleLbl name="parChTrans2D1">
+    <dgm:scene3d>
+      <a:camera prst="orthographicFront"/>
+      <a:lightRig rig="threePt" dir="t"/>
+    </dgm:scene3d>
+    <dgm:sp3d/>
+    <dgm:txPr/>
+    <dgm:style>
+      <a:lnRef idx="2">
+        <a:scrgbClr r="0" g="0" b="0"/>
+      </a:lnRef>
+      <a:fillRef idx="1">
+        <a:scrgbClr r="0" g="0" b="0"/>
+      </a:fillRef>
+      <a:effectRef idx="0">
+        <a:scrgbClr r="0" g="0" b="0"/>
+      </a:effectRef>
+      <a:fontRef idx="minor">
+        <a:schemeClr val="lt1"/>
+      </a:fontRef>
+    </dgm:style>
+  </dgm:styleLbl>
+  <dgm:styleLbl name="parChTrans2D2">
+    <dgm:scene3d>
+      <a:camera prst="orthographicFront"/>
+      <a:lightRig rig="threePt" dir="t"/>
+    </dgm:scene3d>
+    <dgm:sp3d/>
+    <dgm:txPr/>
+    <dgm:style>
+      <a:lnRef idx="2">
+        <a:scrgbClr r="0" g="0" b="0"/>
+      </a:lnRef>
+      <a:fillRef idx="1">
+        <a:scrgbClr r="0" g="0" b="0"/>
+      </a:fillRef>
+      <a:effectRef idx="0">
+        <a:scrgbClr r="0" g="0" b="0"/>
+      </a:effectRef>
+      <a:fontRef idx="minor">
+        <a:schemeClr val="lt1"/>
+      </a:fontRef>
+    </dgm:style>
+  </dgm:styleLbl>
+  <dgm:styleLbl name="parChTrans2D3">
+    <dgm:scene3d>
+      <a:camera prst="orthographicFront"/>
+      <a:lightRig rig="threePt" dir="t"/>
+    </dgm:scene3d>
+    <dgm:sp3d/>
+    <dgm:txPr/>
+    <dgm:style>
+      <a:lnRef idx="2">
+        <a:scrgbClr r="0" g="0" b="0"/>
+      </a:lnRef>
+      <a:fillRef idx="1">
+        <a:scrgbClr r="0" g="0" b="0"/>
+      </a:fillRef>
+      <a:effectRef idx="0">
+        <a:scrgbClr r="0" g="0" b="0"/>
+      </a:effectRef>
+      <a:fontRef idx="minor">
+        <a:schemeClr val="lt1"/>
+      </a:fontRef>
+    </dgm:style>
+  </dgm:styleLbl>
+  <dgm:styleLbl name="parChTrans2D4">
+    <dgm:scene3d>
+      <a:camera prst="orthographicFront"/>
+      <a:lightRig rig="threePt" dir="t"/>
+    </dgm:scene3d>
+    <dgm:sp3d/>
+    <dgm:txPr/>
+    <dgm:style>
+      <a:lnRef idx="2">
+        <a:scrgbClr r="0" g="0" b="0"/>
+      </a:lnRef>
+      <a:fillRef idx="1">
+        <a:scrgbClr r="0" g="0" b="0"/>
+      </a:fillRef>
+      <a:effectRef idx="0">
+        <a:scrgbClr r="0" g="0" b="0"/>
+      </a:effectRef>
+      <a:fontRef idx="minor">
+        <a:schemeClr val="lt1"/>
+      </a:fontRef>
+    </dgm:style>
+  </dgm:styleLbl>
+  <dgm:styleLbl name="parChTrans1D1">
+    <dgm:scene3d>
+      <a:camera prst="orthographicFront"/>
+      <a:lightRig rig="threePt" dir="t"/>
+    </dgm:scene3d>
+    <dgm:sp3d/>
+    <dgm:txPr/>
+    <dgm:style>
+      <a:lnRef idx="2">
+        <a:scrgbClr r="0" g="0" b="0"/>
+      </a:lnRef>
+      <a:fillRef idx="0">
+        <a:scrgbClr r="0" g="0" b="0"/>
+      </a:fillRef>
+      <a:effectRef idx="0">
+        <a:scrgbClr r="0" g="0" b="0"/>
+      </a:effectRef>
+      <a:fontRef idx="minor"/>
+    </dgm:style>
+  </dgm:styleLbl>
+  <dgm:styleLbl name="parChTrans1D2">
+    <dgm:scene3d>
+      <a:camera prst="orthographicFront"/>
+      <a:lightRig rig="threePt" dir="t"/>
+    </dgm:scene3d>
+    <dgm:sp3d/>
+    <dgm:txPr/>
+    <dgm:style>
+      <a:lnRef idx="2">
+        <a:scrgbClr r="0" g="0" b="0"/>
+      </a:lnRef>
+      <a:fillRef idx="0">
+        <a:scrgbClr r="0" g="0" b="0"/>
+      </a:fillRef>
+      <a:effectRef idx="0">
+        <a:scrgbClr r="0" g="0" b="0"/>
+      </a:effectRef>
+      <a:fontRef idx="minor"/>
+    </dgm:style>
+  </dgm:styleLbl>
+  <dgm:styleLbl name="parChTrans1D3">
+    <dgm:scene3d>
+      <a:camera prst="orthographicFront"/>
+      <a:lightRig rig="threePt" dir="t"/>
+    </dgm:scene3d>
+    <dgm:sp3d/>
+    <dgm:txPr/>
+    <dgm:style>
+      <a:lnRef idx="2">
+        <a:scrgbClr r="0" g="0" b="0"/>
+      </a:lnRef>
+      <a:fillRef idx="0">
+        <a:scrgbClr r="0" g="0" b="0"/>
+      </a:fillRef>
+      <a:effectRef idx="0">
+        <a:scrgbClr r="0" g="0" b="0"/>
+      </a:effectRef>
+      <a:fontRef idx="minor"/>
+    </dgm:style>
+  </dgm:styleLbl>
+  <dgm:styleLbl name="parChTrans1D4">
+    <dgm:scene3d>
+      <a:camera prst="orthographicFront"/>
+      <a:lightRig rig="threePt" dir="t"/>
+    </dgm:scene3d>
+    <dgm:sp3d/>
+    <dgm:txPr/>
+    <dgm:style>
+      <a:lnRef idx="2">
+        <a:scrgbClr r="0" g="0" b="0"/>
+      </a:lnRef>
+      <a:fillRef idx="0">
+        <a:scrgbClr r="0" g="0" b="0"/>
+      </a:fillRef>
+      <a:effectRef idx="0">
+        <a:scrgbClr r="0" g="0" b="0"/>
+      </a:effectRef>
+      <a:fontRef idx="minor"/>
+    </dgm:style>
+  </dgm:styleLbl>
+  <dgm:styleLbl name="fgAcc1">
+    <dgm:scene3d>
+      <a:camera prst="orthographicFront"/>
+      <a:lightRig rig="threePt" dir="t"/>
+    </dgm:scene3d>
+    <dgm:sp3d/>
+    <dgm:txPr/>
+    <dgm:style>
+      <a:lnRef idx="2">
+        <a:scrgbClr r="0" g="0" b="0"/>
+      </a:lnRef>
+      <a:fillRef idx="1">
+        <a:scrgbClr r="0" g="0" b="0"/>
+      </a:fillRef>
+      <a:effectRef idx="0">
+        <a:scrgbClr r="0" g="0" b="0"/>
+      </a:effectRef>
+      <a:fontRef idx="minor"/>
+    </dgm:style>
+  </dgm:styleLbl>
+  <dgm:styleLbl name="conFgAcc1">
+    <dgm:scene3d>
+      <a:camera prst="orthographicFront"/>
+      <a:lightRig rig="threePt" dir="t"/>
+    </dgm:scene3d>
+    <dgm:sp3d/>
+    <dgm:txPr/>
+    <dgm:style>
+      <a:lnRef idx="2">
+        <a:scrgbClr r="0" g="0" b="0"/>
+      </a:lnRef>
+      <a:fillRef idx="1">
+        <a:scrgbClr r="0" g="0" b="0"/>
+      </a:fillRef>
+      <a:effectRef idx="0">
+        <a:scrgbClr r="0" g="0" b="0"/>
+      </a:effectRef>
+      <a:fontRef idx="minor"/>
+    </dgm:style>
+  </dgm:styleLbl>
+  <dgm:styleLbl name="alignAcc1">
+    <dgm:scene3d>
+      <a:camera prst="orthographicFront"/>
+      <a:lightRig rig="threePt" dir="t"/>
+    </dgm:scene3d>
+    <dgm:sp3d/>
+    <dgm:txPr/>
+    <dgm:style>
+      <a:lnRef idx="2">
+        <a:scrgbClr r="0" g="0" b="0"/>
+      </a:lnRef>
+      <a:fillRef idx="1">
+        <a:scrgbClr r="0" g="0" b="0"/>
+      </a:fillRef>
+      <a:effectRef idx="0">
+        <a:scrgbClr r="0" g="0" b="0"/>
+      </a:effectRef>
+      <a:fontRef idx="minor"/>
+    </dgm:style>
+  </dgm:styleLbl>
+  <dgm:styleLbl name="trAlignAcc1">
+    <dgm:scene3d>
+      <a:camera prst="orthographicFront"/>
+      <a:lightRig rig="threePt" dir="t"/>
+    </dgm:scene3d>
+    <dgm:sp3d/>
+    <dgm:txPr/>
+    <dgm:style>
+      <a:lnRef idx="1">
+        <a:scrgbClr r="0" g="0" b="0"/>
+      </a:lnRef>
+      <a:fillRef idx="1">
+        <a:scrgbClr r="0" g="0" b="0"/>
+      </a:fillRef>
+      <a:effectRef idx="0">
+        <a:scrgbClr r="0" g="0" b="0"/>
+      </a:effectRef>
+      <a:fontRef idx="minor"/>
+    </dgm:style>
+  </dgm:styleLbl>
+  <dgm:styleLbl name="bgAcc1">
+    <dgm:scene3d>
+      <a:camera prst="orthographicFront"/>
+      <a:lightRig rig="threePt" dir="t"/>
+    </dgm:scene3d>
+    <dgm:sp3d/>
+    <dgm:txPr/>
+    <dgm:style>
+      <a:lnRef idx="2">
+        <a:scrgbClr r="0" g="0" b="0"/>
+      </a:lnRef>
+      <a:fillRef idx="1">
+        <a:scrgbClr r="0" g="0" b="0"/>
+      </a:fillRef>
+      <a:effectRef idx="0">
+        <a:scrgbClr r="0" g="0" b="0"/>
+      </a:effectRef>
+      <a:fontRef idx="minor"/>
+    </dgm:style>
+  </dgm:styleLbl>
+  <dgm:styleLbl name="solidFgAcc1">
+    <dgm:scene3d>
+      <a:camera prst="orthographicFront"/>
+      <a:lightRig rig="threePt" dir="t"/>
+    </dgm:scene3d>
+    <dgm:sp3d/>
+    <dgm:txPr/>
+    <dgm:style>
+      <a:lnRef idx="2">
+        <a:scrgbClr r="0" g="0" b="0"/>
+      </a:lnRef>
+      <a:fillRef idx="1">
+        <a:scrgbClr r="0" g="0" b="0"/>
+      </a:fillRef>
+      <a:effectRef idx="0">
+        <a:scrgbClr r="0" g="0" b="0"/>
+      </a:effectRef>
+      <a:fontRef idx="minor"/>
+    </dgm:style>
+  </dgm:styleLbl>
+  <dgm:styleLbl name="solidAlignAcc1">
+    <dgm:scene3d>
+      <a:camera prst="orthographicFront"/>
+      <a:lightRig rig="threePt" dir="t"/>
+    </dgm:scene3d>
+    <dgm:sp3d/>
+    <dgm:txPr/>
+    <dgm:style>
+      <a:lnRef idx="2">
+        <a:scrgbClr r="0" g="0" b="0"/>
+      </a:lnRef>
+      <a:fillRef idx="1">
+        <a:scrgbClr r="0" g="0" b="0"/>
+      </a:fillRef>
+      <a:effectRef idx="0">
+        <a:scrgbClr r="0" g="0" b="0"/>
+      </a:effectRef>
+      <a:fontRef idx="minor"/>
+    </dgm:style>
+  </dgm:styleLbl>
+  <dgm:styleLbl name="solidBgAcc1">
+    <dgm:scene3d>
+      <a:camera prst="orthographicFront"/>
+      <a:lightRig rig="threePt" dir="t"/>
+    </dgm:scene3d>
+    <dgm:sp3d/>
+    <dgm:txPr/>
+    <dgm:style>
+      <a:lnRef idx="2">
+        <a:scrgbClr r="0" g="0" b="0"/>
+      </a:lnRef>
+      <a:fillRef idx="1">
+        <a:scrgbClr r="0" g="0" b="0"/>
+      </a:fillRef>
+      <a:effectRef idx="0">
+        <a:scrgbClr r="0" g="0" b="0"/>
+      </a:effectRef>
+      <a:fontRef idx="minor"/>
+    </dgm:style>
+  </dgm:styleLbl>
+  <dgm:styleLbl name="fgAccFollowNode1">
+    <dgm:scene3d>
+      <a:camera prst="orthographicFront"/>
+      <a:lightRig rig="threePt" dir="t"/>
+    </dgm:scene3d>
+    <dgm:sp3d/>
+    <dgm:txPr/>
+    <dgm:style>
+      <a:lnRef idx="2">
+        <a:scrgbClr r="0" g="0" b="0"/>
+      </a:lnRef>
+      <a:fillRef idx="1">
+        <a:scrgbClr r="0" g="0" b="0"/>
+      </a:fillRef>
+      <a:effectRef idx="0">
+        <a:scrgbClr r="0" g="0" b="0"/>
+      </a:effectRef>
+      <a:fontRef idx="minor"/>
+    </dgm:style>
+  </dgm:styleLbl>
+  <dgm:styleLbl name="alignAccFollowNode1">
+    <dgm:scene3d>
+      <a:camera prst="orthographicFront"/>
+      <a:lightRig rig="threePt" dir="t"/>
+    </dgm:scene3d>
+    <dgm:sp3d/>
+    <dgm:txPr/>
+    <dgm:style>
+      <a:lnRef idx="2">
+        <a:scrgbClr r="0" g="0" b="0"/>
+      </a:lnRef>
+      <a:fillRef idx="1">
+        <a:scrgbClr r="0" g="0" b="0"/>
+      </a:fillRef>
+      <a:effectRef idx="0">
+        <a:scrgbClr r="0" g="0" b="0"/>
+      </a:effectRef>
+      <a:fontRef idx="minor"/>
+    </dgm:style>
+  </dgm:styleLbl>
+  <dgm:styleLbl name="bgAccFollowNode1">
+    <dgm:scene3d>
+      <a:camera prst="orthographicFront"/>
+      <a:lightRig rig="threePt" dir="t"/>
+    </dgm:scene3d>
+    <dgm:sp3d/>
+    <dgm:txPr/>
+    <dgm:style>
+      <a:lnRef idx="2">
+        <a:scrgbClr r="0" g="0" b="0"/>
+      </a:lnRef>
+      <a:fillRef idx="1">
+        <a:scrgbClr r="0" g="0" b="0"/>
+      </a:fillRef>
+      <a:effectRef idx="0">
+        <a:scrgbClr r="0" g="0" b="0"/>
+      </a:effectRef>
+      <a:fontRef idx="minor"/>
+    </dgm:style>
+  </dgm:styleLbl>
+  <dgm:styleLbl name="fgAcc0">
+    <dgm:scene3d>
+      <a:camera prst="orthographicFront"/>
+      <a:lightRig rig="threePt" dir="t"/>
+    </dgm:scene3d>
+    <dgm:sp3d/>
+    <dgm:txPr/>
+    <dgm:style>
+      <a:lnRef idx="2">
+        <a:scrgbClr r="0" g="0" b="0"/>
+      </a:lnRef>
+      <a:fillRef idx="1">
+        <a:scrgbClr r="0" g="0" b="0"/>
+      </a:fillRef>
+      <a:effectRef idx="0">
+        <a:scrgbClr r="0" g="0" b="0"/>
+      </a:effectRef>
+      <a:fontRef idx="minor"/>
+    </dgm:style>
+  </dgm:styleLbl>
+  <dgm:styleLbl name="fgAcc2">
+    <dgm:scene3d>
+      <a:camera prst="orthographicFront"/>
+      <a:lightRig rig="threePt" dir="t"/>
+    </dgm:scene3d>
+    <dgm:sp3d/>
+    <dgm:txPr/>
+    <dgm:style>
+      <a:lnRef idx="2">
+        <a:scrgbClr r="0" g="0" b="0"/>
+      </a:lnRef>
+      <a:fillRef idx="1">
+        <a:scrgbClr r="0" g="0" b="0"/>
+      </a:fillRef>
+      <a:effectRef idx="0">
+        <a:scrgbClr r="0" g="0" b="0"/>
+      </a:effectRef>
+      <a:fontRef idx="minor"/>
+    </dgm:style>
+  </dgm:styleLbl>
+  <dgm:styleLbl name="fgAcc3">
+    <dgm:scene3d>
+      <a:camera prst="orthographicFront"/>
+      <a:lightRig rig="threePt" dir="t"/>
+    </dgm:scene3d>
+    <dgm:sp3d/>
+    <dgm:txPr/>
+    <dgm:style>
+      <a:lnRef idx="2">
+        <a:scrgbClr r="0" g="0" b="0"/>
+      </a:lnRef>
+      <a:fillRef idx="1">
+        <a:scrgbClr r="0" g="0" b="0"/>
+      </a:fillRef>
+      <a:effectRef idx="0">
+        <a:scrgbClr r="0" g="0" b="0"/>
+      </a:effectRef>
+      <a:fontRef idx="minor"/>
+    </dgm:style>
+  </dgm:styleLbl>
+  <dgm:styleLbl name="fgAcc4">
+    <dgm:scene3d>
+      <a:camera prst="orthographicFront"/>
+      <a:lightRig rig="threePt" dir="t"/>
+    </dgm:scene3d>
+    <dgm:sp3d/>
+    <dgm:txPr/>
+    <dgm:style>
+      <a:lnRef idx="2">
+        <a:scrgbClr r="0" g="0" b="0"/>
+      </a:lnRef>
+      <a:fillRef idx="1">
+        <a:scrgbClr r="0" g="0" b="0"/>
+      </a:fillRef>
+      <a:effectRef idx="0">
+        <a:scrgbClr r="0" g="0" b="0"/>
+      </a:effectRef>
+      <a:fontRef idx="minor"/>
+    </dgm:style>
+  </dgm:styleLbl>
+  <dgm:styleLbl name="bgShp">
+    <dgm:scene3d>
+      <a:camera prst="orthographicFront"/>
+      <a:lightRig rig="threePt" dir="t"/>
+    </dgm:scene3d>
+    <dgm:sp3d/>
+    <dgm:txPr/>
+    <dgm:style>
+      <a:lnRef idx="0">
+        <a:scrgbClr r="0" g="0" b="0"/>
+      </a:lnRef>
+      <a:fillRef idx="1">
+        <a:scrgbClr r="0" g="0" b="0"/>
+      </a:fillRef>
+      <a:effectRef idx="0">
+        <a:scrgbClr r="0" g="0" b="0"/>
+      </a:effectRef>
+      <a:fontRef idx="minor"/>
+    </dgm:style>
+  </dgm:styleLbl>
+  <dgm:styleLbl name="dkBgShp">
+    <dgm:scene3d>
+      <a:camera prst="orthographicFront"/>
+      <a:lightRig rig="threePt" dir="t"/>
+    </dgm:scene3d>
+    <dgm:sp3d/>
+    <dgm:txPr/>
+    <dgm:style>
+      <a:lnRef idx="0">
+        <a:scrgbClr r="0" g="0" b="0"/>
+      </a:lnRef>
+      <a:fillRef idx="1">
+        <a:scrgbClr r="0" g="0" b="0"/>
+      </a:fillRef>
+      <a:effectRef idx="0">
+        <a:scrgbClr r="0" g="0" b="0"/>
+      </a:effectRef>
+      <a:fontRef idx="minor"/>
+    </dgm:style>
+  </dgm:styleLbl>
+  <dgm:styleLbl name="trBgShp">
+    <dgm:scene3d>
+      <a:camera prst="orthographicFront"/>
+      <a:lightRig rig="threePt" dir="t"/>
+    </dgm:scene3d>
+    <dgm:sp3d/>
+    <dgm:txPr/>
+    <dgm:style>
+      <a:lnRef idx="0">
+        <a:scrgbClr r="0" g="0" b="0"/>
+      </a:lnRef>
+      <a:fillRef idx="1">
+        <a:scrgbClr r="0" g="0" b="0"/>
+      </a:fillRef>
+      <a:effectRef idx="0">
+        <a:scrgbClr r="0" g="0" b="0"/>
+      </a:effectRef>
+      <a:fontRef idx="minor"/>
+    </dgm:style>
+  </dgm:styleLbl>
+  <dgm:styleLbl name="fgShp">
+    <dgm:scene3d>
+      <a:camera prst="orthographicFront"/>
+      <a:lightRig rig="threePt" dir="t"/>
+    </dgm:scene3d>
+    <dgm:sp3d/>
+    <dgm:txPr/>
+    <dgm:style>
+      <a:lnRef idx="2">
+        <a:scrgbClr r="0" g="0" b="0"/>
+      </a:lnRef>
+      <a:fillRef idx="1">
+        <a:scrgbClr r="0" g="0" b="0"/>
+      </a:fillRef>
+      <a:effectRef idx="0">
+        <a:scrgbClr r="0" g="0" b="0"/>
+      </a:effectRef>
+      <a:fontRef idx="minor"/>
+    </dgm:style>
+  </dgm:styleLbl>
+  <dgm:styleLbl name="revTx">
+    <dgm:scene3d>
+      <a:camera prst="orthographicFront"/>
+      <a:lightRig rig="threePt" dir="t"/>
+    </dgm:scene3d>
+    <dgm:sp3d/>
+    <dgm:txPr/>
+    <dgm:style>
+      <a:lnRef idx="0">
+        <a:scrgbClr r="0" g="0" b="0"/>
+      </a:lnRef>
+      <a:fillRef idx="0">
+        <a:scrgbClr r="0" g="0" b="0"/>
+      </a:fillRef>
+      <a:effectRef idx="0">
+        <a:scrgbClr r="0" g="0" b="0"/>
+      </a:effectRef>
+      <a:fontRef idx="minor"/>
+    </dgm:style>
+  </dgm:styleLbl>
+</dgm:styleDef>
+</file>
+
+<file path=ppt/diagrams/quickStyle4.xml><?xml version="1.0" encoding="utf-8"?>
 <dgm:styleDef xmlns:dgm="http://schemas.openxmlformats.org/drawingml/2006/diagram" xmlns:a="http://schemas.openxmlformats.org/drawingml/2006/main" uniqueId="urn:microsoft.com/office/officeart/2005/8/quickstyle/simple1">
   <dgm:title val=""/>
   <dgm:desc val=""/>
@@ -19185,6 +22917,166 @@
       </p:grpSpPr>
       <p:sp>
         <p:nvSpPr>
+          <p:cNvPr id="2" name="Titel 1">
+            <a:extLst>
+              <a:ext uri="{FF2B5EF4-FFF2-40B4-BE49-F238E27FC236}">
+                <a16:creationId xmlns:a16="http://schemas.microsoft.com/office/drawing/2014/main" id="{B32F61C0-C860-2045-B22A-C2B0D0F7A48C}"/>
+              </a:ext>
+            </a:extLst>
+          </p:cNvPr>
+          <p:cNvSpPr>
+            <a:spLocks noGrp="1"/>
+          </p:cNvSpPr>
+          <p:nvPr>
+            <p:ph type="title"/>
+          </p:nvPr>
+        </p:nvSpPr>
+        <p:spPr/>
+        <p:txBody>
+          <a:bodyPr/>
+          <a:lstStyle/>
+          <a:p>
+            <a:r>
+              <a:rPr lang="de-DE" dirty="0"/>
+              <a:t>Zeitplan und nächste Schritte</a:t>
+            </a:r>
+          </a:p>
+        </p:txBody>
+      </p:sp>
+      <p:sp>
+        <p:nvSpPr>
+          <p:cNvPr id="3" name="Inhaltsplatzhalter 2">
+            <a:extLst>
+              <a:ext uri="{FF2B5EF4-FFF2-40B4-BE49-F238E27FC236}">
+                <a16:creationId xmlns:a16="http://schemas.microsoft.com/office/drawing/2014/main" id="{7001F3B0-F4ED-D64B-81C1-A84119050FD1}"/>
+              </a:ext>
+            </a:extLst>
+          </p:cNvPr>
+          <p:cNvSpPr>
+            <a:spLocks noGrp="1"/>
+          </p:cNvSpPr>
+          <p:nvPr>
+            <p:ph sz="quarter" idx="10"/>
+          </p:nvPr>
+        </p:nvSpPr>
+        <p:spPr/>
+        <p:txBody>
+          <a:bodyPr/>
+          <a:lstStyle/>
+          <a:p>
+            <a:r>
+              <a:rPr lang="de-DE" b="1" dirty="0"/>
+              <a:t>Sprints:</a:t>
+            </a:r>
+          </a:p>
+          <a:p>
+            <a:endParaRPr lang="de-DE" dirty="0"/>
+          </a:p>
+          <a:p>
+            <a:endParaRPr lang="de-DE" dirty="0"/>
+          </a:p>
+          <a:p>
+            <a:endParaRPr lang="de-DE" dirty="0"/>
+          </a:p>
+          <a:p>
+            <a:endParaRPr lang="de-DE" dirty="0"/>
+          </a:p>
+          <a:p>
+            <a:r>
+              <a:rPr lang="de-DE" b="1" dirty="0"/>
+              <a:t>Nächste Schritte:</a:t>
+            </a:r>
+          </a:p>
+        </p:txBody>
+      </p:sp>
+      <p:graphicFrame>
+        <p:nvGraphicFramePr>
+          <p:cNvPr id="4" name="Diagramm 3">
+            <a:extLst>
+              <a:ext uri="{FF2B5EF4-FFF2-40B4-BE49-F238E27FC236}">
+                <a16:creationId xmlns:a16="http://schemas.microsoft.com/office/drawing/2014/main" id="{6E9C6384-ED26-E914-E614-6A0F4CDA2726}"/>
+              </a:ext>
+            </a:extLst>
+          </p:cNvPr>
+          <p:cNvGraphicFramePr/>
+          <p:nvPr>
+            <p:extLst>
+              <p:ext uri="{D42A27DB-BD31-4B8C-83A1-F6EECF244321}">
+                <p14:modId xmlns:p14="http://schemas.microsoft.com/office/powerpoint/2010/main" val="1889275175"/>
+              </p:ext>
+            </p:extLst>
+          </p:nvPr>
+        </p:nvGraphicFramePr>
+        <p:xfrm>
+          <a:off x="1989756" y="1010613"/>
+          <a:ext cx="8350597" cy="2563860"/>
+        </p:xfrm>
+        <a:graphic>
+          <a:graphicData uri="http://schemas.openxmlformats.org/drawingml/2006/diagram">
+            <dgm:relIds xmlns:dgm="http://schemas.openxmlformats.org/drawingml/2006/diagram" xmlns:r="http://schemas.openxmlformats.org/officeDocument/2006/relationships" r:dm="rId2" r:lo="rId3" r:qs="rId4" r:cs="rId5"/>
+          </a:graphicData>
+        </a:graphic>
+      </p:graphicFrame>
+      <p:graphicFrame>
+        <p:nvGraphicFramePr>
+          <p:cNvPr id="5" name="Diagramm 4">
+            <a:extLst>
+              <a:ext uri="{FF2B5EF4-FFF2-40B4-BE49-F238E27FC236}">
+                <a16:creationId xmlns:a16="http://schemas.microsoft.com/office/drawing/2014/main" id="{17EF3C8C-D26C-1938-0CAD-91E2784465B4}"/>
+              </a:ext>
+            </a:extLst>
+          </p:cNvPr>
+          <p:cNvGraphicFramePr/>
+          <p:nvPr>
+            <p:extLst>
+              <p:ext uri="{D42A27DB-BD31-4B8C-83A1-F6EECF244321}">
+                <p14:modId xmlns:p14="http://schemas.microsoft.com/office/powerpoint/2010/main" val="3475099459"/>
+              </p:ext>
+            </p:extLst>
+          </p:nvPr>
+        </p:nvGraphicFramePr>
+        <p:xfrm>
+          <a:off x="2577869" y="3566161"/>
+          <a:ext cx="6582756" cy="2563860"/>
+        </p:xfrm>
+        <a:graphic>
+          <a:graphicData uri="http://schemas.openxmlformats.org/drawingml/2006/diagram">
+            <dgm:relIds xmlns:dgm="http://schemas.openxmlformats.org/drawingml/2006/diagram" xmlns:r="http://schemas.openxmlformats.org/officeDocument/2006/relationships" r:dm="rId7" r:lo="rId8" r:qs="rId9" r:cs="rId10"/>
+          </a:graphicData>
+        </a:graphic>
+      </p:graphicFrame>
+    </p:spTree>
+    <p:extLst>
+      <p:ext uri="{BB962C8B-B14F-4D97-AF65-F5344CB8AC3E}">
+        <p14:creationId xmlns:p14="http://schemas.microsoft.com/office/powerpoint/2010/main" val="150058633"/>
+      </p:ext>
+    </p:extLst>
+  </p:cSld>
+  <p:clrMapOvr>
+    <a:masterClrMapping/>
+  </p:clrMapOvr>
+</p:sld>
+</file>
+
+<file path=ppt/slides/slide11.xml><?xml version="1.0" encoding="utf-8"?>
+<p:sld xmlns:a="http://schemas.openxmlformats.org/drawingml/2006/main" xmlns:r="http://schemas.openxmlformats.org/officeDocument/2006/relationships" xmlns:p="http://schemas.openxmlformats.org/presentationml/2006/main">
+  <p:cSld>
+    <p:spTree>
+      <p:nvGrpSpPr>
+        <p:cNvPr id="1" name=""/>
+        <p:cNvGrpSpPr/>
+        <p:nvPr/>
+      </p:nvGrpSpPr>
+      <p:grpSpPr>
+        <a:xfrm>
+          <a:off x="0" y="0"/>
+          <a:ext cx="0" cy="0"/>
+          <a:chOff x="0" y="0"/>
+          <a:chExt cx="0" cy="0"/>
+        </a:xfrm>
+      </p:grpSpPr>
+      <p:sp>
+        <p:nvSpPr>
           <p:cNvPr id="4" name="Titel 3">
             <a:extLst>
               <a:ext uri="{FF2B5EF4-FFF2-40B4-BE49-F238E27FC236}">
@@ -19224,7 +23116,7 @@
 </p:sld>
 </file>
 
-<file path=ppt/slides/slide11.xml><?xml version="1.0" encoding="utf-8"?>
+<file path=ppt/slides/slide12.xml><?xml version="1.0" encoding="utf-8"?>
 <p:sld xmlns:a="http://schemas.openxmlformats.org/drawingml/2006/main" xmlns:r="http://schemas.openxmlformats.org/officeDocument/2006/relationships" xmlns:p="http://schemas.openxmlformats.org/presentationml/2006/main">
   <p:cSld>
     <p:spTree>
@@ -20933,31 +24825,379 @@
           </a:p>
         </p:txBody>
       </p:sp>
-      <p:sp>
-        <p:nvSpPr>
-          <p:cNvPr id="3" name="Inhaltsplatzhalter 2">
+      <p:graphicFrame>
+        <p:nvGraphicFramePr>
+          <p:cNvPr id="4" name="Diagramm 3">
             <a:extLst>
               <a:ext uri="{FF2B5EF4-FFF2-40B4-BE49-F238E27FC236}">
-                <a16:creationId xmlns:a16="http://schemas.microsoft.com/office/drawing/2014/main" id="{AA11B2FF-65E1-5347-A9F3-8681249EAC21}"/>
+                <a16:creationId xmlns:a16="http://schemas.microsoft.com/office/drawing/2014/main" id="{B80F17EF-3AA8-788C-C37B-12C704B0D554}"/>
               </a:ext>
             </a:extLst>
           </p:cNvPr>
-          <p:cNvSpPr>
-            <a:spLocks noGrp="1"/>
-          </p:cNvSpPr>
+          <p:cNvGraphicFramePr/>
           <p:nvPr>
-            <p:ph sz="quarter" idx="10"/>
+            <p:extLst>
+              <p:ext uri="{D42A27DB-BD31-4B8C-83A1-F6EECF244321}">
+                <p14:modId xmlns:p14="http://schemas.microsoft.com/office/powerpoint/2010/main" val="253798348"/>
+              </p:ext>
+            </p:extLst>
           </p:nvPr>
+        </p:nvGraphicFramePr>
+        <p:xfrm>
+          <a:off x="4627484" y="1092241"/>
+          <a:ext cx="6827915" cy="4673517"/>
+        </p:xfrm>
+        <a:graphic>
+          <a:graphicData uri="http://schemas.openxmlformats.org/drawingml/2006/diagram">
+            <dgm:relIds xmlns:dgm="http://schemas.openxmlformats.org/drawingml/2006/diagram" xmlns:r="http://schemas.openxmlformats.org/officeDocument/2006/relationships" r:dm="rId2" r:lo="rId3" r:qs="rId4" r:cs="rId5"/>
+          </a:graphicData>
+        </a:graphic>
+      </p:graphicFrame>
+      <p:grpSp>
+        <p:nvGrpSpPr>
+          <p:cNvPr id="5" name="Gruppieren 4">
+            <a:extLst>
+              <a:ext uri="{FF2B5EF4-FFF2-40B4-BE49-F238E27FC236}">
+                <a16:creationId xmlns:a16="http://schemas.microsoft.com/office/drawing/2014/main" id="{94AFF824-D4FE-294D-A121-B28F4A252C62}"/>
+              </a:ext>
+            </a:extLst>
+          </p:cNvPr>
+          <p:cNvGrpSpPr/>
+          <p:nvPr/>
+        </p:nvGrpSpPr>
+        <p:grpSpPr>
+          <a:xfrm>
+            <a:off x="7277259" y="2855561"/>
+            <a:ext cx="1528363" cy="1146877"/>
+            <a:chOff x="5681820" y="375628"/>
+            <a:chExt cx="1168742" cy="797867"/>
+          </a:xfrm>
+          <a:solidFill>
+            <a:schemeClr val="tx1"/>
+          </a:solidFill>
+        </p:grpSpPr>
+        <p:sp>
+          <p:nvSpPr>
+            <p:cNvPr id="6" name="Rechteck: abgerundete Ecken 5">
+              <a:extLst>
+                <a:ext uri="{FF2B5EF4-FFF2-40B4-BE49-F238E27FC236}">
+                  <a16:creationId xmlns:a16="http://schemas.microsoft.com/office/drawing/2014/main" id="{B1E10855-C547-F0A6-F7B7-F857A2E9DBA3}"/>
+                </a:ext>
+              </a:extLst>
+            </p:cNvPr>
+            <p:cNvSpPr/>
+            <p:nvPr/>
+          </p:nvSpPr>
+          <p:spPr>
+            <a:xfrm>
+              <a:off x="5681820" y="375628"/>
+              <a:ext cx="1168742" cy="797867"/>
+            </a:xfrm>
+            <a:prstGeom prst="roundRect">
+              <a:avLst/>
+            </a:prstGeom>
+            <a:grpFill/>
+            <a:ln>
+              <a:solidFill>
+                <a:schemeClr val="tx1"/>
+              </a:solidFill>
+            </a:ln>
+          </p:spPr>
+          <p:style>
+            <a:lnRef idx="2">
+              <a:schemeClr val="lt1">
+                <a:hueOff val="0"/>
+                <a:satOff val="0"/>
+                <a:lumOff val="0"/>
+                <a:alphaOff val="0"/>
+              </a:schemeClr>
+            </a:lnRef>
+            <a:fillRef idx="1">
+              <a:schemeClr val="accent1">
+                <a:hueOff val="0"/>
+                <a:satOff val="0"/>
+                <a:lumOff val="0"/>
+                <a:alphaOff val="0"/>
+              </a:schemeClr>
+            </a:fillRef>
+            <a:effectRef idx="0">
+              <a:schemeClr val="accent1">
+                <a:hueOff val="0"/>
+                <a:satOff val="0"/>
+                <a:lumOff val="0"/>
+                <a:alphaOff val="0"/>
+              </a:schemeClr>
+            </a:effectRef>
+            <a:fontRef idx="minor">
+              <a:schemeClr val="lt1"/>
+            </a:fontRef>
+          </p:style>
+        </p:sp>
+        <p:sp>
+          <p:nvSpPr>
+            <p:cNvPr id="7" name="Rechteck: abgerundete Ecken 4">
+              <a:extLst>
+                <a:ext uri="{FF2B5EF4-FFF2-40B4-BE49-F238E27FC236}">
+                  <a16:creationId xmlns:a16="http://schemas.microsoft.com/office/drawing/2014/main" id="{0FFEF223-645B-E26D-B31C-22D82B7AEF5D}"/>
+                </a:ext>
+              </a:extLst>
+            </p:cNvPr>
+            <p:cNvSpPr txBox="1"/>
+            <p:nvPr/>
+          </p:nvSpPr>
+          <p:spPr>
+            <a:xfrm>
+              <a:off x="5720769" y="414577"/>
+              <a:ext cx="1090844" cy="719969"/>
+            </a:xfrm>
+            <a:prstGeom prst="rect">
+              <a:avLst/>
+            </a:prstGeom>
+            <a:grpFill/>
+            <a:ln>
+              <a:solidFill>
+                <a:schemeClr val="tx1"/>
+              </a:solidFill>
+            </a:ln>
+          </p:spPr>
+          <p:style>
+            <a:lnRef idx="0">
+              <a:scrgbClr r="0" g="0" b="0"/>
+            </a:lnRef>
+            <a:fillRef idx="0">
+              <a:scrgbClr r="0" g="0" b="0"/>
+            </a:fillRef>
+            <a:effectRef idx="0">
+              <a:scrgbClr r="0" g="0" b="0"/>
+            </a:effectRef>
+            <a:fontRef idx="minor">
+              <a:schemeClr val="lt1"/>
+            </a:fontRef>
+          </p:style>
+          <p:txBody>
+            <a:bodyPr spcFirstLastPara="0" vert="horz" wrap="square" lIns="41910" tIns="41910" rIns="41910" bIns="41910" numCol="1" spcCol="1270" anchor="ctr" anchorCtr="0">
+              <a:noAutofit/>
+            </a:bodyPr>
+            <a:lstStyle/>
+            <a:p>
+              <a:pPr marL="0" lvl="0" indent="0" algn="ctr" defTabSz="488950">
+                <a:lnSpc>
+                  <a:spcPct val="90000"/>
+                </a:lnSpc>
+                <a:spcBef>
+                  <a:spcPct val="0"/>
+                </a:spcBef>
+                <a:spcAft>
+                  <a:spcPct val="35000"/>
+                </a:spcAft>
+                <a:buNone/>
+              </a:pPr>
+              <a:r>
+                <a:rPr lang="de-DE" sz="2000" kern="1200" dirty="0"/>
+                <a:t>Senioren</a:t>
+              </a:r>
+            </a:p>
+          </p:txBody>
+        </p:sp>
+      </p:grpSp>
+      <p:sp>
+        <p:nvSpPr>
+          <p:cNvPr id="9" name="Pfeil: nach rechts 8">
+            <a:extLst>
+              <a:ext uri="{FF2B5EF4-FFF2-40B4-BE49-F238E27FC236}">
+                <a16:creationId xmlns:a16="http://schemas.microsoft.com/office/drawing/2014/main" id="{5A747C58-AC28-3652-9EEA-0C388331C489}"/>
+              </a:ext>
+            </a:extLst>
+          </p:cNvPr>
+          <p:cNvSpPr/>
+          <p:nvPr/>
         </p:nvSpPr>
-        <p:spPr/>
-        <p:txBody>
-          <a:bodyPr/>
-          <a:lstStyle/>
-          <a:p>
-            <a:endParaRPr lang="de-DE" dirty="0"/>
-          </a:p>
-        </p:txBody>
+        <p:spPr>
+          <a:xfrm>
+            <a:off x="874712" y="2147069"/>
+            <a:ext cx="4040030" cy="2563860"/>
+          </a:xfrm>
+          <a:prstGeom prst="rightArrow">
+            <a:avLst/>
+          </a:prstGeom>
+        </p:spPr>
+        <p:style>
+          <a:lnRef idx="0">
+            <a:schemeClr val="accent1">
+              <a:hueOff val="0"/>
+              <a:satOff val="0"/>
+              <a:lumOff val="0"/>
+              <a:alphaOff val="0"/>
+            </a:schemeClr>
+          </a:lnRef>
+          <a:fillRef idx="1">
+            <a:schemeClr val="accent1">
+              <a:tint val="40000"/>
+              <a:hueOff val="0"/>
+              <a:satOff val="0"/>
+              <a:lumOff val="0"/>
+              <a:alphaOff val="0"/>
+            </a:schemeClr>
+          </a:fillRef>
+          <a:effectRef idx="0">
+            <a:schemeClr val="accent1">
+              <a:tint val="40000"/>
+              <a:hueOff val="0"/>
+              <a:satOff val="0"/>
+              <a:lumOff val="0"/>
+              <a:alphaOff val="0"/>
+            </a:schemeClr>
+          </a:effectRef>
+          <a:fontRef idx="minor">
+            <a:schemeClr val="dk1">
+              <a:hueOff val="0"/>
+              <a:satOff val="0"/>
+              <a:lumOff val="0"/>
+              <a:alphaOff val="0"/>
+            </a:schemeClr>
+          </a:fontRef>
+        </p:style>
       </p:sp>
+      <p:grpSp>
+        <p:nvGrpSpPr>
+          <p:cNvPr id="10" name="Gruppieren 9">
+            <a:extLst>
+              <a:ext uri="{FF2B5EF4-FFF2-40B4-BE49-F238E27FC236}">
+                <a16:creationId xmlns:a16="http://schemas.microsoft.com/office/drawing/2014/main" id="{85BA48B5-F2C0-C866-DF23-52D056434C30}"/>
+              </a:ext>
+            </a:extLst>
+          </p:cNvPr>
+          <p:cNvGrpSpPr/>
+          <p:nvPr/>
+        </p:nvGrpSpPr>
+        <p:grpSpPr>
+          <a:xfrm>
+            <a:off x="990293" y="2911547"/>
+            <a:ext cx="2582639" cy="1025544"/>
+            <a:chOff x="2270388" y="781987"/>
+            <a:chExt cx="1974826" cy="1025544"/>
+          </a:xfrm>
+          <a:solidFill>
+            <a:schemeClr val="tx2">
+              <a:lumMod val="25000"/>
+              <a:lumOff val="75000"/>
+            </a:schemeClr>
+          </a:solidFill>
+        </p:grpSpPr>
+        <p:sp>
+          <p:nvSpPr>
+            <p:cNvPr id="11" name="Rechteck: abgerundete Ecken 10">
+              <a:extLst>
+                <a:ext uri="{FF2B5EF4-FFF2-40B4-BE49-F238E27FC236}">
+                  <a16:creationId xmlns:a16="http://schemas.microsoft.com/office/drawing/2014/main" id="{8AB5AB8B-B979-1DE5-E44D-6147E5090D2E}"/>
+                </a:ext>
+              </a:extLst>
+            </p:cNvPr>
+            <p:cNvSpPr/>
+            <p:nvPr/>
+          </p:nvSpPr>
+          <p:spPr>
+            <a:xfrm>
+              <a:off x="2270388" y="781987"/>
+              <a:ext cx="1974826" cy="1025544"/>
+            </a:xfrm>
+            <a:prstGeom prst="roundRect">
+              <a:avLst/>
+            </a:prstGeom>
+            <a:grpFill/>
+          </p:spPr>
+          <p:style>
+            <a:lnRef idx="2">
+              <a:schemeClr val="lt1">
+                <a:hueOff val="0"/>
+                <a:satOff val="0"/>
+                <a:lumOff val="0"/>
+                <a:alphaOff val="0"/>
+              </a:schemeClr>
+            </a:lnRef>
+            <a:fillRef idx="1">
+              <a:schemeClr val="accent1">
+                <a:hueOff val="0"/>
+                <a:satOff val="0"/>
+                <a:lumOff val="0"/>
+                <a:alphaOff val="0"/>
+              </a:schemeClr>
+            </a:fillRef>
+            <a:effectRef idx="0">
+              <a:schemeClr val="accent1">
+                <a:hueOff val="0"/>
+                <a:satOff val="0"/>
+                <a:lumOff val="0"/>
+                <a:alphaOff val="0"/>
+              </a:schemeClr>
+            </a:effectRef>
+            <a:fontRef idx="minor">
+              <a:schemeClr val="lt1"/>
+            </a:fontRef>
+          </p:style>
+        </p:sp>
+        <p:sp>
+          <p:nvSpPr>
+            <p:cNvPr id="12" name="Rechteck: abgerundete Ecken 4">
+              <a:extLst>
+                <a:ext uri="{FF2B5EF4-FFF2-40B4-BE49-F238E27FC236}">
+                  <a16:creationId xmlns:a16="http://schemas.microsoft.com/office/drawing/2014/main" id="{EA146B5E-8473-B491-1149-5F7715FD7111}"/>
+                </a:ext>
+              </a:extLst>
+            </p:cNvPr>
+            <p:cNvSpPr txBox="1"/>
+            <p:nvPr/>
+          </p:nvSpPr>
+          <p:spPr>
+            <a:xfrm>
+              <a:off x="2320451" y="832050"/>
+              <a:ext cx="1874700" cy="925418"/>
+            </a:xfrm>
+            <a:prstGeom prst="rect">
+              <a:avLst/>
+            </a:prstGeom>
+            <a:grpFill/>
+          </p:spPr>
+          <p:style>
+            <a:lnRef idx="0">
+              <a:scrgbClr r="0" g="0" b="0"/>
+            </a:lnRef>
+            <a:fillRef idx="0">
+              <a:scrgbClr r="0" g="0" b="0"/>
+            </a:fillRef>
+            <a:effectRef idx="0">
+              <a:scrgbClr r="0" g="0" b="0"/>
+            </a:effectRef>
+            <a:fontRef idx="minor">
+              <a:schemeClr val="lt1"/>
+            </a:fontRef>
+          </p:style>
+          <p:txBody>
+            <a:bodyPr spcFirstLastPara="0" vert="horz" wrap="square" lIns="64770" tIns="64770" rIns="64770" bIns="64770" numCol="1" spcCol="1270" anchor="ctr" anchorCtr="0">
+              <a:noAutofit/>
+            </a:bodyPr>
+            <a:lstStyle/>
+            <a:p>
+              <a:pPr marL="0" lvl="0" indent="0" algn="ctr" defTabSz="755650">
+                <a:lnSpc>
+                  <a:spcPct val="90000"/>
+                </a:lnSpc>
+                <a:spcBef>
+                  <a:spcPct val="0"/>
+                </a:spcBef>
+                <a:spcAft>
+                  <a:spcPct val="35000"/>
+                </a:spcAft>
+                <a:buNone/>
+              </a:pPr>
+              <a:r>
+                <a:rPr lang="de-DE" sz="1700" kern="1200" dirty="0"/>
+                <a:t>Keine homogene Zielgruppe</a:t>
+              </a:r>
+            </a:p>
+          </p:txBody>
+        </p:sp>
+      </p:grpSp>
     </p:spTree>
     <p:extLst>
       <p:ext uri="{BB962C8B-B14F-4D97-AF65-F5344CB8AC3E}">
@@ -21018,6 +25258,143 @@
             </a:br>
             <a:r>
               <a:rPr lang="de-DE" b="0" dirty="0"/>
+              <a:t>Analyse der Zielgruppe</a:t>
+            </a:r>
+          </a:p>
+        </p:txBody>
+      </p:sp>
+      <p:pic>
+        <p:nvPicPr>
+          <p:cNvPr id="4" name="Grafik 3">
+            <a:extLst>
+              <a:ext uri="{FF2B5EF4-FFF2-40B4-BE49-F238E27FC236}">
+                <a16:creationId xmlns:a16="http://schemas.microsoft.com/office/drawing/2014/main" id="{9013ECAD-E252-0A98-E62D-D225987E7EB5}"/>
+              </a:ext>
+            </a:extLst>
+          </p:cNvPr>
+          <p:cNvPicPr>
+            <a:picLocks noChangeAspect="1"/>
+          </p:cNvPicPr>
+          <p:nvPr/>
+        </p:nvPicPr>
+        <p:blipFill>
+          <a:blip r:embed="rId2" cstate="print">
+            <a:extLst>
+              <a:ext uri="{28A0092B-C50C-407E-A947-70E740481C1C}">
+                <a14:useLocalDpi xmlns:a14="http://schemas.microsoft.com/office/drawing/2010/main" val="0"/>
+              </a:ext>
+            </a:extLst>
+          </a:blip>
+          <a:stretch>
+            <a:fillRect/>
+          </a:stretch>
+        </p:blipFill>
+        <p:spPr>
+          <a:xfrm>
+            <a:off x="485030" y="1204855"/>
+            <a:ext cx="5048432" cy="4891384"/>
+          </a:xfrm>
+          <a:prstGeom prst="rect">
+            <a:avLst/>
+          </a:prstGeom>
+        </p:spPr>
+      </p:pic>
+      <p:pic>
+        <p:nvPicPr>
+          <p:cNvPr id="6" name="Grafik 5">
+            <a:extLst>
+              <a:ext uri="{FF2B5EF4-FFF2-40B4-BE49-F238E27FC236}">
+                <a16:creationId xmlns:a16="http://schemas.microsoft.com/office/drawing/2014/main" id="{4AE09193-60FA-525D-D82C-BC7D20DA1749}"/>
+              </a:ext>
+            </a:extLst>
+          </p:cNvPr>
+          <p:cNvPicPr>
+            <a:picLocks noChangeAspect="1"/>
+          </p:cNvPicPr>
+          <p:nvPr/>
+        </p:nvPicPr>
+        <p:blipFill>
+          <a:blip r:embed="rId3" cstate="print">
+            <a:extLst>
+              <a:ext uri="{28A0092B-C50C-407E-A947-70E740481C1C}">
+                <a14:useLocalDpi xmlns:a14="http://schemas.microsoft.com/office/drawing/2010/main" val="0"/>
+              </a:ext>
+            </a:extLst>
+          </a:blip>
+          <a:stretch>
+            <a:fillRect/>
+          </a:stretch>
+        </p:blipFill>
+        <p:spPr>
+          <a:xfrm>
+            <a:off x="6027843" y="1204855"/>
+            <a:ext cx="5642241" cy="4891384"/>
+          </a:xfrm>
+          <a:prstGeom prst="rect">
+            <a:avLst/>
+          </a:prstGeom>
+        </p:spPr>
+      </p:pic>
+    </p:spTree>
+    <p:extLst>
+      <p:ext uri="{BB962C8B-B14F-4D97-AF65-F5344CB8AC3E}">
+        <p14:creationId xmlns:p14="http://schemas.microsoft.com/office/powerpoint/2010/main" val="2541689546"/>
+      </p:ext>
+    </p:extLst>
+  </p:cSld>
+  <p:clrMapOvr>
+    <a:masterClrMapping/>
+  </p:clrMapOvr>
+</p:sld>
+</file>
+
+<file path=ppt/slides/slide7.xml><?xml version="1.0" encoding="utf-8"?>
+<p:sld xmlns:a="http://schemas.openxmlformats.org/drawingml/2006/main" xmlns:r="http://schemas.openxmlformats.org/officeDocument/2006/relationships" xmlns:p="http://schemas.openxmlformats.org/presentationml/2006/main">
+  <p:cSld>
+    <p:spTree>
+      <p:nvGrpSpPr>
+        <p:cNvPr id="1" name=""/>
+        <p:cNvGrpSpPr/>
+        <p:nvPr/>
+      </p:nvGrpSpPr>
+      <p:grpSpPr>
+        <a:xfrm>
+          <a:off x="0" y="0"/>
+          <a:ext cx="0" cy="0"/>
+          <a:chOff x="0" y="0"/>
+          <a:chExt cx="0" cy="0"/>
+        </a:xfrm>
+      </p:grpSpPr>
+      <p:sp>
+        <p:nvSpPr>
+          <p:cNvPr id="2" name="Titel 1">
+            <a:extLst>
+              <a:ext uri="{FF2B5EF4-FFF2-40B4-BE49-F238E27FC236}">
+                <a16:creationId xmlns:a16="http://schemas.microsoft.com/office/drawing/2014/main" id="{487E467D-BE78-FA4C-918C-3FF09D6F46B8}"/>
+              </a:ext>
+            </a:extLst>
+          </p:cNvPr>
+          <p:cNvSpPr>
+            <a:spLocks noGrp="1"/>
+          </p:cNvSpPr>
+          <p:nvPr>
+            <p:ph type="title"/>
+          </p:nvPr>
+        </p:nvSpPr>
+        <p:spPr/>
+        <p:txBody>
+          <a:bodyPr/>
+          <a:lstStyle/>
+          <a:p>
+            <a:r>
+              <a:rPr lang="de-DE" dirty="0"/>
+              <a:t>Aktueller Stand</a:t>
+            </a:r>
+            <a:br>
+              <a:rPr lang="de-DE" dirty="0"/>
+            </a:br>
+            <a:r>
+              <a:rPr lang="de-DE" b="0" dirty="0"/>
               <a:t>Design eines Feature-Modell</a:t>
             </a:r>
           </a:p>
@@ -21066,7 +25443,7 @@
 </p:sld>
 </file>
 
-<file path=ppt/slides/slide7.xml><?xml version="1.0" encoding="utf-8"?>
+<file path=ppt/slides/slide8.xml><?xml version="1.0" encoding="utf-8"?>
 <p:sld xmlns:a="http://schemas.openxmlformats.org/drawingml/2006/main" xmlns:r="http://schemas.openxmlformats.org/officeDocument/2006/relationships" xmlns:p="http://schemas.openxmlformats.org/presentationml/2006/main">
   <p:cSld>
     <p:spTree>
@@ -21235,7 +25612,7 @@
 </p:sld>
 </file>
 
-<file path=ppt/slides/slide8.xml><?xml version="1.0" encoding="utf-8"?>
+<file path=ppt/slides/slide9.xml><?xml version="1.0" encoding="utf-8"?>
 <p:sld xmlns:a="http://schemas.openxmlformats.org/drawingml/2006/main" xmlns:r="http://schemas.openxmlformats.org/officeDocument/2006/relationships" xmlns:p="http://schemas.openxmlformats.org/presentationml/2006/main">
   <p:cSld>
     <p:spTree>
@@ -21499,166 +25876,6 @@
     <p:extLst>
       <p:ext uri="{BB962C8B-B14F-4D97-AF65-F5344CB8AC3E}">
         <p14:creationId xmlns:p14="http://schemas.microsoft.com/office/powerpoint/2010/main" val="1311447933"/>
-      </p:ext>
-    </p:extLst>
-  </p:cSld>
-  <p:clrMapOvr>
-    <a:masterClrMapping/>
-  </p:clrMapOvr>
-</p:sld>
-</file>
-
-<file path=ppt/slides/slide9.xml><?xml version="1.0" encoding="utf-8"?>
-<p:sld xmlns:a="http://schemas.openxmlformats.org/drawingml/2006/main" xmlns:r="http://schemas.openxmlformats.org/officeDocument/2006/relationships" xmlns:p="http://schemas.openxmlformats.org/presentationml/2006/main">
-  <p:cSld>
-    <p:spTree>
-      <p:nvGrpSpPr>
-        <p:cNvPr id="1" name=""/>
-        <p:cNvGrpSpPr/>
-        <p:nvPr/>
-      </p:nvGrpSpPr>
-      <p:grpSpPr>
-        <a:xfrm>
-          <a:off x="0" y="0"/>
-          <a:ext cx="0" cy="0"/>
-          <a:chOff x="0" y="0"/>
-          <a:chExt cx="0" cy="0"/>
-        </a:xfrm>
-      </p:grpSpPr>
-      <p:sp>
-        <p:nvSpPr>
-          <p:cNvPr id="2" name="Titel 1">
-            <a:extLst>
-              <a:ext uri="{FF2B5EF4-FFF2-40B4-BE49-F238E27FC236}">
-                <a16:creationId xmlns:a16="http://schemas.microsoft.com/office/drawing/2014/main" id="{B32F61C0-C860-2045-B22A-C2B0D0F7A48C}"/>
-              </a:ext>
-            </a:extLst>
-          </p:cNvPr>
-          <p:cNvSpPr>
-            <a:spLocks noGrp="1"/>
-          </p:cNvSpPr>
-          <p:nvPr>
-            <p:ph type="title"/>
-          </p:nvPr>
-        </p:nvSpPr>
-        <p:spPr/>
-        <p:txBody>
-          <a:bodyPr/>
-          <a:lstStyle/>
-          <a:p>
-            <a:r>
-              <a:rPr lang="de-DE" dirty="0"/>
-              <a:t>Zeitplan und nächste Schritte</a:t>
-            </a:r>
-          </a:p>
-        </p:txBody>
-      </p:sp>
-      <p:sp>
-        <p:nvSpPr>
-          <p:cNvPr id="3" name="Inhaltsplatzhalter 2">
-            <a:extLst>
-              <a:ext uri="{FF2B5EF4-FFF2-40B4-BE49-F238E27FC236}">
-                <a16:creationId xmlns:a16="http://schemas.microsoft.com/office/drawing/2014/main" id="{7001F3B0-F4ED-D64B-81C1-A84119050FD1}"/>
-              </a:ext>
-            </a:extLst>
-          </p:cNvPr>
-          <p:cNvSpPr>
-            <a:spLocks noGrp="1"/>
-          </p:cNvSpPr>
-          <p:nvPr>
-            <p:ph sz="quarter" idx="10"/>
-          </p:nvPr>
-        </p:nvSpPr>
-        <p:spPr/>
-        <p:txBody>
-          <a:bodyPr/>
-          <a:lstStyle/>
-          <a:p>
-            <a:r>
-              <a:rPr lang="de-DE" b="1" dirty="0"/>
-              <a:t>Sprints:</a:t>
-            </a:r>
-          </a:p>
-          <a:p>
-            <a:endParaRPr lang="de-DE" dirty="0"/>
-          </a:p>
-          <a:p>
-            <a:endParaRPr lang="de-DE" dirty="0"/>
-          </a:p>
-          <a:p>
-            <a:endParaRPr lang="de-DE" dirty="0"/>
-          </a:p>
-          <a:p>
-            <a:endParaRPr lang="de-DE" dirty="0"/>
-          </a:p>
-          <a:p>
-            <a:r>
-              <a:rPr lang="de-DE" b="1" dirty="0"/>
-              <a:t>Nächste Schritte:</a:t>
-            </a:r>
-          </a:p>
-        </p:txBody>
-      </p:sp>
-      <p:graphicFrame>
-        <p:nvGraphicFramePr>
-          <p:cNvPr id="4" name="Diagramm 3">
-            <a:extLst>
-              <a:ext uri="{FF2B5EF4-FFF2-40B4-BE49-F238E27FC236}">
-                <a16:creationId xmlns:a16="http://schemas.microsoft.com/office/drawing/2014/main" id="{6E9C6384-ED26-E914-E614-6A0F4CDA2726}"/>
-              </a:ext>
-            </a:extLst>
-          </p:cNvPr>
-          <p:cNvGraphicFramePr/>
-          <p:nvPr>
-            <p:extLst>
-              <p:ext uri="{D42A27DB-BD31-4B8C-83A1-F6EECF244321}">
-                <p14:modId xmlns:p14="http://schemas.microsoft.com/office/powerpoint/2010/main" val="1889275175"/>
-              </p:ext>
-            </p:extLst>
-          </p:nvPr>
-        </p:nvGraphicFramePr>
-        <p:xfrm>
-          <a:off x="1989756" y="1010613"/>
-          <a:ext cx="8350597" cy="2563860"/>
-        </p:xfrm>
-        <a:graphic>
-          <a:graphicData uri="http://schemas.openxmlformats.org/drawingml/2006/diagram">
-            <dgm:relIds xmlns:dgm="http://schemas.openxmlformats.org/drawingml/2006/diagram" xmlns:r="http://schemas.openxmlformats.org/officeDocument/2006/relationships" r:dm="rId2" r:lo="rId3" r:qs="rId4" r:cs="rId5"/>
-          </a:graphicData>
-        </a:graphic>
-      </p:graphicFrame>
-      <p:graphicFrame>
-        <p:nvGraphicFramePr>
-          <p:cNvPr id="5" name="Diagramm 4">
-            <a:extLst>
-              <a:ext uri="{FF2B5EF4-FFF2-40B4-BE49-F238E27FC236}">
-                <a16:creationId xmlns:a16="http://schemas.microsoft.com/office/drawing/2014/main" id="{17EF3C8C-D26C-1938-0CAD-91E2784465B4}"/>
-              </a:ext>
-            </a:extLst>
-          </p:cNvPr>
-          <p:cNvGraphicFramePr/>
-          <p:nvPr>
-            <p:extLst>
-              <p:ext uri="{D42A27DB-BD31-4B8C-83A1-F6EECF244321}">
-                <p14:modId xmlns:p14="http://schemas.microsoft.com/office/powerpoint/2010/main" val="3475099459"/>
-              </p:ext>
-            </p:extLst>
-          </p:nvPr>
-        </p:nvGraphicFramePr>
-        <p:xfrm>
-          <a:off x="2577869" y="3566161"/>
-          <a:ext cx="6582756" cy="2563860"/>
-        </p:xfrm>
-        <a:graphic>
-          <a:graphicData uri="http://schemas.openxmlformats.org/drawingml/2006/diagram">
-            <dgm:relIds xmlns:dgm="http://schemas.openxmlformats.org/drawingml/2006/diagram" xmlns:r="http://schemas.openxmlformats.org/officeDocument/2006/relationships" r:dm="rId7" r:lo="rId8" r:qs="rId9" r:cs="rId10"/>
-          </a:graphicData>
-        </a:graphic>
-      </p:graphicFrame>
-    </p:spTree>
-    <p:extLst>
-      <p:ext uri="{BB962C8B-B14F-4D97-AF65-F5344CB8AC3E}">
-        <p14:creationId xmlns:p14="http://schemas.microsoft.com/office/powerpoint/2010/main" val="150058633"/>
       </p:ext>
     </p:extLst>
   </p:cSld>

--- a/Zwischenpräsentation.pptx
+++ b/Zwischenpräsentation.pptx
@@ -4398,7 +4398,7 @@
       <dgm:spPr/>
     </dgm:pt>
     <dgm:pt modelId="{AEAD57E8-9E0B-4EEF-9A9A-3E7351F08F0D}" type="pres">
-      <dgm:prSet presAssocID="{A7C29121-FD6B-4B4B-9EC7-E3359C04ECBF}" presName="parentNode" presStyleLbl="revTx" presStyleIdx="2" presStyleCnt="5" custScaleX="113233" custScaleY="57496" custLinFactNeighborX="15036" custLinFactNeighborY="-31505">
+      <dgm:prSet presAssocID="{A7C29121-FD6B-4B4B-9EC7-E3359C04ECBF}" presName="parentNode" presStyleLbl="revTx" presStyleIdx="2" presStyleCnt="5" custScaleX="113233" custScaleY="57496" custLinFactNeighborX="-3864" custLinFactNeighborY="-32343">
         <dgm:presLayoutVars>
           <dgm:chMax val="0"/>
           <dgm:bulletEnabled val="1"/>
@@ -4763,7 +4763,10 @@
             <a:rPr lang="de-DE" sz="1000" dirty="0" err="1"/>
             <a:t>Recommender</a:t>
           </a:r>
-          <a:endParaRPr lang="de-DE" sz="1000" dirty="0"/>
+          <a:r>
+            <a:rPr lang="de-DE" sz="1000" dirty="0"/>
+            <a:t> System</a:t>
+          </a:r>
         </a:p>
       </dgm:t>
     </dgm:pt>
@@ -6935,7 +6938,7 @@
       </dsp:nvSpPr>
       <dsp:spPr>
         <a:xfrm rot="16200000">
-          <a:off x="3521232" y="1660096"/>
+          <a:off x="3465241" y="1628449"/>
           <a:ext cx="2171283" cy="335450"/>
         </a:xfrm>
         <a:prstGeom prst="rect">
@@ -6988,7 +6991,7 @@
         </a:p>
       </dsp:txBody>
       <dsp:txXfrm>
-        <a:off x="3521232" y="1660096"/>
+        <a:off x="3465241" y="1628449"/>
         <a:ext cx="2171283" cy="335450"/>
       </dsp:txXfrm>
     </dsp:sp>
@@ -7786,7 +7789,10 @@
             <a:rPr lang="de-DE" sz="1000" kern="1200" dirty="0" err="1"/>
             <a:t>Recommender</a:t>
           </a:r>
-          <a:endParaRPr lang="de-DE" sz="1000" kern="1200" dirty="0"/>
+          <a:r>
+            <a:rPr lang="de-DE" sz="1000" kern="1200" dirty="0"/>
+            <a:t> System</a:t>
+          </a:r>
         </a:p>
       </dsp:txBody>
       <dsp:txXfrm>
@@ -13528,7 +13534,7 @@
           <a:p>
             <a:fld id="{C6AC6211-610F-44E5-BF19-D3CDF6EDD281}" type="datetimeFigureOut">
               <a:rPr lang="de-DE" smtClean="0"/>
-              <a:t>12.01.2023</a:t>
+              <a:t>14.01.2023</a:t>
             </a:fld>
             <a:endParaRPr lang="de-DE"/>
           </a:p>
@@ -13694,7 +13700,7 @@
           <a:p>
             <a:fld id="{347435D3-23A6-45D3-8DFA-7317DC1E7A64}" type="datetimeFigureOut">
               <a:rPr lang="de-DE" smtClean="0"/>
-              <a:t>12.01.2023</a:t>
+              <a:t>14.01.2023</a:t>
             </a:fld>
             <a:endParaRPr lang="de-DE"/>
           </a:p>
@@ -16238,7 +16244,7 @@
           <a:p>
             <a:fld id="{4771D386-8A79-4311-8C22-2E64011E473F}" type="datetime1">
               <a:rPr lang="de-LU" smtClean="0"/>
-              <a:t>12.01.2023</a:t>
+              <a:t>14.01.2023</a:t>
             </a:fld>
             <a:endParaRPr lang="de-LU" dirty="0"/>
           </a:p>
@@ -23002,7 +23008,7 @@
           <p:nvPr>
             <p:extLst>
               <p:ext uri="{D42A27DB-BD31-4B8C-83A1-F6EECF244321}">
-                <p14:modId xmlns:p14="http://schemas.microsoft.com/office/powerpoint/2010/main" val="1889275175"/>
+                <p14:modId xmlns:p14="http://schemas.microsoft.com/office/powerpoint/2010/main" val="3406549259"/>
               </p:ext>
             </p:extLst>
           </p:nvPr>
@@ -25677,7 +25683,7 @@
           <p:nvPr>
             <p:extLst>
               <p:ext uri="{D42A27DB-BD31-4B8C-83A1-F6EECF244321}">
-                <p14:modId xmlns:p14="http://schemas.microsoft.com/office/powerpoint/2010/main" val="4127260365"/>
+                <p14:modId xmlns:p14="http://schemas.microsoft.com/office/powerpoint/2010/main" val="3963897597"/>
               </p:ext>
             </p:extLst>
           </p:nvPr>
